--- a/challenge/slides/part_1.pptx
+++ b/challenge/slides/part_1.pptx
@@ -9,23 +9,25 @@
     <p:sldMasterId id="2147483927" r:id="rId8"/>
   </p:sldMasterIdLst>
   <p:notesMasterIdLst>
-    <p:notesMasterId r:id="rId20"/>
+    <p:notesMasterId r:id="rId22"/>
   </p:notesMasterIdLst>
   <p:handoutMasterIdLst>
-    <p:handoutMasterId r:id="rId21"/>
+    <p:handoutMasterId r:id="rId23"/>
   </p:handoutMasterIdLst>
   <p:sldIdLst>
-    <p:sldId id="259" r:id="rId9"/>
-    <p:sldId id="299" r:id="rId10"/>
-    <p:sldId id="333" r:id="rId11"/>
-    <p:sldId id="334" r:id="rId12"/>
-    <p:sldId id="346" r:id="rId13"/>
-    <p:sldId id="347" r:id="rId14"/>
-    <p:sldId id="345" r:id="rId15"/>
-    <p:sldId id="335" r:id="rId16"/>
-    <p:sldId id="336" r:id="rId17"/>
-    <p:sldId id="337" r:id="rId18"/>
-    <p:sldId id="338" r:id="rId19"/>
+    <p:sldId id="256" r:id="rId9"/>
+    <p:sldId id="259" r:id="rId10"/>
+    <p:sldId id="299" r:id="rId11"/>
+    <p:sldId id="333" r:id="rId12"/>
+    <p:sldId id="334" r:id="rId13"/>
+    <p:sldId id="346" r:id="rId14"/>
+    <p:sldId id="347" r:id="rId15"/>
+    <p:sldId id="345" r:id="rId16"/>
+    <p:sldId id="335" r:id="rId17"/>
+    <p:sldId id="336" r:id="rId18"/>
+    <p:sldId id="337" r:id="rId19"/>
+    <p:sldId id="338" r:id="rId20"/>
+    <p:sldId id="318" r:id="rId21"/>
   </p:sldIdLst>
   <p:sldSz cx="12192000" cy="6858000"/>
   <p:notesSz cx="6858000" cy="9144000"/>
@@ -2299,7 +2301,7 @@
               <a:rPr lang="en-GB" smtClean="0">
                 <a:latin typeface="Poppins" panose="00000500000000000000" pitchFamily="2" charset="0"/>
               </a:rPr>
-              <a:t>12/07/2023</a:t>
+              <a:t>13/07/2023</a:t>
             </a:fld>
             <a:endParaRPr lang="en-GB">
               <a:latin typeface="Poppins" panose="00000500000000000000" pitchFamily="2" charset="0"/>
@@ -2489,7 +2491,7 @@
             <a:fld id="{816C2FE4-2A89-2C48-B077-AF8EE4693F31}" type="datetimeFigureOut">
               <a:rPr lang="en-US" smtClean="0"/>
               <a:pPr/>
-              <a:t>7/12/23</a:t>
+              <a:t>7/13/23</a:t>
             </a:fld>
             <a:endParaRPr lang="en-US"/>
           </a:p>
@@ -2806,7 +2808,7 @@
           <a:bodyPr/>
           <a:lstStyle/>
           <a:p>
-            <a:endParaRPr lang="en-US"/>
+            <a:endParaRPr lang="en-GB"/>
           </a:p>
         </p:txBody>
       </p:sp>
@@ -2827,7 +2829,6 @@
           <a:p>
             <a:fld id="{8CCD80B4-3417-B74B-BDCD-C7836226A258}" type="slidenum">
               <a:rPr lang="en-US" smtClean="0"/>
-              <a:pPr/>
               <a:t>1</a:t>
             </a:fld>
             <a:endParaRPr lang="en-US"/>
@@ -2837,7 +2838,7 @@
     </p:spTree>
     <p:extLst>
       <p:ext uri="{BB962C8B-B14F-4D97-AF65-F5344CB8AC3E}">
-        <p14:creationId xmlns:p14="http://schemas.microsoft.com/office/powerpoint/2010/main" val="1763454174"/>
+        <p14:creationId xmlns:p14="http://schemas.microsoft.com/office/powerpoint/2010/main" val="4008887746"/>
       </p:ext>
     </p:extLst>
   </p:cSld>
@@ -2922,7 +2923,7 @@
     </p:spTree>
     <p:extLst>
       <p:ext uri="{BB962C8B-B14F-4D97-AF65-F5344CB8AC3E}">
-        <p14:creationId xmlns:p14="http://schemas.microsoft.com/office/powerpoint/2010/main" val="3453420077"/>
+        <p14:creationId xmlns:p14="http://schemas.microsoft.com/office/powerpoint/2010/main" val="1228700469"/>
       </p:ext>
     </p:extLst>
   </p:cSld>
@@ -3007,7 +3008,177 @@
     </p:spTree>
     <p:extLst>
       <p:ext uri="{BB962C8B-B14F-4D97-AF65-F5344CB8AC3E}">
+        <p14:creationId xmlns:p14="http://schemas.microsoft.com/office/powerpoint/2010/main" val="3453420077"/>
+      </p:ext>
+    </p:extLst>
+  </p:cSld>
+  <p:clrMapOvr>
+    <a:masterClrMapping/>
+  </p:clrMapOvr>
+</p:notes>
+</file>
+
+<file path=ppt/notesSlides/notesSlide12.xml><?xml version="1.0" encoding="utf-8"?>
+<p:notes xmlns:a="http://schemas.openxmlformats.org/drawingml/2006/main" xmlns:r="http://schemas.openxmlformats.org/officeDocument/2006/relationships" xmlns:p="http://schemas.openxmlformats.org/presentationml/2006/main">
+  <p:cSld>
+    <p:spTree>
+      <p:nvGrpSpPr>
+        <p:cNvPr id="1" name=""/>
+        <p:cNvGrpSpPr/>
+        <p:nvPr/>
+      </p:nvGrpSpPr>
+      <p:grpSpPr>
+        <a:xfrm>
+          <a:off x="0" y="0"/>
+          <a:ext cx="0" cy="0"/>
+          <a:chOff x="0" y="0"/>
+          <a:chExt cx="0" cy="0"/>
+        </a:xfrm>
+      </p:grpSpPr>
+      <p:sp>
+        <p:nvSpPr>
+          <p:cNvPr id="2" name="Slide Image Placeholder 1"/>
+          <p:cNvSpPr>
+            <a:spLocks noGrp="1" noRot="1" noChangeAspect="1"/>
+          </p:cNvSpPr>
+          <p:nvPr>
+            <p:ph type="sldImg"/>
+          </p:nvPr>
+        </p:nvSpPr>
+        <p:spPr/>
+      </p:sp>
+      <p:sp>
+        <p:nvSpPr>
+          <p:cNvPr id="3" name="Notes Placeholder 2"/>
+          <p:cNvSpPr>
+            <a:spLocks noGrp="1"/>
+          </p:cNvSpPr>
+          <p:nvPr>
+            <p:ph type="body" idx="1"/>
+          </p:nvPr>
+        </p:nvSpPr>
+        <p:spPr/>
+        <p:txBody>
+          <a:bodyPr/>
+          <a:lstStyle/>
+          <a:p>
+            <a:endParaRPr lang="en-US"/>
+          </a:p>
+        </p:txBody>
+      </p:sp>
+      <p:sp>
+        <p:nvSpPr>
+          <p:cNvPr id="4" name="Slide Number Placeholder 3"/>
+          <p:cNvSpPr>
+            <a:spLocks noGrp="1"/>
+          </p:cNvSpPr>
+          <p:nvPr>
+            <p:ph type="sldNum" sz="quarter" idx="5"/>
+          </p:nvPr>
+        </p:nvSpPr>
+        <p:spPr/>
+        <p:txBody>
+          <a:bodyPr/>
+          <a:lstStyle/>
+          <a:p>
+            <a:fld id="{8CCD80B4-3417-B74B-BDCD-C7836226A258}" type="slidenum">
+              <a:rPr lang="en-US" smtClean="0"/>
+              <a:pPr/>
+              <a:t>12</a:t>
+            </a:fld>
+            <a:endParaRPr lang="en-US"/>
+          </a:p>
+        </p:txBody>
+      </p:sp>
+    </p:spTree>
+    <p:extLst>
+      <p:ext uri="{BB962C8B-B14F-4D97-AF65-F5344CB8AC3E}">
         <p14:creationId xmlns:p14="http://schemas.microsoft.com/office/powerpoint/2010/main" val="1134845208"/>
+      </p:ext>
+    </p:extLst>
+  </p:cSld>
+  <p:clrMapOvr>
+    <a:masterClrMapping/>
+  </p:clrMapOvr>
+</p:notes>
+</file>
+
+<file path=ppt/notesSlides/notesSlide13.xml><?xml version="1.0" encoding="utf-8"?>
+<p:notes xmlns:a="http://schemas.openxmlformats.org/drawingml/2006/main" xmlns:r="http://schemas.openxmlformats.org/officeDocument/2006/relationships" xmlns:p="http://schemas.openxmlformats.org/presentationml/2006/main">
+  <p:cSld>
+    <p:spTree>
+      <p:nvGrpSpPr>
+        <p:cNvPr id="1" name=""/>
+        <p:cNvGrpSpPr/>
+        <p:nvPr/>
+      </p:nvGrpSpPr>
+      <p:grpSpPr>
+        <a:xfrm>
+          <a:off x="0" y="0"/>
+          <a:ext cx="0" cy="0"/>
+          <a:chOff x="0" y="0"/>
+          <a:chExt cx="0" cy="0"/>
+        </a:xfrm>
+      </p:grpSpPr>
+      <p:sp>
+        <p:nvSpPr>
+          <p:cNvPr id="2" name="Slide Image Placeholder 1"/>
+          <p:cNvSpPr>
+            <a:spLocks noGrp="1" noRot="1" noChangeAspect="1"/>
+          </p:cNvSpPr>
+          <p:nvPr>
+            <p:ph type="sldImg"/>
+          </p:nvPr>
+        </p:nvSpPr>
+        <p:spPr/>
+      </p:sp>
+      <p:sp>
+        <p:nvSpPr>
+          <p:cNvPr id="3" name="Notes Placeholder 2"/>
+          <p:cNvSpPr>
+            <a:spLocks noGrp="1"/>
+          </p:cNvSpPr>
+          <p:nvPr>
+            <p:ph type="body" idx="1"/>
+          </p:nvPr>
+        </p:nvSpPr>
+        <p:spPr/>
+        <p:txBody>
+          <a:bodyPr/>
+          <a:lstStyle/>
+          <a:p>
+            <a:endParaRPr lang="en-US"/>
+          </a:p>
+        </p:txBody>
+      </p:sp>
+      <p:sp>
+        <p:nvSpPr>
+          <p:cNvPr id="4" name="Slide Number Placeholder 3"/>
+          <p:cNvSpPr>
+            <a:spLocks noGrp="1"/>
+          </p:cNvSpPr>
+          <p:nvPr>
+            <p:ph type="sldNum" sz="quarter" idx="5"/>
+          </p:nvPr>
+        </p:nvSpPr>
+        <p:spPr/>
+        <p:txBody>
+          <a:bodyPr/>
+          <a:lstStyle/>
+          <a:p>
+            <a:fld id="{8CCD80B4-3417-B74B-BDCD-C7836226A258}" type="slidenum">
+              <a:rPr lang="en-US" smtClean="0"/>
+              <a:pPr/>
+              <a:t>13</a:t>
+            </a:fld>
+            <a:endParaRPr lang="en-US"/>
+          </a:p>
+        </p:txBody>
+      </p:sp>
+    </p:spTree>
+    <p:extLst>
+      <p:ext uri="{BB962C8B-B14F-4D97-AF65-F5344CB8AC3E}">
+        <p14:creationId xmlns:p14="http://schemas.microsoft.com/office/powerpoint/2010/main" val="4117485749"/>
       </p:ext>
     </p:extLst>
   </p:cSld>
@@ -3061,197 +3232,7 @@
           <a:bodyPr/>
           <a:lstStyle/>
           <a:p>
-            <a:r>
-              <a:rPr lang="en-US" dirty="0"/>
-              <a:t>5-level Likert-style scale for 10 survey items:</a:t>
-            </a:r>
-          </a:p>
-          <a:p>
-            <a:endParaRPr lang="en-US" dirty="0"/>
-          </a:p>
-          <a:p>
-            <a:r>
-              <a:rPr lang="en-US" dirty="0"/>
-              <a:t>Sentiment: </a:t>
-            </a:r>
-            <a:r>
-              <a:rPr lang="en-GB" dirty="0">
-                <a:effectLst/>
-                <a:latin typeface="Helvetica" pitchFamily="2" charset="0"/>
-              </a:rPr>
-              <a:t>How would you describe the sentiment of this comment?</a:t>
-            </a:r>
-          </a:p>
-          <a:p>
-            <a:endParaRPr lang="en-US" dirty="0"/>
-          </a:p>
-          <a:p>
-            <a:r>
-              <a:rPr lang="en-US" dirty="0"/>
-              <a:t>Respect: </a:t>
-            </a:r>
-            <a:r>
-              <a:rPr lang="en-GB" dirty="0">
-                <a:effectLst/>
-                <a:latin typeface="Helvetica" pitchFamily="2" charset="0"/>
-              </a:rPr>
-              <a:t>a higher rating implies that the annotator feels the comment expresses a greater degree of disrespect</a:t>
-            </a:r>
-          </a:p>
-          <a:p>
-            <a:endParaRPr lang="en-GB" dirty="0">
-              <a:effectLst/>
-              <a:latin typeface="Helvetica" pitchFamily="2" charset="0"/>
-            </a:endParaRPr>
-          </a:p>
-          <a:p>
-            <a:r>
-              <a:rPr lang="en-GB" dirty="0">
-                <a:effectLst/>
-                <a:latin typeface="Helvetica" pitchFamily="2" charset="0"/>
-              </a:rPr>
-              <a:t>Insult  This comment is insulting towards the group(s) you previously identified.</a:t>
-            </a:r>
-          </a:p>
-          <a:p>
-            <a:endParaRPr lang="en-GB" dirty="0">
-              <a:effectLst/>
-              <a:latin typeface="Helvetica" pitchFamily="2" charset="0"/>
-            </a:endParaRPr>
-          </a:p>
-          <a:p>
-            <a:r>
-              <a:rPr lang="en-GB" dirty="0">
-                <a:effectLst/>
-                <a:latin typeface="Helvetica" pitchFamily="2" charset="0"/>
-              </a:rPr>
-              <a:t>Humiliate This comment is humiliating towards the group(s) you previously identified.</a:t>
-            </a:r>
-          </a:p>
-          <a:p>
-            <a:endParaRPr lang="en-GB" dirty="0">
-              <a:effectLst/>
-              <a:latin typeface="Helvetica" pitchFamily="2" charset="0"/>
-            </a:endParaRPr>
-          </a:p>
-          <a:p>
-            <a:r>
-              <a:rPr lang="en-GB" dirty="0">
-                <a:effectLst/>
-                <a:latin typeface="Helvetica" pitchFamily="2" charset="0"/>
-              </a:rPr>
-              <a:t>Status This comment states that the group(s) you previously identified is: Strongly inferior, inferior, neither superior nor inferior, superior, strongly superior</a:t>
-            </a:r>
-          </a:p>
-          <a:p>
-            <a:endParaRPr lang="en-GB" dirty="0">
-              <a:effectLst/>
-              <a:latin typeface="Helvetica" pitchFamily="2" charset="0"/>
-            </a:endParaRPr>
-          </a:p>
-          <a:p>
-            <a:r>
-              <a:rPr lang="en-GB" dirty="0">
-                <a:effectLst/>
-                <a:latin typeface="Helvetica" pitchFamily="2" charset="0"/>
-              </a:rPr>
-              <a:t>Dehumanize This comment dehumanizes the group(s) you previously identified (e.g., by comparing them to an animal).</a:t>
-            </a:r>
-          </a:p>
-          <a:p>
-            <a:endParaRPr lang="en-GB" dirty="0">
-              <a:effectLst/>
-              <a:latin typeface="Helvetica" pitchFamily="2" charset="0"/>
-            </a:endParaRPr>
-          </a:p>
-          <a:p>
-            <a:r>
-              <a:rPr lang="en-GB" dirty="0">
-                <a:effectLst/>
-                <a:latin typeface="Helvetica" pitchFamily="2" charset="0"/>
-              </a:rPr>
-              <a:t>Violence This comment calls for using violence against the group(s) you previously identified.</a:t>
-            </a:r>
-          </a:p>
-          <a:p>
-            <a:endParaRPr lang="en-GB" dirty="0">
-              <a:effectLst/>
-              <a:latin typeface="Helvetica" pitchFamily="2" charset="0"/>
-            </a:endParaRPr>
-          </a:p>
-          <a:p>
-            <a:r>
-              <a:rPr lang="en-GB" dirty="0">
-                <a:effectLst/>
-                <a:latin typeface="Helvetica" pitchFamily="2" charset="0"/>
-              </a:rPr>
-              <a:t>Genocide This comment calls for the deliberate killing of a large group of people from the group(s) you previously identified.</a:t>
-            </a:r>
-          </a:p>
-          <a:p>
-            <a:endParaRPr lang="en-GB" dirty="0">
-              <a:effectLst/>
-              <a:latin typeface="Helvetica" pitchFamily="2" charset="0"/>
-            </a:endParaRPr>
-          </a:p>
-          <a:p>
-            <a:r>
-              <a:rPr lang="en-GB" dirty="0">
-                <a:effectLst/>
-                <a:latin typeface="Helvetica" pitchFamily="2" charset="0"/>
-              </a:rPr>
-              <a:t>Attack-Defend Is the comment attacking or defending the group(s) you previously identified? Strongly defending, defending, neither defending nor attacking, attacking, strongly attacking</a:t>
-            </a:r>
-          </a:p>
-          <a:p>
-            <a:endParaRPr lang="en-GB" dirty="0">
-              <a:effectLst/>
-              <a:latin typeface="Helvetica" pitchFamily="2" charset="0"/>
-            </a:endParaRPr>
-          </a:p>
-          <a:p>
-            <a:r>
-              <a:rPr lang="en-GB" dirty="0">
-                <a:effectLst/>
-                <a:latin typeface="Helvetica" pitchFamily="2" charset="0"/>
-              </a:rPr>
-              <a:t>Hate speech Does this comment contain hate speech, defined as “bias-motivated, hostile and malicious language targeted at a person/group because of their actual or perceived innate characteristics, especially when the group is unnecessarily </a:t>
-            </a:r>
-            <a:r>
-              <a:rPr lang="en-GB" dirty="0" err="1">
-                <a:effectLst/>
-                <a:latin typeface="Helvetica" pitchFamily="2" charset="0"/>
-              </a:rPr>
-              <a:t>labeled</a:t>
-            </a:r>
-            <a:r>
-              <a:rPr lang="en-GB" dirty="0">
-                <a:effectLst/>
-                <a:latin typeface="Helvetica" pitchFamily="2" charset="0"/>
-              </a:rPr>
-              <a:t>?</a:t>
-            </a:r>
-          </a:p>
-          <a:p>
-            <a:endParaRPr lang="en-GB" dirty="0">
-              <a:effectLst/>
-              <a:latin typeface="Helvetica" pitchFamily="2" charset="0"/>
-            </a:endParaRPr>
-          </a:p>
-          <a:p>
-            <a:endParaRPr lang="en-GB" dirty="0">
-              <a:effectLst/>
-              <a:latin typeface="Helvetica" pitchFamily="2" charset="0"/>
-            </a:endParaRPr>
-          </a:p>
-          <a:p>
-            <a:endParaRPr lang="en-GB" dirty="0">
-              <a:effectLst/>
-              <a:latin typeface="Helvetica" pitchFamily="2" charset="0"/>
-            </a:endParaRPr>
-          </a:p>
-          <a:p>
-            <a:endParaRPr lang="en-US" dirty="0"/>
+            <a:endParaRPr lang="en-US"/>
           </a:p>
         </p:txBody>
       </p:sp>
@@ -3282,7 +3263,7 @@
     </p:spTree>
     <p:extLst>
       <p:ext uri="{BB962C8B-B14F-4D97-AF65-F5344CB8AC3E}">
-        <p14:creationId xmlns:p14="http://schemas.microsoft.com/office/powerpoint/2010/main" val="31202903"/>
+        <p14:creationId xmlns:p14="http://schemas.microsoft.com/office/powerpoint/2010/main" val="1763454174"/>
       </p:ext>
     </p:extLst>
   </p:cSld>
@@ -3337,11 +3318,40 @@
           <a:lstStyle/>
           <a:p>
             <a:r>
+              <a:rPr lang="en-US" dirty="0"/>
+              <a:t>5-level Likert-style scale for 10 survey items:</a:t>
+            </a:r>
+          </a:p>
+          <a:p>
+            <a:endParaRPr lang="en-US" dirty="0"/>
+          </a:p>
+          <a:p>
+            <a:r>
+              <a:rPr lang="en-US" dirty="0"/>
+              <a:t>Sentiment: </a:t>
+            </a:r>
+            <a:r>
               <a:rPr lang="en-GB" dirty="0">
                 <a:effectLst/>
                 <a:latin typeface="Helvetica" pitchFamily="2" charset="0"/>
               </a:rPr>
-              <a:t>Annotator demographics</a:t>
+              <a:t>How would you describe the sentiment of this comment?</a:t>
+            </a:r>
+          </a:p>
+          <a:p>
+            <a:endParaRPr lang="en-US" dirty="0"/>
+          </a:p>
+          <a:p>
+            <a:r>
+              <a:rPr lang="en-US" dirty="0"/>
+              <a:t>Respect: </a:t>
+            </a:r>
+            <a:r>
+              <a:rPr lang="en-GB" dirty="0">
+                <a:effectLst/>
+                <a:latin typeface="Helvetica" pitchFamily="2" charset="0"/>
+              </a:rPr>
+              <a:t>a higher rating implies that the annotator feels the comment expresses a greater degree of disrespect</a:t>
             </a:r>
           </a:p>
           <a:p>
@@ -3356,8 +3366,14 @@
                 <a:effectLst/>
                 <a:latin typeface="Helvetica" pitchFamily="2" charset="0"/>
               </a:rPr>
-              <a:t>Race or ethnicity</a:t>
-            </a:r>
+              <a:t>Insult  This comment is insulting towards the group(s) you previously identified.</a:t>
+            </a:r>
+          </a:p>
+          <a:p>
+            <a:endParaRPr lang="en-GB" dirty="0">
+              <a:effectLst/>
+              <a:latin typeface="Helvetica" pitchFamily="2" charset="0"/>
+            </a:endParaRPr>
           </a:p>
           <a:p>
             <a:r>
@@ -3365,21 +3381,111 @@
                 <a:effectLst/>
                 <a:latin typeface="Helvetica" pitchFamily="2" charset="0"/>
               </a:rPr>
-              <a:t>Black or African American, Latino or non-white Hispanic, Asian, Middle Eastern, Native American or Alaska Native, Pacific Islander, Non-</a:t>
+              <a:t>Humiliate This comment is humiliating towards the group(s) you previously identified.</a:t>
+            </a:r>
+          </a:p>
+          <a:p>
+            <a:endParaRPr lang="en-GB" dirty="0">
+              <a:effectLst/>
+              <a:latin typeface="Helvetica" pitchFamily="2" charset="0"/>
+            </a:endParaRPr>
+          </a:p>
+          <a:p>
+            <a:r>
+              <a:rPr lang="en-GB" dirty="0">
+                <a:effectLst/>
+                <a:latin typeface="Helvetica" pitchFamily="2" charset="0"/>
+              </a:rPr>
+              <a:t>Status This comment states that the group(s) you previously identified is: Strongly inferior, inferior, neither superior nor inferior, superior, strongly superior</a:t>
+            </a:r>
+          </a:p>
+          <a:p>
+            <a:endParaRPr lang="en-GB" dirty="0">
+              <a:effectLst/>
+              <a:latin typeface="Helvetica" pitchFamily="2" charset="0"/>
+            </a:endParaRPr>
+          </a:p>
+          <a:p>
+            <a:r>
+              <a:rPr lang="en-GB" dirty="0">
+                <a:effectLst/>
+                <a:latin typeface="Helvetica" pitchFamily="2" charset="0"/>
+              </a:rPr>
+              <a:t>Dehumanize This comment dehumanizes the group(s) you previously identified (e.g., by comparing them to an animal).</a:t>
+            </a:r>
+          </a:p>
+          <a:p>
+            <a:endParaRPr lang="en-GB" dirty="0">
+              <a:effectLst/>
+              <a:latin typeface="Helvetica" pitchFamily="2" charset="0"/>
+            </a:endParaRPr>
+          </a:p>
+          <a:p>
+            <a:r>
+              <a:rPr lang="en-GB" dirty="0">
+                <a:effectLst/>
+                <a:latin typeface="Helvetica" pitchFamily="2" charset="0"/>
+              </a:rPr>
+              <a:t>Violence This comment calls for using violence against the group(s) you previously identified.</a:t>
+            </a:r>
+          </a:p>
+          <a:p>
+            <a:endParaRPr lang="en-GB" dirty="0">
+              <a:effectLst/>
+              <a:latin typeface="Helvetica" pitchFamily="2" charset="0"/>
+            </a:endParaRPr>
+          </a:p>
+          <a:p>
+            <a:r>
+              <a:rPr lang="en-GB" dirty="0">
+                <a:effectLst/>
+                <a:latin typeface="Helvetica" pitchFamily="2" charset="0"/>
+              </a:rPr>
+              <a:t>Genocide This comment calls for the deliberate killing of a large group of people from the group(s) you previously identified.</a:t>
+            </a:r>
+          </a:p>
+          <a:p>
+            <a:endParaRPr lang="en-GB" dirty="0">
+              <a:effectLst/>
+              <a:latin typeface="Helvetica" pitchFamily="2" charset="0"/>
+            </a:endParaRPr>
+          </a:p>
+          <a:p>
+            <a:r>
+              <a:rPr lang="en-GB" dirty="0">
+                <a:effectLst/>
+                <a:latin typeface="Helvetica" pitchFamily="2" charset="0"/>
+              </a:rPr>
+              <a:t>Attack-Defend Is the comment attacking or defending the group(s) you previously identified? Strongly defending, defending, neither defending nor attacking, attacking, strongly attacking</a:t>
+            </a:r>
+          </a:p>
+          <a:p>
+            <a:endParaRPr lang="en-GB" dirty="0">
+              <a:effectLst/>
+              <a:latin typeface="Helvetica" pitchFamily="2" charset="0"/>
+            </a:endParaRPr>
+          </a:p>
+          <a:p>
+            <a:r>
+              <a:rPr lang="en-GB" dirty="0">
+                <a:effectLst/>
+                <a:latin typeface="Helvetica" pitchFamily="2" charset="0"/>
+              </a:rPr>
+              <a:t>Hate speech Does this comment contain hate speech, defined as “bias-motivated, hostile and malicious language targeted at a person/group because of their actual or perceived innate characteristics, especially when the group is unnecessarily </a:t>
             </a:r>
             <a:r>
               <a:rPr lang="en-GB" dirty="0" err="1">
                 <a:effectLst/>
                 <a:latin typeface="Helvetica" pitchFamily="2" charset="0"/>
               </a:rPr>
-              <a:t>hispanic</a:t>
+              <a:t>labeled</a:t>
             </a:r>
             <a:r>
               <a:rPr lang="en-GB" dirty="0">
                 <a:effectLst/>
                 <a:latin typeface="Helvetica" pitchFamily="2" charset="0"/>
               </a:rPr>
-              <a:t> white</a:t>
+              <a:t>?</a:t>
             </a:r>
           </a:p>
           <a:p>
@@ -3389,142 +3495,16 @@
             </a:endParaRPr>
           </a:p>
           <a:p>
-            <a:r>
-              <a:rPr lang="en-GB" dirty="0">
-                <a:effectLst/>
-                <a:latin typeface="Helvetica" pitchFamily="2" charset="0"/>
-              </a:rPr>
-              <a:t>Religion </a:t>
-            </a:r>
-          </a:p>
-          <a:p>
-            <a:r>
-              <a:rPr lang="en-GB" dirty="0">
-                <a:effectLst/>
-                <a:latin typeface="Helvetica" pitchFamily="2" charset="0"/>
-              </a:rPr>
-              <a:t>Jews, Christians, Buddhists, Hindus, Mormons, Atheists, Muslims</a:t>
-            </a:r>
-          </a:p>
-          <a:p>
             <a:endParaRPr lang="en-GB" dirty="0">
               <a:effectLst/>
               <a:latin typeface="Helvetica" pitchFamily="2" charset="0"/>
             </a:endParaRPr>
           </a:p>
           <a:p>
-            <a:r>
-              <a:rPr lang="en-GB" dirty="0">
-                <a:effectLst/>
-                <a:latin typeface="Helvetica" pitchFamily="2" charset="0"/>
-              </a:rPr>
-              <a:t>National origin or citizenship status </a:t>
-            </a:r>
-          </a:p>
-          <a:p>
-            <a:r>
-              <a:rPr lang="en-GB" dirty="0">
-                <a:effectLst/>
-                <a:latin typeface="Helvetica" pitchFamily="2" charset="0"/>
-              </a:rPr>
-              <a:t>A specific country, immigrant, migrant worker, undocumented person</a:t>
-            </a:r>
-          </a:p>
-          <a:p>
             <a:endParaRPr lang="en-GB" dirty="0">
               <a:effectLst/>
               <a:latin typeface="Helvetica" pitchFamily="2" charset="0"/>
             </a:endParaRPr>
-          </a:p>
-          <a:p>
-            <a:r>
-              <a:rPr lang="en-GB" dirty="0">
-                <a:effectLst/>
-                <a:latin typeface="Helvetica" pitchFamily="2" charset="0"/>
-              </a:rPr>
-              <a:t>Gender identity</a:t>
-            </a:r>
-          </a:p>
-          <a:p>
-            <a:r>
-              <a:rPr lang="en-GB" dirty="0">
-                <a:effectLst/>
-                <a:latin typeface="Helvetica" pitchFamily="2" charset="0"/>
-              </a:rPr>
-              <a:t>Women, men, non-binary or third gender, transgender women, transgender men, transgender (unspecified) </a:t>
-            </a:r>
-          </a:p>
-          <a:p>
-            <a:endParaRPr lang="en-GB" dirty="0">
-              <a:effectLst/>
-              <a:latin typeface="Helvetica" pitchFamily="2" charset="0"/>
-            </a:endParaRPr>
-          </a:p>
-          <a:p>
-            <a:r>
-              <a:rPr lang="en-GB" dirty="0">
-                <a:effectLst/>
-                <a:latin typeface="Helvetica" pitchFamily="2" charset="0"/>
-              </a:rPr>
-              <a:t>Sexual orientation </a:t>
-            </a:r>
-          </a:p>
-          <a:p>
-            <a:r>
-              <a:rPr lang="en-GB" dirty="0">
-                <a:effectLst/>
-                <a:latin typeface="Helvetica" pitchFamily="2" charset="0"/>
-              </a:rPr>
-              <a:t>Bisexual, gay, lesbian, heterosexual</a:t>
-            </a:r>
-          </a:p>
-          <a:p>
-            <a:endParaRPr lang="en-GB" dirty="0">
-              <a:effectLst/>
-              <a:latin typeface="Helvetica" pitchFamily="2" charset="0"/>
-            </a:endParaRPr>
-          </a:p>
-          <a:p>
-            <a:r>
-              <a:rPr lang="en-GB" dirty="0">
-                <a:effectLst/>
-                <a:latin typeface="Helvetica" pitchFamily="2" charset="0"/>
-              </a:rPr>
-              <a:t>Age</a:t>
-            </a:r>
-          </a:p>
-          <a:p>
-            <a:r>
-              <a:rPr lang="en-GB" dirty="0">
-                <a:effectLst/>
-                <a:latin typeface="Helvetica" pitchFamily="2" charset="0"/>
-              </a:rPr>
-              <a:t>Children (0 - 12 years old), adolescents / teenagers (13 - 17), young adults / adults (18 - 39), middle-aged (40 - 64), seniors (65 or older)</a:t>
-            </a:r>
-          </a:p>
-          <a:p>
-            <a:endParaRPr lang="en-GB" dirty="0">
-              <a:effectLst/>
-              <a:latin typeface="Helvetica" pitchFamily="2" charset="0"/>
-            </a:endParaRPr>
-          </a:p>
-          <a:p>
-            <a:r>
-              <a:rPr lang="en-GB" dirty="0">
-                <a:effectLst/>
-                <a:latin typeface="Helvetica" pitchFamily="2" charset="0"/>
-              </a:rPr>
-              <a:t>Disability status</a:t>
-            </a:r>
-          </a:p>
-          <a:p>
-            <a:r>
-              <a:rPr lang="en-GB" dirty="0">
-                <a:effectLst/>
-                <a:latin typeface="Helvetica" pitchFamily="2" charset="0"/>
-              </a:rPr>
-              <a:t>People with physical disabilities (e.g., use of wheelchair), people with cognitive disorders (e.g., autism) or learning disabilities (e.g., Down syndrome), people with mental health problems (e.g., depression, addiction), visually impaired people, hearing impaired people, no specific disability</a:t>
-            </a:r>
           </a:p>
           <a:p>
             <a:endParaRPr lang="en-US" dirty="0"/>
@@ -3558,7 +3538,7 @@
     </p:spTree>
     <p:extLst>
       <p:ext uri="{BB962C8B-B14F-4D97-AF65-F5344CB8AC3E}">
-        <p14:creationId xmlns:p14="http://schemas.microsoft.com/office/powerpoint/2010/main" val="612528152"/>
+        <p14:creationId xmlns:p14="http://schemas.microsoft.com/office/powerpoint/2010/main" val="31202903"/>
       </p:ext>
     </p:extLst>
   </p:cSld>
@@ -3612,6 +3592,197 @@
           <a:bodyPr/>
           <a:lstStyle/>
           <a:p>
+            <a:r>
+              <a:rPr lang="en-GB" dirty="0">
+                <a:effectLst/>
+                <a:latin typeface="Helvetica" pitchFamily="2" charset="0"/>
+              </a:rPr>
+              <a:t>Annotator demographics</a:t>
+            </a:r>
+          </a:p>
+          <a:p>
+            <a:endParaRPr lang="en-GB" dirty="0">
+              <a:effectLst/>
+              <a:latin typeface="Helvetica" pitchFamily="2" charset="0"/>
+            </a:endParaRPr>
+          </a:p>
+          <a:p>
+            <a:r>
+              <a:rPr lang="en-GB" dirty="0">
+                <a:effectLst/>
+                <a:latin typeface="Helvetica" pitchFamily="2" charset="0"/>
+              </a:rPr>
+              <a:t>Race or ethnicity</a:t>
+            </a:r>
+          </a:p>
+          <a:p>
+            <a:r>
+              <a:rPr lang="en-GB" dirty="0">
+                <a:effectLst/>
+                <a:latin typeface="Helvetica" pitchFamily="2" charset="0"/>
+              </a:rPr>
+              <a:t>Black or African American, Latino or non-white Hispanic, Asian, Middle Eastern, Native American or Alaska Native, Pacific Islander, Non-</a:t>
+            </a:r>
+            <a:r>
+              <a:rPr lang="en-GB" dirty="0" err="1">
+                <a:effectLst/>
+                <a:latin typeface="Helvetica" pitchFamily="2" charset="0"/>
+              </a:rPr>
+              <a:t>hispanic</a:t>
+            </a:r>
+            <a:r>
+              <a:rPr lang="en-GB" dirty="0">
+                <a:effectLst/>
+                <a:latin typeface="Helvetica" pitchFamily="2" charset="0"/>
+              </a:rPr>
+              <a:t> white</a:t>
+            </a:r>
+          </a:p>
+          <a:p>
+            <a:endParaRPr lang="en-GB" dirty="0">
+              <a:effectLst/>
+              <a:latin typeface="Helvetica" pitchFamily="2" charset="0"/>
+            </a:endParaRPr>
+          </a:p>
+          <a:p>
+            <a:r>
+              <a:rPr lang="en-GB" dirty="0">
+                <a:effectLst/>
+                <a:latin typeface="Helvetica" pitchFamily="2" charset="0"/>
+              </a:rPr>
+              <a:t>Religion </a:t>
+            </a:r>
+          </a:p>
+          <a:p>
+            <a:r>
+              <a:rPr lang="en-GB" dirty="0">
+                <a:effectLst/>
+                <a:latin typeface="Helvetica" pitchFamily="2" charset="0"/>
+              </a:rPr>
+              <a:t>Jews, Christians, Buddhists, Hindus, Mormons, Atheists, Muslims</a:t>
+            </a:r>
+          </a:p>
+          <a:p>
+            <a:endParaRPr lang="en-GB" dirty="0">
+              <a:effectLst/>
+              <a:latin typeface="Helvetica" pitchFamily="2" charset="0"/>
+            </a:endParaRPr>
+          </a:p>
+          <a:p>
+            <a:r>
+              <a:rPr lang="en-GB" dirty="0">
+                <a:effectLst/>
+                <a:latin typeface="Helvetica" pitchFamily="2" charset="0"/>
+              </a:rPr>
+              <a:t>National origin or citizenship status </a:t>
+            </a:r>
+          </a:p>
+          <a:p>
+            <a:r>
+              <a:rPr lang="en-GB" dirty="0">
+                <a:effectLst/>
+                <a:latin typeface="Helvetica" pitchFamily="2" charset="0"/>
+              </a:rPr>
+              <a:t>A specific country, immigrant, migrant worker, undocumented person</a:t>
+            </a:r>
+          </a:p>
+          <a:p>
+            <a:endParaRPr lang="en-GB" dirty="0">
+              <a:effectLst/>
+              <a:latin typeface="Helvetica" pitchFamily="2" charset="0"/>
+            </a:endParaRPr>
+          </a:p>
+          <a:p>
+            <a:r>
+              <a:rPr lang="en-GB" dirty="0">
+                <a:effectLst/>
+                <a:latin typeface="Helvetica" pitchFamily="2" charset="0"/>
+              </a:rPr>
+              <a:t>Gender identity</a:t>
+            </a:r>
+          </a:p>
+          <a:p>
+            <a:r>
+              <a:rPr lang="en-GB" dirty="0">
+                <a:effectLst/>
+                <a:latin typeface="Helvetica" pitchFamily="2" charset="0"/>
+              </a:rPr>
+              <a:t>Women, men, non-binary or third gender, transgender women, transgender men, transgender (unspecified) </a:t>
+            </a:r>
+          </a:p>
+          <a:p>
+            <a:endParaRPr lang="en-GB" dirty="0">
+              <a:effectLst/>
+              <a:latin typeface="Helvetica" pitchFamily="2" charset="0"/>
+            </a:endParaRPr>
+          </a:p>
+          <a:p>
+            <a:r>
+              <a:rPr lang="en-GB" dirty="0">
+                <a:effectLst/>
+                <a:latin typeface="Helvetica" pitchFamily="2" charset="0"/>
+              </a:rPr>
+              <a:t>Sexual orientation </a:t>
+            </a:r>
+          </a:p>
+          <a:p>
+            <a:r>
+              <a:rPr lang="en-GB" dirty="0">
+                <a:effectLst/>
+                <a:latin typeface="Helvetica" pitchFamily="2" charset="0"/>
+              </a:rPr>
+              <a:t>Bisexual, gay, lesbian, heterosexual</a:t>
+            </a:r>
+          </a:p>
+          <a:p>
+            <a:endParaRPr lang="en-GB" dirty="0">
+              <a:effectLst/>
+              <a:latin typeface="Helvetica" pitchFamily="2" charset="0"/>
+            </a:endParaRPr>
+          </a:p>
+          <a:p>
+            <a:r>
+              <a:rPr lang="en-GB" dirty="0">
+                <a:effectLst/>
+                <a:latin typeface="Helvetica" pitchFamily="2" charset="0"/>
+              </a:rPr>
+              <a:t>Age</a:t>
+            </a:r>
+          </a:p>
+          <a:p>
+            <a:r>
+              <a:rPr lang="en-GB" dirty="0">
+                <a:effectLst/>
+                <a:latin typeface="Helvetica" pitchFamily="2" charset="0"/>
+              </a:rPr>
+              <a:t>Children (0 - 12 years old), adolescents / teenagers (13 - 17), young adults / adults (18 - 39), middle-aged (40 - 64), seniors (65 or older)</a:t>
+            </a:r>
+          </a:p>
+          <a:p>
+            <a:endParaRPr lang="en-GB" dirty="0">
+              <a:effectLst/>
+              <a:latin typeface="Helvetica" pitchFamily="2" charset="0"/>
+            </a:endParaRPr>
+          </a:p>
+          <a:p>
+            <a:r>
+              <a:rPr lang="en-GB" dirty="0">
+                <a:effectLst/>
+                <a:latin typeface="Helvetica" pitchFamily="2" charset="0"/>
+              </a:rPr>
+              <a:t>Disability status</a:t>
+            </a:r>
+          </a:p>
+          <a:p>
+            <a:r>
+              <a:rPr lang="en-GB" dirty="0">
+                <a:effectLst/>
+                <a:latin typeface="Helvetica" pitchFamily="2" charset="0"/>
+              </a:rPr>
+              <a:t>People with physical disabilities (e.g., use of wheelchair), people with cognitive disorders (e.g., autism) or learning disabilities (e.g., Down syndrome), people with mental health problems (e.g., depression, addiction), visually impaired people, hearing impaired people, no specific disability</a:t>
+            </a:r>
+          </a:p>
+          <a:p>
             <a:endParaRPr lang="en-US" dirty="0"/>
           </a:p>
         </p:txBody>
@@ -3643,7 +3814,7 @@
     </p:spTree>
     <p:extLst>
       <p:ext uri="{BB962C8B-B14F-4D97-AF65-F5344CB8AC3E}">
-        <p14:creationId xmlns:p14="http://schemas.microsoft.com/office/powerpoint/2010/main" val="926593475"/>
+        <p14:creationId xmlns:p14="http://schemas.microsoft.com/office/powerpoint/2010/main" val="612528152"/>
       </p:ext>
     </p:extLst>
   </p:cSld>
@@ -3697,34 +3868,7 @@
           <a:bodyPr/>
           <a:lstStyle/>
           <a:p>
-            <a:r>
-              <a:rPr lang="en-US" dirty="0"/>
-              <a:t>El output sera un </a:t>
-            </a:r>
-            <a:r>
-              <a:rPr lang="en-US" dirty="0" err="1"/>
-              <a:t>fichero</a:t>
-            </a:r>
-            <a:r>
-              <a:rPr lang="en-US" dirty="0"/>
-              <a:t> de </a:t>
-            </a:r>
-            <a:r>
-              <a:rPr lang="en-US" dirty="0" err="1"/>
-              <a:t>salida</a:t>
-            </a:r>
-            <a:r>
-              <a:rPr lang="en-US" dirty="0"/>
-              <a:t> que sea </a:t>
-            </a:r>
-            <a:r>
-              <a:rPr lang="en-US" dirty="0" err="1"/>
-              <a:t>asi</a:t>
-            </a:r>
-            <a:r>
-              <a:rPr lang="en-US" dirty="0"/>
-              <a:t>.</a:t>
-            </a:r>
+            <a:endParaRPr lang="en-US" dirty="0"/>
           </a:p>
         </p:txBody>
       </p:sp>
@@ -3755,7 +3899,7 @@
     </p:spTree>
     <p:extLst>
       <p:ext uri="{BB962C8B-B14F-4D97-AF65-F5344CB8AC3E}">
-        <p14:creationId xmlns:p14="http://schemas.microsoft.com/office/powerpoint/2010/main" val="154265516"/>
+        <p14:creationId xmlns:p14="http://schemas.microsoft.com/office/powerpoint/2010/main" val="926593475"/>
       </p:ext>
     </p:extLst>
   </p:cSld>
@@ -3811,7 +3955,31 @@
           <a:p>
             <a:r>
               <a:rPr lang="en-US" dirty="0"/>
-              <a:t>First part</a:t>
+              <a:t>El output sera un </a:t>
+            </a:r>
+            <a:r>
+              <a:rPr lang="en-US" dirty="0" err="1"/>
+              <a:t>fichero</a:t>
+            </a:r>
+            <a:r>
+              <a:rPr lang="en-US" dirty="0"/>
+              <a:t> de </a:t>
+            </a:r>
+            <a:r>
+              <a:rPr lang="en-US" dirty="0" err="1"/>
+              <a:t>salida</a:t>
+            </a:r>
+            <a:r>
+              <a:rPr lang="en-US" dirty="0"/>
+              <a:t> que sea </a:t>
+            </a:r>
+            <a:r>
+              <a:rPr lang="en-US" dirty="0" err="1"/>
+              <a:t>asi</a:t>
+            </a:r>
+            <a:r>
+              <a:rPr lang="en-US" dirty="0"/>
+              <a:t>.</a:t>
             </a:r>
           </a:p>
         </p:txBody>
@@ -3843,7 +4011,7 @@
     </p:spTree>
     <p:extLst>
       <p:ext uri="{BB962C8B-B14F-4D97-AF65-F5344CB8AC3E}">
-        <p14:creationId xmlns:p14="http://schemas.microsoft.com/office/powerpoint/2010/main" val="3720011643"/>
+        <p14:creationId xmlns:p14="http://schemas.microsoft.com/office/powerpoint/2010/main" val="154265516"/>
       </p:ext>
     </p:extLst>
   </p:cSld>
@@ -3899,37 +4067,8 @@
           <a:p>
             <a:r>
               <a:rPr lang="en-US" dirty="0"/>
-              <a:t>Second part </a:t>
-            </a:r>
-          </a:p>
-          <a:p>
-            <a:endParaRPr lang="en-US" dirty="0"/>
-          </a:p>
-          <a:p>
-            <a:pPr marL="0" marR="0" lvl="0" indent="0" algn="l" defTabSz="914400" rtl="0" eaLnBrk="1" fontAlgn="auto" latinLnBrk="0" hangingPunct="1">
-              <a:lnSpc>
-                <a:spcPct val="100000"/>
-              </a:lnSpc>
-              <a:spcBef>
-                <a:spcPts val="0"/>
-              </a:spcBef>
-              <a:spcAft>
-                <a:spcPts val="0"/>
-              </a:spcAft>
-              <a:buClrTx/>
-              <a:buSzTx/>
-              <a:buFontTx/>
-              <a:buNone/>
-              <a:tabLst/>
-              <a:defRPr/>
-            </a:pPr>
-            <a:r>
-              <a:rPr lang="en-US" dirty="0"/>
-              <a:t>Diverse teams, so we expect the presentation to capture: technological, social y legal aspects</a:t>
-            </a:r>
-          </a:p>
-          <a:p>
-            <a:endParaRPr lang="en-US" dirty="0"/>
+              <a:t>First part</a:t>
+            </a:r>
           </a:p>
         </p:txBody>
       </p:sp>
@@ -3960,7 +4099,7 @@
     </p:spTree>
     <p:extLst>
       <p:ext uri="{BB962C8B-B14F-4D97-AF65-F5344CB8AC3E}">
-        <p14:creationId xmlns:p14="http://schemas.microsoft.com/office/powerpoint/2010/main" val="2400488403"/>
+        <p14:creationId xmlns:p14="http://schemas.microsoft.com/office/powerpoint/2010/main" val="3720011643"/>
       </p:ext>
     </p:extLst>
   </p:cSld>
@@ -4014,7 +4153,39 @@
           <a:bodyPr/>
           <a:lstStyle/>
           <a:p>
-            <a:endParaRPr lang="en-US"/>
+            <a:r>
+              <a:rPr lang="en-US" dirty="0"/>
+              <a:t>Second part </a:t>
+            </a:r>
+          </a:p>
+          <a:p>
+            <a:endParaRPr lang="en-US" dirty="0"/>
+          </a:p>
+          <a:p>
+            <a:pPr marL="0" marR="0" lvl="0" indent="0" algn="l" defTabSz="914400" rtl="0" eaLnBrk="1" fontAlgn="auto" latinLnBrk="0" hangingPunct="1">
+              <a:lnSpc>
+                <a:spcPct val="100000"/>
+              </a:lnSpc>
+              <a:spcBef>
+                <a:spcPts val="0"/>
+              </a:spcBef>
+              <a:spcAft>
+                <a:spcPts val="0"/>
+              </a:spcAft>
+              <a:buClrTx/>
+              <a:buSzTx/>
+              <a:buFontTx/>
+              <a:buNone/>
+              <a:tabLst/>
+              <a:defRPr/>
+            </a:pPr>
+            <a:r>
+              <a:rPr lang="en-US" dirty="0"/>
+              <a:t>Diverse teams, so we expect the presentation to capture: technological, social y legal aspects</a:t>
+            </a:r>
+          </a:p>
+          <a:p>
+            <a:endParaRPr lang="en-US" dirty="0"/>
           </a:p>
         </p:txBody>
       </p:sp>
@@ -4045,7 +4216,7 @@
     </p:spTree>
     <p:extLst>
       <p:ext uri="{BB962C8B-B14F-4D97-AF65-F5344CB8AC3E}">
-        <p14:creationId xmlns:p14="http://schemas.microsoft.com/office/powerpoint/2010/main" val="3191130617"/>
+        <p14:creationId xmlns:p14="http://schemas.microsoft.com/office/powerpoint/2010/main" val="2400488403"/>
       </p:ext>
     </p:extLst>
   </p:cSld>
@@ -4130,7 +4301,7 @@
     </p:spTree>
     <p:extLst>
       <p:ext uri="{BB962C8B-B14F-4D97-AF65-F5344CB8AC3E}">
-        <p14:creationId xmlns:p14="http://schemas.microsoft.com/office/powerpoint/2010/main" val="1228700469"/>
+        <p14:creationId xmlns:p14="http://schemas.microsoft.com/office/powerpoint/2010/main" val="3191130617"/>
       </p:ext>
     </p:extLst>
   </p:cSld>
@@ -5746,6 +5917,869 @@
 </file>
 
 <file path=ppt/slideLayouts/slideLayout12.xml><?xml version="1.0" encoding="utf-8"?>
+<p:sldLayout xmlns:a="http://schemas.openxmlformats.org/drawingml/2006/main" xmlns:r="http://schemas.openxmlformats.org/officeDocument/2006/relationships" xmlns:p="http://schemas.openxmlformats.org/presentationml/2006/main" userDrawn="1">
+  <p:cSld name="Front Cover 1">
+    <p:spTree>
+      <p:nvGrpSpPr>
+        <p:cNvPr id="1" name=""/>
+        <p:cNvGrpSpPr/>
+        <p:nvPr/>
+      </p:nvGrpSpPr>
+      <p:grpSpPr>
+        <a:xfrm>
+          <a:off x="0" y="0"/>
+          <a:ext cx="0" cy="0"/>
+          <a:chOff x="0" y="0"/>
+          <a:chExt cx="0" cy="0"/>
+        </a:xfrm>
+      </p:grpSpPr>
+      <p:sp>
+        <p:nvSpPr>
+          <p:cNvPr id="8" name="Picture Placeholder 14">
+            <a:extLst>
+              <a:ext uri="{FF2B5EF4-FFF2-40B4-BE49-F238E27FC236}">
+                <a16:creationId xmlns:a16="http://schemas.microsoft.com/office/drawing/2014/main" id="{79A3FDC1-DA18-B647-8002-951F8A2778A7}"/>
+              </a:ext>
+            </a:extLst>
+          </p:cNvPr>
+          <p:cNvSpPr>
+            <a:spLocks noGrp="1"/>
+          </p:cNvSpPr>
+          <p:nvPr>
+            <p:ph type="pic" sz="quarter" idx="10"/>
+          </p:nvPr>
+        </p:nvSpPr>
+        <p:spPr>
+          <a:xfrm>
+            <a:off x="6095998" y="0"/>
+            <a:ext cx="6098726" cy="3810000"/>
+          </a:xfrm>
+          <a:custGeom>
+            <a:avLst/>
+            <a:gdLst>
+              <a:gd name="connsiteX0" fmla="*/ 1626032 w 7810500"/>
+              <a:gd name="connsiteY0" fmla="*/ 0 h 3810000"/>
+              <a:gd name="connsiteX1" fmla="*/ 6184468 w 7810500"/>
+              <a:gd name="connsiteY1" fmla="*/ 0 h 3810000"/>
+              <a:gd name="connsiteX2" fmla="*/ 7810500 w 7810500"/>
+              <a:gd name="connsiteY2" fmla="*/ 1626032 h 3810000"/>
+              <a:gd name="connsiteX3" fmla="*/ 7810500 w 7810500"/>
+              <a:gd name="connsiteY3" fmla="*/ 3625329 h 3810000"/>
+              <a:gd name="connsiteX4" fmla="*/ 7625829 w 7810500"/>
+              <a:gd name="connsiteY4" fmla="*/ 3810000 h 3810000"/>
+              <a:gd name="connsiteX5" fmla="*/ 184671 w 7810500"/>
+              <a:gd name="connsiteY5" fmla="*/ 3810000 h 3810000"/>
+              <a:gd name="connsiteX6" fmla="*/ 0 w 7810500"/>
+              <a:gd name="connsiteY6" fmla="*/ 3625329 h 3810000"/>
+              <a:gd name="connsiteX7" fmla="*/ 0 w 7810500"/>
+              <a:gd name="connsiteY7" fmla="*/ 1626032 h 3810000"/>
+              <a:gd name="connsiteX8" fmla="*/ 1626032 w 7810500"/>
+              <a:gd name="connsiteY8" fmla="*/ 0 h 3810000"/>
+              <a:gd name="connsiteX0" fmla="*/ 1626032 w 7810500"/>
+              <a:gd name="connsiteY0" fmla="*/ 0 h 3810000"/>
+              <a:gd name="connsiteX1" fmla="*/ 6184468 w 7810500"/>
+              <a:gd name="connsiteY1" fmla="*/ 0 h 3810000"/>
+              <a:gd name="connsiteX2" fmla="*/ 7810500 w 7810500"/>
+              <a:gd name="connsiteY2" fmla="*/ 3625329 h 3810000"/>
+              <a:gd name="connsiteX3" fmla="*/ 7625829 w 7810500"/>
+              <a:gd name="connsiteY3" fmla="*/ 3810000 h 3810000"/>
+              <a:gd name="connsiteX4" fmla="*/ 184671 w 7810500"/>
+              <a:gd name="connsiteY4" fmla="*/ 3810000 h 3810000"/>
+              <a:gd name="connsiteX5" fmla="*/ 0 w 7810500"/>
+              <a:gd name="connsiteY5" fmla="*/ 3625329 h 3810000"/>
+              <a:gd name="connsiteX6" fmla="*/ 0 w 7810500"/>
+              <a:gd name="connsiteY6" fmla="*/ 1626032 h 3810000"/>
+              <a:gd name="connsiteX7" fmla="*/ 1626032 w 7810500"/>
+              <a:gd name="connsiteY7" fmla="*/ 0 h 3810000"/>
+              <a:gd name="connsiteX0" fmla="*/ 1626032 w 7963808"/>
+              <a:gd name="connsiteY0" fmla="*/ 0 h 3810000"/>
+              <a:gd name="connsiteX1" fmla="*/ 6184468 w 7963808"/>
+              <a:gd name="connsiteY1" fmla="*/ 0 h 3810000"/>
+              <a:gd name="connsiteX2" fmla="*/ 7625829 w 7963808"/>
+              <a:gd name="connsiteY2" fmla="*/ 3810000 h 3810000"/>
+              <a:gd name="connsiteX3" fmla="*/ 184671 w 7963808"/>
+              <a:gd name="connsiteY3" fmla="*/ 3810000 h 3810000"/>
+              <a:gd name="connsiteX4" fmla="*/ 0 w 7963808"/>
+              <a:gd name="connsiteY4" fmla="*/ 3625329 h 3810000"/>
+              <a:gd name="connsiteX5" fmla="*/ 0 w 7963808"/>
+              <a:gd name="connsiteY5" fmla="*/ 1626032 h 3810000"/>
+              <a:gd name="connsiteX6" fmla="*/ 1626032 w 7963808"/>
+              <a:gd name="connsiteY6" fmla="*/ 0 h 3810000"/>
+              <a:gd name="connsiteX0" fmla="*/ 1626032 w 6876799"/>
+              <a:gd name="connsiteY0" fmla="*/ 0 h 3810000"/>
+              <a:gd name="connsiteX1" fmla="*/ 6184468 w 6876799"/>
+              <a:gd name="connsiteY1" fmla="*/ 0 h 3810000"/>
+              <a:gd name="connsiteX2" fmla="*/ 6063729 w 6876799"/>
+              <a:gd name="connsiteY2" fmla="*/ 3797300 h 3810000"/>
+              <a:gd name="connsiteX3" fmla="*/ 184671 w 6876799"/>
+              <a:gd name="connsiteY3" fmla="*/ 3810000 h 3810000"/>
+              <a:gd name="connsiteX4" fmla="*/ 0 w 6876799"/>
+              <a:gd name="connsiteY4" fmla="*/ 3625329 h 3810000"/>
+              <a:gd name="connsiteX5" fmla="*/ 0 w 6876799"/>
+              <a:gd name="connsiteY5" fmla="*/ 1626032 h 3810000"/>
+              <a:gd name="connsiteX6" fmla="*/ 1626032 w 6876799"/>
+              <a:gd name="connsiteY6" fmla="*/ 0 h 3810000"/>
+              <a:gd name="connsiteX0" fmla="*/ 1626032 w 6601473"/>
+              <a:gd name="connsiteY0" fmla="*/ 0 h 3810000"/>
+              <a:gd name="connsiteX1" fmla="*/ 6184468 w 6601473"/>
+              <a:gd name="connsiteY1" fmla="*/ 0 h 3810000"/>
+              <a:gd name="connsiteX2" fmla="*/ 6063729 w 6601473"/>
+              <a:gd name="connsiteY2" fmla="*/ 3797300 h 3810000"/>
+              <a:gd name="connsiteX3" fmla="*/ 184671 w 6601473"/>
+              <a:gd name="connsiteY3" fmla="*/ 3810000 h 3810000"/>
+              <a:gd name="connsiteX4" fmla="*/ 0 w 6601473"/>
+              <a:gd name="connsiteY4" fmla="*/ 3625329 h 3810000"/>
+              <a:gd name="connsiteX5" fmla="*/ 0 w 6601473"/>
+              <a:gd name="connsiteY5" fmla="*/ 1626032 h 3810000"/>
+              <a:gd name="connsiteX6" fmla="*/ 1626032 w 6601473"/>
+              <a:gd name="connsiteY6" fmla="*/ 0 h 3810000"/>
+              <a:gd name="connsiteX0" fmla="*/ 1626032 w 6605873"/>
+              <a:gd name="connsiteY0" fmla="*/ 0 h 3810000"/>
+              <a:gd name="connsiteX1" fmla="*/ 6184468 w 6605873"/>
+              <a:gd name="connsiteY1" fmla="*/ 0 h 3810000"/>
+              <a:gd name="connsiteX2" fmla="*/ 6082779 w 6605873"/>
+              <a:gd name="connsiteY2" fmla="*/ 3802063 h 3810000"/>
+              <a:gd name="connsiteX3" fmla="*/ 184671 w 6605873"/>
+              <a:gd name="connsiteY3" fmla="*/ 3810000 h 3810000"/>
+              <a:gd name="connsiteX4" fmla="*/ 0 w 6605873"/>
+              <a:gd name="connsiteY4" fmla="*/ 3625329 h 3810000"/>
+              <a:gd name="connsiteX5" fmla="*/ 0 w 6605873"/>
+              <a:gd name="connsiteY5" fmla="*/ 1626032 h 3810000"/>
+              <a:gd name="connsiteX6" fmla="*/ 1626032 w 6605873"/>
+              <a:gd name="connsiteY6" fmla="*/ 0 h 3810000"/>
+              <a:gd name="connsiteX0" fmla="*/ 1626032 w 6524678"/>
+              <a:gd name="connsiteY0" fmla="*/ 6350 h 3816350"/>
+              <a:gd name="connsiteX1" fmla="*/ 6076518 w 6524678"/>
+              <a:gd name="connsiteY1" fmla="*/ 0 h 3816350"/>
+              <a:gd name="connsiteX2" fmla="*/ 6082779 w 6524678"/>
+              <a:gd name="connsiteY2" fmla="*/ 3808413 h 3816350"/>
+              <a:gd name="connsiteX3" fmla="*/ 184671 w 6524678"/>
+              <a:gd name="connsiteY3" fmla="*/ 3816350 h 3816350"/>
+              <a:gd name="connsiteX4" fmla="*/ 0 w 6524678"/>
+              <a:gd name="connsiteY4" fmla="*/ 3631679 h 3816350"/>
+              <a:gd name="connsiteX5" fmla="*/ 0 w 6524678"/>
+              <a:gd name="connsiteY5" fmla="*/ 1632382 h 3816350"/>
+              <a:gd name="connsiteX6" fmla="*/ 1626032 w 6524678"/>
+              <a:gd name="connsiteY6" fmla="*/ 6350 h 3816350"/>
+              <a:gd name="connsiteX0" fmla="*/ 1626032 w 6087407"/>
+              <a:gd name="connsiteY0" fmla="*/ 6350 h 3816350"/>
+              <a:gd name="connsiteX1" fmla="*/ 6076518 w 6087407"/>
+              <a:gd name="connsiteY1" fmla="*/ 0 h 3816350"/>
+              <a:gd name="connsiteX2" fmla="*/ 6082779 w 6087407"/>
+              <a:gd name="connsiteY2" fmla="*/ 3808413 h 3816350"/>
+              <a:gd name="connsiteX3" fmla="*/ 184671 w 6087407"/>
+              <a:gd name="connsiteY3" fmla="*/ 3816350 h 3816350"/>
+              <a:gd name="connsiteX4" fmla="*/ 0 w 6087407"/>
+              <a:gd name="connsiteY4" fmla="*/ 3631679 h 3816350"/>
+              <a:gd name="connsiteX5" fmla="*/ 0 w 6087407"/>
+              <a:gd name="connsiteY5" fmla="*/ 1632382 h 3816350"/>
+              <a:gd name="connsiteX6" fmla="*/ 1626032 w 6087407"/>
+              <a:gd name="connsiteY6" fmla="*/ 6350 h 3816350"/>
+              <a:gd name="connsiteX0" fmla="*/ 1626032 w 6100891"/>
+              <a:gd name="connsiteY0" fmla="*/ 0 h 3810000"/>
+              <a:gd name="connsiteX1" fmla="*/ 6097949 w 6100891"/>
+              <a:gd name="connsiteY1" fmla="*/ 794 h 3810000"/>
+              <a:gd name="connsiteX2" fmla="*/ 6082779 w 6100891"/>
+              <a:gd name="connsiteY2" fmla="*/ 3802063 h 3810000"/>
+              <a:gd name="connsiteX3" fmla="*/ 184671 w 6100891"/>
+              <a:gd name="connsiteY3" fmla="*/ 3810000 h 3810000"/>
+              <a:gd name="connsiteX4" fmla="*/ 0 w 6100891"/>
+              <a:gd name="connsiteY4" fmla="*/ 3625329 h 3810000"/>
+              <a:gd name="connsiteX5" fmla="*/ 0 w 6100891"/>
+              <a:gd name="connsiteY5" fmla="*/ 1626032 h 3810000"/>
+              <a:gd name="connsiteX6" fmla="*/ 1626032 w 6100891"/>
+              <a:gd name="connsiteY6" fmla="*/ 0 h 3810000"/>
+              <a:gd name="connsiteX0" fmla="*/ 1626032 w 6098322"/>
+              <a:gd name="connsiteY0" fmla="*/ 0 h 3810000"/>
+              <a:gd name="connsiteX1" fmla="*/ 6097949 w 6098322"/>
+              <a:gd name="connsiteY1" fmla="*/ 794 h 3810000"/>
+              <a:gd name="connsiteX2" fmla="*/ 6082779 w 6098322"/>
+              <a:gd name="connsiteY2" fmla="*/ 3802063 h 3810000"/>
+              <a:gd name="connsiteX3" fmla="*/ 184671 w 6098322"/>
+              <a:gd name="connsiteY3" fmla="*/ 3810000 h 3810000"/>
+              <a:gd name="connsiteX4" fmla="*/ 0 w 6098322"/>
+              <a:gd name="connsiteY4" fmla="*/ 3625329 h 3810000"/>
+              <a:gd name="connsiteX5" fmla="*/ 0 w 6098322"/>
+              <a:gd name="connsiteY5" fmla="*/ 1626032 h 3810000"/>
+              <a:gd name="connsiteX6" fmla="*/ 1626032 w 6098322"/>
+              <a:gd name="connsiteY6" fmla="*/ 0 h 3810000"/>
+              <a:gd name="connsiteX0" fmla="*/ 1626032 w 6102062"/>
+              <a:gd name="connsiteY0" fmla="*/ 0 h 3810000"/>
+              <a:gd name="connsiteX1" fmla="*/ 6097949 w 6102062"/>
+              <a:gd name="connsiteY1" fmla="*/ 794 h 3810000"/>
+              <a:gd name="connsiteX2" fmla="*/ 6097066 w 6102062"/>
+              <a:gd name="connsiteY2" fmla="*/ 3806825 h 3810000"/>
+              <a:gd name="connsiteX3" fmla="*/ 184671 w 6102062"/>
+              <a:gd name="connsiteY3" fmla="*/ 3810000 h 3810000"/>
+              <a:gd name="connsiteX4" fmla="*/ 0 w 6102062"/>
+              <a:gd name="connsiteY4" fmla="*/ 3625329 h 3810000"/>
+              <a:gd name="connsiteX5" fmla="*/ 0 w 6102062"/>
+              <a:gd name="connsiteY5" fmla="*/ 1626032 h 3810000"/>
+              <a:gd name="connsiteX6" fmla="*/ 1626032 w 6102062"/>
+              <a:gd name="connsiteY6" fmla="*/ 0 h 3810000"/>
+              <a:gd name="connsiteX0" fmla="*/ 1626032 w 6098726"/>
+              <a:gd name="connsiteY0" fmla="*/ 0 h 3810000"/>
+              <a:gd name="connsiteX1" fmla="*/ 6097949 w 6098726"/>
+              <a:gd name="connsiteY1" fmla="*/ 794 h 3810000"/>
+              <a:gd name="connsiteX2" fmla="*/ 6097066 w 6098726"/>
+              <a:gd name="connsiteY2" fmla="*/ 3806825 h 3810000"/>
+              <a:gd name="connsiteX3" fmla="*/ 184671 w 6098726"/>
+              <a:gd name="connsiteY3" fmla="*/ 3810000 h 3810000"/>
+              <a:gd name="connsiteX4" fmla="*/ 0 w 6098726"/>
+              <a:gd name="connsiteY4" fmla="*/ 3625329 h 3810000"/>
+              <a:gd name="connsiteX5" fmla="*/ 0 w 6098726"/>
+              <a:gd name="connsiteY5" fmla="*/ 1626032 h 3810000"/>
+              <a:gd name="connsiteX6" fmla="*/ 1626032 w 6098726"/>
+              <a:gd name="connsiteY6" fmla="*/ 0 h 3810000"/>
+            </a:gdLst>
+            <a:ahLst/>
+            <a:cxnLst>
+              <a:cxn ang="0">
+                <a:pos x="connsiteX0" y="connsiteY0"/>
+              </a:cxn>
+              <a:cxn ang="0">
+                <a:pos x="connsiteX1" y="connsiteY1"/>
+              </a:cxn>
+              <a:cxn ang="0">
+                <a:pos x="connsiteX2" y="connsiteY2"/>
+              </a:cxn>
+              <a:cxn ang="0">
+                <a:pos x="connsiteX3" y="connsiteY3"/>
+              </a:cxn>
+              <a:cxn ang="0">
+                <a:pos x="connsiteX4" y="connsiteY4"/>
+              </a:cxn>
+              <a:cxn ang="0">
+                <a:pos x="connsiteX5" y="connsiteY5"/>
+              </a:cxn>
+              <a:cxn ang="0">
+                <a:pos x="connsiteX6" y="connsiteY6"/>
+              </a:cxn>
+            </a:cxnLst>
+            <a:rect l="l" t="t" r="r" b="b"/>
+            <a:pathLst>
+              <a:path w="6098726" h="3810000">
+                <a:moveTo>
+                  <a:pt x="1626032" y="0"/>
+                </a:moveTo>
+                <a:lnTo>
+                  <a:pt x="6097949" y="794"/>
+                </a:lnTo>
+                <a:cubicBezTo>
+                  <a:pt x="6100171" y="1699419"/>
+                  <a:pt x="6096907" y="2640806"/>
+                  <a:pt x="6097066" y="3806825"/>
+                </a:cubicBezTo>
+                <a:lnTo>
+                  <a:pt x="184671" y="3810000"/>
+                </a:lnTo>
+                <a:cubicBezTo>
+                  <a:pt x="82680" y="3810000"/>
+                  <a:pt x="0" y="3727320"/>
+                  <a:pt x="0" y="3625329"/>
+                </a:cubicBezTo>
+                <a:lnTo>
+                  <a:pt x="0" y="1626032"/>
+                </a:lnTo>
+                <a:cubicBezTo>
+                  <a:pt x="0" y="727999"/>
+                  <a:pt x="727999" y="0"/>
+                  <a:pt x="1626032" y="0"/>
+                </a:cubicBezTo>
+                <a:close/>
+              </a:path>
+            </a:pathLst>
+          </a:custGeom>
+        </p:spPr>
+        <p:txBody>
+          <a:bodyPr>
+            <a:normAutofit/>
+          </a:bodyPr>
+          <a:lstStyle>
+            <a:lvl1pPr marL="0" indent="0" algn="r">
+              <a:buNone/>
+              <a:defRPr sz="1800">
+                <a:solidFill>
+                  <a:schemeClr val="bg1"/>
+                </a:solidFill>
+                <a:latin typeface="Poppins" panose="00000500000000000000" pitchFamily="2" charset="0"/>
+                <a:cs typeface="Poppins" panose="00000500000000000000" pitchFamily="2" charset="0"/>
+              </a:defRPr>
+            </a:lvl1pPr>
+          </a:lstStyle>
+          <a:p>
+            <a:r>
+              <a:rPr lang="en-US"/>
+              <a:t>Click icon to add picture</a:t>
+            </a:r>
+          </a:p>
+        </p:txBody>
+      </p:sp>
+      <p:pic>
+        <p:nvPicPr>
+          <p:cNvPr id="10" name="Picture 9">
+            <a:extLst>
+              <a:ext uri="{FF2B5EF4-FFF2-40B4-BE49-F238E27FC236}">
+                <a16:creationId xmlns:a16="http://schemas.microsoft.com/office/drawing/2014/main" id="{0828ED38-053B-074D-A6A5-1C9374EA7F40}"/>
+              </a:ext>
+              <a:ext uri="{C183D7F6-B498-43B3-948B-1728B52AA6E4}">
+                <adec:decorative xmlns:adec="http://schemas.microsoft.com/office/drawing/2017/decorative" val="1"/>
+              </a:ext>
+            </a:extLst>
+          </p:cNvPr>
+          <p:cNvPicPr>
+            <a:picLocks noChangeAspect="1"/>
+          </p:cNvPicPr>
+          <p:nvPr userDrawn="1"/>
+        </p:nvPicPr>
+        <p:blipFill>
+          <a:blip r:embed="rId2" cstate="screen">
+            <a:extLst>
+              <a:ext uri="{28A0092B-C50C-407E-A947-70E740481C1C}">
+                <a14:useLocalDpi xmlns:a14="http://schemas.microsoft.com/office/drawing/2010/main"/>
+              </a:ext>
+            </a:extLst>
+          </a:blip>
+          <a:stretch>
+            <a:fillRect/>
+          </a:stretch>
+        </p:blipFill>
+        <p:spPr>
+          <a:xfrm>
+            <a:off x="6096000" y="3810000"/>
+            <a:ext cx="6096000" cy="3048000"/>
+          </a:xfrm>
+          <a:prstGeom prst="rect">
+            <a:avLst/>
+          </a:prstGeom>
+        </p:spPr>
+      </p:pic>
+      <p:sp>
+        <p:nvSpPr>
+          <p:cNvPr id="12" name="Text Placeholder 11">
+            <a:extLst>
+              <a:ext uri="{FF2B5EF4-FFF2-40B4-BE49-F238E27FC236}">
+                <a16:creationId xmlns:a16="http://schemas.microsoft.com/office/drawing/2014/main" id="{25F86F0A-6A1A-3248-8370-3930F881013A}"/>
+              </a:ext>
+            </a:extLst>
+          </p:cNvPr>
+          <p:cNvSpPr>
+            <a:spLocks noGrp="1"/>
+          </p:cNvSpPr>
+          <p:nvPr>
+            <p:ph type="body" sz="quarter" idx="11" hasCustomPrompt="1"/>
+          </p:nvPr>
+        </p:nvSpPr>
+        <p:spPr>
+          <a:xfrm>
+            <a:off x="408207" y="559121"/>
+            <a:ext cx="5557585" cy="1800200"/>
+          </a:xfrm>
+        </p:spPr>
+        <p:txBody>
+          <a:bodyPr>
+            <a:noAutofit/>
+          </a:bodyPr>
+          <a:lstStyle>
+            <a:lvl1pPr marL="0" indent="0">
+              <a:buNone/>
+              <a:defRPr sz="5500" b="1" i="0">
+                <a:ln>
+                  <a:noFill/>
+                </a:ln>
+                <a:solidFill>
+                  <a:schemeClr val="bg1"/>
+                </a:solidFill>
+                <a:latin typeface="Poppins SemiBold" pitchFamily="2" charset="77"/>
+                <a:cs typeface="Poppins SemiBold" pitchFamily="2" charset="77"/>
+              </a:defRPr>
+            </a:lvl1pPr>
+            <a:lvl2pPr>
+              <a:defRPr>
+                <a:ln>
+                  <a:noFill/>
+                </a:ln>
+                <a:solidFill>
+                  <a:schemeClr val="bg1"/>
+                </a:solidFill>
+              </a:defRPr>
+            </a:lvl2pPr>
+            <a:lvl3pPr>
+              <a:defRPr>
+                <a:ln>
+                  <a:noFill/>
+                </a:ln>
+                <a:solidFill>
+                  <a:schemeClr val="bg1"/>
+                </a:solidFill>
+              </a:defRPr>
+            </a:lvl3pPr>
+            <a:lvl4pPr>
+              <a:defRPr>
+                <a:ln>
+                  <a:noFill/>
+                </a:ln>
+                <a:solidFill>
+                  <a:schemeClr val="bg1"/>
+                </a:solidFill>
+              </a:defRPr>
+            </a:lvl4pPr>
+            <a:lvl5pPr>
+              <a:defRPr>
+                <a:ln>
+                  <a:noFill/>
+                </a:ln>
+                <a:solidFill>
+                  <a:schemeClr val="bg1"/>
+                </a:solidFill>
+              </a:defRPr>
+            </a:lvl5pPr>
+          </a:lstStyle>
+          <a:p>
+            <a:pPr lvl="0"/>
+            <a:r>
+              <a:rPr lang="en-GB"/>
+              <a:t>Front Cover Title Goes Here</a:t>
+            </a:r>
+          </a:p>
+        </p:txBody>
+      </p:sp>
+      <p:sp>
+        <p:nvSpPr>
+          <p:cNvPr id="7" name="Text Placeholder 11">
+            <a:extLst>
+              <a:ext uri="{FF2B5EF4-FFF2-40B4-BE49-F238E27FC236}">
+                <a16:creationId xmlns:a16="http://schemas.microsoft.com/office/drawing/2014/main" id="{01B5291B-A0B5-0A34-5C7E-79E2E3F68ACC}"/>
+              </a:ext>
+            </a:extLst>
+          </p:cNvPr>
+          <p:cNvSpPr>
+            <a:spLocks noGrp="1"/>
+          </p:cNvSpPr>
+          <p:nvPr>
+            <p:ph type="body" sz="quarter" idx="12" hasCustomPrompt="1"/>
+          </p:nvPr>
+        </p:nvSpPr>
+        <p:spPr>
+          <a:xfrm>
+            <a:off x="408208" y="2431330"/>
+            <a:ext cx="5557584" cy="1305402"/>
+          </a:xfrm>
+        </p:spPr>
+        <p:txBody>
+          <a:bodyPr>
+            <a:noAutofit/>
+          </a:bodyPr>
+          <a:lstStyle>
+            <a:lvl1pPr marL="0" indent="0">
+              <a:lnSpc>
+                <a:spcPct val="110000"/>
+              </a:lnSpc>
+              <a:spcBef>
+                <a:spcPts val="0"/>
+              </a:spcBef>
+              <a:buNone/>
+              <a:defRPr sz="3000" b="0" i="0">
+                <a:ln>
+                  <a:noFill/>
+                </a:ln>
+                <a:solidFill>
+                  <a:schemeClr val="bg1"/>
+                </a:solidFill>
+                <a:latin typeface="Poppins" panose="00000500000000000000" pitchFamily="2" charset="0"/>
+                <a:cs typeface="Poppins" panose="00000500000000000000" pitchFamily="2" charset="0"/>
+              </a:defRPr>
+            </a:lvl1pPr>
+            <a:lvl2pPr>
+              <a:defRPr>
+                <a:ln>
+                  <a:noFill/>
+                </a:ln>
+                <a:solidFill>
+                  <a:schemeClr val="bg1"/>
+                </a:solidFill>
+              </a:defRPr>
+            </a:lvl2pPr>
+            <a:lvl3pPr>
+              <a:defRPr>
+                <a:ln>
+                  <a:noFill/>
+                </a:ln>
+                <a:solidFill>
+                  <a:schemeClr val="bg1"/>
+                </a:solidFill>
+              </a:defRPr>
+            </a:lvl3pPr>
+            <a:lvl4pPr>
+              <a:defRPr>
+                <a:ln>
+                  <a:noFill/>
+                </a:ln>
+                <a:solidFill>
+                  <a:schemeClr val="bg1"/>
+                </a:solidFill>
+              </a:defRPr>
+            </a:lvl4pPr>
+            <a:lvl5pPr>
+              <a:defRPr>
+                <a:ln>
+                  <a:noFill/>
+                </a:ln>
+                <a:solidFill>
+                  <a:schemeClr val="bg1"/>
+                </a:solidFill>
+              </a:defRPr>
+            </a:lvl5pPr>
+          </a:lstStyle>
+          <a:p>
+            <a:pPr lvl="0"/>
+            <a:r>
+              <a:rPr lang="en-GB"/>
+              <a:t>Sub title</a:t>
+            </a:r>
+          </a:p>
+        </p:txBody>
+      </p:sp>
+      <p:sp>
+        <p:nvSpPr>
+          <p:cNvPr id="2" name="Text Placeholder 11">
+            <a:extLst>
+              <a:ext uri="{FF2B5EF4-FFF2-40B4-BE49-F238E27FC236}">
+                <a16:creationId xmlns:a16="http://schemas.microsoft.com/office/drawing/2014/main" id="{8D5457D4-902F-B0A0-0CA3-AB0C3D54F72F}"/>
+              </a:ext>
+            </a:extLst>
+          </p:cNvPr>
+          <p:cNvSpPr>
+            <a:spLocks noGrp="1"/>
+          </p:cNvSpPr>
+          <p:nvPr>
+            <p:ph type="body" sz="quarter" idx="13" hasCustomPrompt="1"/>
+          </p:nvPr>
+        </p:nvSpPr>
+        <p:spPr>
+          <a:xfrm>
+            <a:off x="408208" y="3846892"/>
+            <a:ext cx="5557584" cy="347039"/>
+          </a:xfrm>
+        </p:spPr>
+        <p:txBody>
+          <a:bodyPr>
+            <a:noAutofit/>
+          </a:bodyPr>
+          <a:lstStyle>
+            <a:lvl1pPr marL="0" indent="0">
+              <a:lnSpc>
+                <a:spcPct val="110000"/>
+              </a:lnSpc>
+              <a:spcBef>
+                <a:spcPts val="0"/>
+              </a:spcBef>
+              <a:buNone/>
+              <a:defRPr sz="1600" b="1" i="0">
+                <a:ln>
+                  <a:noFill/>
+                </a:ln>
+                <a:solidFill>
+                  <a:schemeClr val="bg1"/>
+                </a:solidFill>
+                <a:latin typeface="Poppins" panose="00000500000000000000" pitchFamily="2" charset="0"/>
+                <a:cs typeface="Poppins" panose="00000500000000000000" pitchFamily="2" charset="0"/>
+              </a:defRPr>
+            </a:lvl1pPr>
+            <a:lvl2pPr>
+              <a:defRPr>
+                <a:ln>
+                  <a:noFill/>
+                </a:ln>
+                <a:solidFill>
+                  <a:schemeClr val="bg1"/>
+                </a:solidFill>
+              </a:defRPr>
+            </a:lvl2pPr>
+            <a:lvl3pPr>
+              <a:defRPr>
+                <a:ln>
+                  <a:noFill/>
+                </a:ln>
+                <a:solidFill>
+                  <a:schemeClr val="bg1"/>
+                </a:solidFill>
+              </a:defRPr>
+            </a:lvl3pPr>
+            <a:lvl4pPr>
+              <a:defRPr>
+                <a:ln>
+                  <a:noFill/>
+                </a:ln>
+                <a:solidFill>
+                  <a:schemeClr val="bg1"/>
+                </a:solidFill>
+              </a:defRPr>
+            </a:lvl4pPr>
+            <a:lvl5pPr>
+              <a:defRPr>
+                <a:ln>
+                  <a:noFill/>
+                </a:ln>
+                <a:solidFill>
+                  <a:schemeClr val="bg1"/>
+                </a:solidFill>
+              </a:defRPr>
+            </a:lvl5pPr>
+          </a:lstStyle>
+          <a:p>
+            <a:pPr lvl="0"/>
+            <a:r>
+              <a:rPr lang="en-GB"/>
+              <a:t>Presenters name</a:t>
+            </a:r>
+          </a:p>
+        </p:txBody>
+      </p:sp>
+      <p:sp>
+        <p:nvSpPr>
+          <p:cNvPr id="3" name="Text Placeholder 11">
+            <a:extLst>
+              <a:ext uri="{FF2B5EF4-FFF2-40B4-BE49-F238E27FC236}">
+                <a16:creationId xmlns:a16="http://schemas.microsoft.com/office/drawing/2014/main" id="{14F31047-4864-D68A-2944-4FD900DC0466}"/>
+              </a:ext>
+            </a:extLst>
+          </p:cNvPr>
+          <p:cNvSpPr>
+            <a:spLocks noGrp="1"/>
+          </p:cNvSpPr>
+          <p:nvPr>
+            <p:ph type="body" sz="quarter" idx="14" hasCustomPrompt="1"/>
+          </p:nvPr>
+        </p:nvSpPr>
+        <p:spPr>
+          <a:xfrm>
+            <a:off x="408208" y="4198584"/>
+            <a:ext cx="5557584" cy="347039"/>
+          </a:xfrm>
+        </p:spPr>
+        <p:txBody>
+          <a:bodyPr>
+            <a:noAutofit/>
+          </a:bodyPr>
+          <a:lstStyle>
+            <a:lvl1pPr marL="0" indent="0">
+              <a:lnSpc>
+                <a:spcPct val="110000"/>
+              </a:lnSpc>
+              <a:spcBef>
+                <a:spcPts val="0"/>
+              </a:spcBef>
+              <a:buNone/>
+              <a:defRPr sz="1600" b="0" i="0">
+                <a:ln>
+                  <a:noFill/>
+                </a:ln>
+                <a:solidFill>
+                  <a:schemeClr val="bg1"/>
+                </a:solidFill>
+                <a:latin typeface="Poppins" panose="00000500000000000000" pitchFamily="2" charset="0"/>
+                <a:cs typeface="Poppins" panose="00000500000000000000" pitchFamily="2" charset="0"/>
+              </a:defRPr>
+            </a:lvl1pPr>
+            <a:lvl2pPr>
+              <a:defRPr>
+                <a:ln>
+                  <a:noFill/>
+                </a:ln>
+                <a:solidFill>
+                  <a:schemeClr val="bg1"/>
+                </a:solidFill>
+              </a:defRPr>
+            </a:lvl2pPr>
+            <a:lvl3pPr>
+              <a:defRPr>
+                <a:ln>
+                  <a:noFill/>
+                </a:ln>
+                <a:solidFill>
+                  <a:schemeClr val="bg1"/>
+                </a:solidFill>
+              </a:defRPr>
+            </a:lvl3pPr>
+            <a:lvl4pPr>
+              <a:defRPr>
+                <a:ln>
+                  <a:noFill/>
+                </a:ln>
+                <a:solidFill>
+                  <a:schemeClr val="bg1"/>
+                </a:solidFill>
+              </a:defRPr>
+            </a:lvl4pPr>
+            <a:lvl5pPr>
+              <a:defRPr>
+                <a:ln>
+                  <a:noFill/>
+                </a:ln>
+                <a:solidFill>
+                  <a:schemeClr val="bg1"/>
+                </a:solidFill>
+              </a:defRPr>
+            </a:lvl5pPr>
+          </a:lstStyle>
+          <a:p>
+            <a:pPr lvl="0"/>
+            <a:r>
+              <a:rPr lang="en-GB"/>
+              <a:t>Department name</a:t>
+            </a:r>
+          </a:p>
+        </p:txBody>
+      </p:sp>
+      <p:sp>
+        <p:nvSpPr>
+          <p:cNvPr id="4" name="Text Placeholder 11">
+            <a:extLst>
+              <a:ext uri="{FF2B5EF4-FFF2-40B4-BE49-F238E27FC236}">
+                <a16:creationId xmlns:a16="http://schemas.microsoft.com/office/drawing/2014/main" id="{04D3CA51-9B82-D8B8-96F1-42FE5F9B17AD}"/>
+              </a:ext>
+            </a:extLst>
+          </p:cNvPr>
+          <p:cNvSpPr>
+            <a:spLocks noGrp="1"/>
+          </p:cNvSpPr>
+          <p:nvPr>
+            <p:ph type="body" sz="quarter" idx="15" hasCustomPrompt="1"/>
+          </p:nvPr>
+        </p:nvSpPr>
+        <p:spPr>
+          <a:xfrm>
+            <a:off x="408208" y="4545623"/>
+            <a:ext cx="5557584" cy="347039"/>
+          </a:xfrm>
+        </p:spPr>
+        <p:txBody>
+          <a:bodyPr>
+            <a:noAutofit/>
+          </a:bodyPr>
+          <a:lstStyle>
+            <a:lvl1pPr marL="0" indent="0">
+              <a:lnSpc>
+                <a:spcPct val="110000"/>
+              </a:lnSpc>
+              <a:spcBef>
+                <a:spcPts val="0"/>
+              </a:spcBef>
+              <a:buNone/>
+              <a:defRPr sz="1600" b="0" i="0">
+                <a:ln>
+                  <a:noFill/>
+                </a:ln>
+                <a:solidFill>
+                  <a:schemeClr val="bg1"/>
+                </a:solidFill>
+                <a:latin typeface="Poppins" panose="00000500000000000000" pitchFamily="2" charset="0"/>
+                <a:cs typeface="Poppins" panose="00000500000000000000" pitchFamily="2" charset="0"/>
+              </a:defRPr>
+            </a:lvl1pPr>
+            <a:lvl2pPr>
+              <a:defRPr>
+                <a:ln>
+                  <a:noFill/>
+                </a:ln>
+                <a:solidFill>
+                  <a:schemeClr val="bg1"/>
+                </a:solidFill>
+              </a:defRPr>
+            </a:lvl2pPr>
+            <a:lvl3pPr>
+              <a:defRPr>
+                <a:ln>
+                  <a:noFill/>
+                </a:ln>
+                <a:solidFill>
+                  <a:schemeClr val="bg1"/>
+                </a:solidFill>
+              </a:defRPr>
+            </a:lvl3pPr>
+            <a:lvl4pPr>
+              <a:defRPr>
+                <a:ln>
+                  <a:noFill/>
+                </a:ln>
+                <a:solidFill>
+                  <a:schemeClr val="bg1"/>
+                </a:solidFill>
+              </a:defRPr>
+            </a:lvl4pPr>
+            <a:lvl5pPr>
+              <a:defRPr>
+                <a:ln>
+                  <a:noFill/>
+                </a:ln>
+                <a:solidFill>
+                  <a:schemeClr val="bg1"/>
+                </a:solidFill>
+              </a:defRPr>
+            </a:lvl5pPr>
+          </a:lstStyle>
+          <a:p>
+            <a:pPr lvl="0"/>
+            <a:r>
+              <a:rPr lang="en-GB"/>
+              <a:t>Date</a:t>
+            </a:r>
+          </a:p>
+        </p:txBody>
+      </p:sp>
+      <p:pic>
+        <p:nvPicPr>
+          <p:cNvPr id="14" name="Picture 13" descr="The Open University Logo">
+            <a:extLst>
+              <a:ext uri="{FF2B5EF4-FFF2-40B4-BE49-F238E27FC236}">
+                <a16:creationId xmlns:a16="http://schemas.microsoft.com/office/drawing/2014/main" id="{41C1F544-4F91-82A6-00C9-2CD07BD90F6A}"/>
+              </a:ext>
+              <a:ext uri="{C183D7F6-B498-43B3-948B-1728B52AA6E4}">
+                <adec:decorative xmlns:adec="http://schemas.microsoft.com/office/drawing/2017/decorative" val="0"/>
+              </a:ext>
+            </a:extLst>
+          </p:cNvPr>
+          <p:cNvPicPr>
+            <a:picLocks noChangeAspect="1"/>
+          </p:cNvPicPr>
+          <p:nvPr userDrawn="1"/>
+        </p:nvPicPr>
+        <p:blipFill>
+          <a:blip r:embed="rId3" cstate="screen">
+            <a:extLst>
+              <a:ext uri="{28A0092B-C50C-407E-A947-70E740481C1C}">
+                <a14:useLocalDpi xmlns:a14="http://schemas.microsoft.com/office/drawing/2010/main"/>
+              </a:ext>
+            </a:extLst>
+          </a:blip>
+          <a:srcRect/>
+          <a:stretch/>
+        </p:blipFill>
+        <p:spPr>
+          <a:xfrm>
+            <a:off x="469675" y="5829301"/>
+            <a:ext cx="1709992" cy="584196"/>
+          </a:xfrm>
+          <a:prstGeom prst="rect">
+            <a:avLst/>
+          </a:prstGeom>
+        </p:spPr>
+      </p:pic>
+    </p:spTree>
+    <p:extLst>
+      <p:ext uri="{BB962C8B-B14F-4D97-AF65-F5344CB8AC3E}">
+        <p14:creationId xmlns:p14="http://schemas.microsoft.com/office/powerpoint/2010/main" val="143093289"/>
+      </p:ext>
+    </p:extLst>
+  </p:cSld>
+  <p:clrMapOvr>
+    <a:masterClrMapping/>
+  </p:clrMapOvr>
+</p:sldLayout>
+</file>
+
+<file path=ppt/slideLayouts/slideLayout13.xml><?xml version="1.0" encoding="utf-8"?>
 <p:sldLayout xmlns:a="http://schemas.openxmlformats.org/drawingml/2006/main" xmlns:r="http://schemas.openxmlformats.org/officeDocument/2006/relationships" xmlns:p="http://schemas.openxmlformats.org/presentationml/2006/main" preserve="1" userDrawn="1">
   <p:cSld name="Text Only - White">
     <p:bg>
@@ -6448,7 +7482,7 @@
 </p:sldLayout>
 </file>
 
-<file path=ppt/slideLayouts/slideLayout13.xml><?xml version="1.0" encoding="utf-8"?>
+<file path=ppt/slideLayouts/slideLayout14.xml><?xml version="1.0" encoding="utf-8"?>
 <p:sldLayout xmlns:a="http://schemas.openxmlformats.org/drawingml/2006/main" xmlns:r="http://schemas.openxmlformats.org/officeDocument/2006/relationships" xmlns:p="http://schemas.openxmlformats.org/presentationml/2006/main" preserve="1" userDrawn="1">
   <p:cSld name="Text Only - Blue">
     <p:bg>
@@ -7166,7 +8200,7 @@
 </p:sldLayout>
 </file>
 
-<file path=ppt/slideLayouts/slideLayout14.xml><?xml version="1.0" encoding="utf-8"?>
+<file path=ppt/slideLayouts/slideLayout15.xml><?xml version="1.0" encoding="utf-8"?>
 <p:sldLayout xmlns:a="http://schemas.openxmlformats.org/drawingml/2006/main" xmlns:r="http://schemas.openxmlformats.org/officeDocument/2006/relationships" xmlns:p="http://schemas.openxmlformats.org/presentationml/2006/main" preserve="1" userDrawn="1">
   <p:cSld name="Text Only - Green">
     <p:bg>
@@ -7883,7 +8917,7 @@
 </p:sldLayout>
 </file>
 
-<file path=ppt/slideLayouts/slideLayout15.xml><?xml version="1.0" encoding="utf-8"?>
+<file path=ppt/slideLayouts/slideLayout16.xml><?xml version="1.0" encoding="utf-8"?>
 <p:sldLayout xmlns:a="http://schemas.openxmlformats.org/drawingml/2006/main" xmlns:r="http://schemas.openxmlformats.org/officeDocument/2006/relationships" xmlns:p="http://schemas.openxmlformats.org/presentationml/2006/main" preserve="1" userDrawn="1">
   <p:cSld name="Text Only - Pink">
     <p:bg>
@@ -8600,7 +9634,7 @@
 </p:sldLayout>
 </file>
 
-<file path=ppt/slideLayouts/slideLayout16.xml><?xml version="1.0" encoding="utf-8"?>
+<file path=ppt/slideLayouts/slideLayout17.xml><?xml version="1.0" encoding="utf-8"?>
 <p:sldLayout xmlns:a="http://schemas.openxmlformats.org/drawingml/2006/main" xmlns:r="http://schemas.openxmlformats.org/officeDocument/2006/relationships" xmlns:p="http://schemas.openxmlformats.org/presentationml/2006/main" preserve="1" userDrawn="1">
   <p:cSld name="Text Only - Yellow">
     <p:bg>
@@ -9317,7 +10351,7 @@
 </p:sldLayout>
 </file>
 
-<file path=ppt/slideLayouts/slideLayout17.xml><?xml version="1.0" encoding="utf-8"?>
+<file path=ppt/slideLayouts/slideLayout18.xml><?xml version="1.0" encoding="utf-8"?>
 <p:sldLayout xmlns:a="http://schemas.openxmlformats.org/drawingml/2006/main" xmlns:r="http://schemas.openxmlformats.org/officeDocument/2006/relationships" xmlns:p="http://schemas.openxmlformats.org/presentationml/2006/main" preserve="1" userDrawn="1">
   <p:cSld name="Table / List - Blue">
     <p:bg>
@@ -10422,7 +11456,7 @@
 </p:sldLayout>
 </file>
 
-<file path=ppt/slideLayouts/slideLayout18.xml><?xml version="1.0" encoding="utf-8"?>
+<file path=ppt/slideLayouts/slideLayout19.xml><?xml version="1.0" encoding="utf-8"?>
 <p:sldLayout xmlns:a="http://schemas.openxmlformats.org/drawingml/2006/main" xmlns:r="http://schemas.openxmlformats.org/officeDocument/2006/relationships" xmlns:p="http://schemas.openxmlformats.org/presentationml/2006/main" preserve="1" userDrawn="1">
   <p:cSld name="Table / List - Orange">
     <p:bg>
@@ -11502,474 +12536,6 @@
     <p:extLst>
       <p:ext uri="{BB962C8B-B14F-4D97-AF65-F5344CB8AC3E}">
         <p14:creationId xmlns:p14="http://schemas.microsoft.com/office/powerpoint/2010/main" val="3022713801"/>
-      </p:ext>
-    </p:extLst>
-  </p:cSld>
-  <p:clrMapOvr>
-    <a:masterClrMapping/>
-  </p:clrMapOvr>
-  <p:extLst>
-    <p:ext uri="{DCECCB84-F9BA-43D5-87BE-67443E8EF086}">
-      <p15:sldGuideLst xmlns:p15="http://schemas.microsoft.com/office/powerpoint/2012/main">
-        <p15:guide id="1" orient="horz" pos="2160">
-          <p15:clr>
-            <a:srgbClr val="FBAE40"/>
-          </p15:clr>
-        </p15:guide>
-        <p15:guide id="2" pos="3840">
-          <p15:clr>
-            <a:srgbClr val="FBAE40"/>
-          </p15:clr>
-        </p15:guide>
-      </p15:sldGuideLst>
-    </p:ext>
-  </p:extLst>
-</p:sldLayout>
-</file>
-
-<file path=ppt/slideLayouts/slideLayout19.xml><?xml version="1.0" encoding="utf-8"?>
-<p:sldLayout xmlns:a="http://schemas.openxmlformats.org/drawingml/2006/main" xmlns:r="http://schemas.openxmlformats.org/officeDocument/2006/relationships" xmlns:p="http://schemas.openxmlformats.org/presentationml/2006/main" preserve="1" userDrawn="1">
-  <p:cSld name="Charts 2 Column">
-    <p:bg>
-      <p:bgPr>
-        <a:solidFill>
-          <a:schemeClr val="bg1"/>
-        </a:solidFill>
-        <a:effectLst/>
-      </p:bgPr>
-    </p:bg>
-    <p:spTree>
-      <p:nvGrpSpPr>
-        <p:cNvPr id="1" name=""/>
-        <p:cNvGrpSpPr/>
-        <p:nvPr/>
-      </p:nvGrpSpPr>
-      <p:grpSpPr>
-        <a:xfrm>
-          <a:off x="0" y="0"/>
-          <a:ext cx="0" cy="0"/>
-          <a:chOff x="0" y="0"/>
-          <a:chExt cx="0" cy="0"/>
-        </a:xfrm>
-      </p:grpSpPr>
-      <p:pic>
-        <p:nvPicPr>
-          <p:cNvPr id="33" name="Picture 32">
-            <a:extLst>
-              <a:ext uri="{FF2B5EF4-FFF2-40B4-BE49-F238E27FC236}">
-                <a16:creationId xmlns:a16="http://schemas.microsoft.com/office/drawing/2014/main" id="{5BD7FBF3-7226-2149-BBD3-098185173264}"/>
-              </a:ext>
-              <a:ext uri="{C183D7F6-B498-43B3-948B-1728B52AA6E4}">
-                <adec:decorative xmlns:adec="http://schemas.microsoft.com/office/drawing/2017/decorative" val="1"/>
-              </a:ext>
-            </a:extLst>
-          </p:cNvPr>
-          <p:cNvPicPr>
-            <a:picLocks noChangeAspect="1"/>
-          </p:cNvPicPr>
-          <p:nvPr userDrawn="1"/>
-        </p:nvPicPr>
-        <p:blipFill>
-          <a:blip r:embed="rId2" cstate="screen">
-            <a:extLst>
-              <a:ext uri="{28A0092B-C50C-407E-A947-70E740481C1C}">
-                <a14:useLocalDpi xmlns:a14="http://schemas.microsoft.com/office/drawing/2010/main"/>
-              </a:ext>
-            </a:extLst>
-          </a:blip>
-          <a:stretch>
-            <a:fillRect/>
-          </a:stretch>
-        </p:blipFill>
-        <p:spPr>
-          <a:xfrm>
-            <a:off x="-5910" y="0"/>
-            <a:ext cx="12197909" cy="1551256"/>
-          </a:xfrm>
-          <a:prstGeom prst="rect">
-            <a:avLst/>
-          </a:prstGeom>
-        </p:spPr>
-      </p:pic>
-      <p:sp>
-        <p:nvSpPr>
-          <p:cNvPr id="13" name="TextBox 12">
-            <a:extLst>
-              <a:ext uri="{FF2B5EF4-FFF2-40B4-BE49-F238E27FC236}">
-                <a16:creationId xmlns:a16="http://schemas.microsoft.com/office/drawing/2014/main" id="{9931521C-CAF9-B57E-A59F-40B74F594929}"/>
-              </a:ext>
-            </a:extLst>
-          </p:cNvPr>
-          <p:cNvSpPr txBox="1"/>
-          <p:nvPr userDrawn="1"/>
-        </p:nvSpPr>
-        <p:spPr>
-          <a:xfrm>
-            <a:off x="11515725" y="6493625"/>
-            <a:ext cx="632251" cy="323165"/>
-          </a:xfrm>
-          <a:prstGeom prst="rect">
-            <a:avLst/>
-          </a:prstGeom>
-          <a:noFill/>
-        </p:spPr>
-        <p:txBody>
-          <a:bodyPr wrap="square" rtlCol="0">
-            <a:spAutoFit/>
-          </a:bodyPr>
-          <a:lstStyle/>
-          <a:p>
-            <a:pPr algn="r"/>
-            <a:fld id="{323858C3-E774-4B3F-8AA9-3979BAFA574F}" type="slidenum">
-              <a:rPr lang="en-GB" sz="1500" smtClean="0">
-                <a:solidFill>
-                  <a:srgbClr val="060645"/>
-                </a:solidFill>
-                <a:latin typeface="Poppins" panose="00000500000000000000" pitchFamily="2" charset="0"/>
-                <a:cs typeface="Poppins" panose="00000500000000000000" pitchFamily="2" charset="0"/>
-              </a:rPr>
-              <a:t>‹#›</a:t>
-            </a:fld>
-            <a:endParaRPr lang="en-GB" sz="1500">
-              <a:solidFill>
-                <a:srgbClr val="060645"/>
-              </a:solidFill>
-              <a:latin typeface="Poppins" panose="00000500000000000000" pitchFamily="2" charset="0"/>
-              <a:cs typeface="Poppins" panose="00000500000000000000" pitchFamily="2" charset="0"/>
-            </a:endParaRPr>
-          </a:p>
-        </p:txBody>
-      </p:sp>
-      <p:sp>
-        <p:nvSpPr>
-          <p:cNvPr id="9" name="Text Placeholder 11">
-            <a:extLst>
-              <a:ext uri="{FF2B5EF4-FFF2-40B4-BE49-F238E27FC236}">
-                <a16:creationId xmlns:a16="http://schemas.microsoft.com/office/drawing/2014/main" id="{4DAAB76E-1BCE-CA53-ACE8-77F42754E17D}"/>
-              </a:ext>
-            </a:extLst>
-          </p:cNvPr>
-          <p:cNvSpPr>
-            <a:spLocks noGrp="1"/>
-          </p:cNvSpPr>
-          <p:nvPr>
-            <p:ph type="body" sz="quarter" idx="21" hasCustomPrompt="1"/>
-          </p:nvPr>
-        </p:nvSpPr>
-        <p:spPr>
-          <a:xfrm>
-            <a:off x="413915" y="326028"/>
-            <a:ext cx="10766703" cy="497161"/>
-          </a:xfrm>
-          <a:prstGeom prst="rect">
-            <a:avLst/>
-          </a:prstGeom>
-        </p:spPr>
-        <p:txBody>
-          <a:bodyPr>
-            <a:noAutofit/>
-          </a:bodyPr>
-          <a:lstStyle>
-            <a:lvl1pPr marL="0" indent="0">
-              <a:lnSpc>
-                <a:spcPct val="110000"/>
-              </a:lnSpc>
-              <a:buNone/>
-              <a:defRPr sz="3000" b="1" i="0">
-                <a:ln>
-                  <a:noFill/>
-                </a:ln>
-                <a:solidFill>
-                  <a:schemeClr val="bg1"/>
-                </a:solidFill>
-                <a:latin typeface="Poppins SemiBold" pitchFamily="2" charset="77"/>
-                <a:cs typeface="Poppins SemiBold" pitchFamily="2" charset="77"/>
-              </a:defRPr>
-            </a:lvl1pPr>
-            <a:lvl2pPr>
-              <a:defRPr>
-                <a:ln>
-                  <a:noFill/>
-                </a:ln>
-                <a:solidFill>
-                  <a:schemeClr val="bg1"/>
-                </a:solidFill>
-              </a:defRPr>
-            </a:lvl2pPr>
-            <a:lvl3pPr>
-              <a:defRPr>
-                <a:ln>
-                  <a:noFill/>
-                </a:ln>
-                <a:solidFill>
-                  <a:schemeClr val="bg1"/>
-                </a:solidFill>
-              </a:defRPr>
-            </a:lvl3pPr>
-            <a:lvl4pPr>
-              <a:defRPr>
-                <a:ln>
-                  <a:noFill/>
-                </a:ln>
-                <a:solidFill>
-                  <a:schemeClr val="bg1"/>
-                </a:solidFill>
-              </a:defRPr>
-            </a:lvl4pPr>
-            <a:lvl5pPr>
-              <a:defRPr>
-                <a:ln>
-                  <a:noFill/>
-                </a:ln>
-                <a:solidFill>
-                  <a:schemeClr val="bg1"/>
-                </a:solidFill>
-              </a:defRPr>
-            </a:lvl5pPr>
-          </a:lstStyle>
-          <a:p>
-            <a:pPr lvl="0"/>
-            <a:r>
-              <a:rPr lang="en-GB"/>
-              <a:t>Page Title</a:t>
-            </a:r>
-          </a:p>
-        </p:txBody>
-      </p:sp>
-      <p:sp>
-        <p:nvSpPr>
-          <p:cNvPr id="10" name="Text Placeholder 11">
-            <a:extLst>
-              <a:ext uri="{FF2B5EF4-FFF2-40B4-BE49-F238E27FC236}">
-                <a16:creationId xmlns:a16="http://schemas.microsoft.com/office/drawing/2014/main" id="{FC210018-BF10-8707-6A21-CCCE83C373C4}"/>
-              </a:ext>
-            </a:extLst>
-          </p:cNvPr>
-          <p:cNvSpPr>
-            <a:spLocks noGrp="1"/>
-          </p:cNvSpPr>
-          <p:nvPr>
-            <p:ph type="body" sz="quarter" idx="22" hasCustomPrompt="1"/>
-          </p:nvPr>
-        </p:nvSpPr>
-        <p:spPr>
-          <a:xfrm>
-            <a:off x="413915" y="833532"/>
-            <a:ext cx="10766703" cy="289311"/>
-          </a:xfrm>
-          <a:prstGeom prst="rect">
-            <a:avLst/>
-          </a:prstGeom>
-        </p:spPr>
-        <p:txBody>
-          <a:bodyPr>
-            <a:noAutofit/>
-          </a:bodyPr>
-          <a:lstStyle>
-            <a:lvl1pPr marL="0" indent="0">
-              <a:lnSpc>
-                <a:spcPct val="110000"/>
-              </a:lnSpc>
-              <a:buFont typeface="Arial" panose="020B0604020202020204" pitchFamily="34" charset="0"/>
-              <a:buNone/>
-              <a:defRPr sz="2000" b="0" i="0">
-                <a:ln>
-                  <a:noFill/>
-                </a:ln>
-                <a:solidFill>
-                  <a:schemeClr val="bg1"/>
-                </a:solidFill>
-                <a:latin typeface="Poppins" panose="00000500000000000000" pitchFamily="2" charset="0"/>
-                <a:cs typeface="Poppins" panose="00000500000000000000" pitchFamily="2" charset="0"/>
-              </a:defRPr>
-            </a:lvl1pPr>
-            <a:lvl2pPr>
-              <a:defRPr>
-                <a:ln>
-                  <a:noFill/>
-                </a:ln>
-                <a:solidFill>
-                  <a:schemeClr val="bg1"/>
-                </a:solidFill>
-              </a:defRPr>
-            </a:lvl2pPr>
-            <a:lvl3pPr>
-              <a:defRPr>
-                <a:ln>
-                  <a:noFill/>
-                </a:ln>
-                <a:solidFill>
-                  <a:schemeClr val="bg1"/>
-                </a:solidFill>
-              </a:defRPr>
-            </a:lvl3pPr>
-            <a:lvl4pPr>
-              <a:defRPr>
-                <a:ln>
-                  <a:noFill/>
-                </a:ln>
-                <a:solidFill>
-                  <a:schemeClr val="bg1"/>
-                </a:solidFill>
-              </a:defRPr>
-            </a:lvl4pPr>
-            <a:lvl5pPr>
-              <a:defRPr>
-                <a:ln>
-                  <a:noFill/>
-                </a:ln>
-                <a:solidFill>
-                  <a:schemeClr val="bg1"/>
-                </a:solidFill>
-              </a:defRPr>
-            </a:lvl5pPr>
-          </a:lstStyle>
-          <a:p>
-            <a:pPr lvl="0"/>
-            <a:r>
-              <a:rPr lang="en-GB"/>
-              <a:t>Sub header</a:t>
-            </a:r>
-          </a:p>
-        </p:txBody>
-      </p:sp>
-      <p:sp>
-        <p:nvSpPr>
-          <p:cNvPr id="2" name="Text Placeholder 11">
-            <a:extLst>
-              <a:ext uri="{FF2B5EF4-FFF2-40B4-BE49-F238E27FC236}">
-                <a16:creationId xmlns:a16="http://schemas.microsoft.com/office/drawing/2014/main" id="{2B4FE0AC-2B61-A291-8C87-19783331AD79}"/>
-              </a:ext>
-            </a:extLst>
-          </p:cNvPr>
-          <p:cNvSpPr>
-            <a:spLocks noGrp="1"/>
-          </p:cNvSpPr>
-          <p:nvPr>
-            <p:ph type="body" sz="quarter" idx="14" hasCustomPrompt="1"/>
-          </p:nvPr>
-        </p:nvSpPr>
-        <p:spPr>
-          <a:xfrm>
-            <a:off x="1001105" y="1756180"/>
-            <a:ext cx="10179513" cy="496800"/>
-          </a:xfrm>
-          <a:prstGeom prst="rect">
-            <a:avLst/>
-          </a:prstGeom>
-        </p:spPr>
-        <p:txBody>
-          <a:bodyPr>
-            <a:noAutofit/>
-          </a:bodyPr>
-          <a:lstStyle>
-            <a:lvl1pPr marL="0" indent="0">
-              <a:lnSpc>
-                <a:spcPct val="110000"/>
-              </a:lnSpc>
-              <a:spcBef>
-                <a:spcPts val="0"/>
-              </a:spcBef>
-              <a:spcAft>
-                <a:spcPts val="600"/>
-              </a:spcAft>
-              <a:buFont typeface="Arial" panose="020B0604020202020204" pitchFamily="34" charset="0"/>
-              <a:buNone/>
-              <a:defRPr sz="1500" b="0" i="0">
-                <a:ln>
-                  <a:noFill/>
-                </a:ln>
-                <a:solidFill>
-                  <a:schemeClr val="tx1"/>
-                </a:solidFill>
-                <a:latin typeface="+mn-lt"/>
-                <a:cs typeface="Poppins" panose="00000500000000000000" pitchFamily="2" charset="0"/>
-              </a:defRPr>
-            </a:lvl1pPr>
-            <a:lvl2pPr marL="457200" indent="0">
-              <a:buNone/>
-              <a:defRPr sz="1500">
-                <a:ln>
-                  <a:noFill/>
-                </a:ln>
-                <a:solidFill>
-                  <a:schemeClr val="tx1"/>
-                </a:solidFill>
-                <a:latin typeface="+mn-lt"/>
-              </a:defRPr>
-            </a:lvl2pPr>
-            <a:lvl3pPr>
-              <a:defRPr sz="1500">
-                <a:ln>
-                  <a:noFill/>
-                </a:ln>
-                <a:solidFill>
-                  <a:schemeClr val="tx1"/>
-                </a:solidFill>
-              </a:defRPr>
-            </a:lvl3pPr>
-            <a:lvl4pPr>
-              <a:defRPr sz="1500">
-                <a:ln>
-                  <a:noFill/>
-                </a:ln>
-                <a:solidFill>
-                  <a:schemeClr val="tx1"/>
-                </a:solidFill>
-              </a:defRPr>
-            </a:lvl4pPr>
-            <a:lvl5pPr>
-              <a:defRPr sz="1500">
-                <a:ln>
-                  <a:noFill/>
-                </a:ln>
-                <a:solidFill>
-                  <a:schemeClr val="tx1"/>
-                </a:solidFill>
-              </a:defRPr>
-            </a:lvl5pPr>
-            <a:lvl6pPr>
-              <a:defRPr sz="1500">
-                <a:solidFill>
-                  <a:schemeClr val="tx1"/>
-                </a:solidFill>
-              </a:defRPr>
-            </a:lvl6pPr>
-            <a:lvl7pPr>
-              <a:defRPr sz="1500">
-                <a:solidFill>
-                  <a:schemeClr val="tx1"/>
-                </a:solidFill>
-              </a:defRPr>
-            </a:lvl7pPr>
-            <a:lvl8pPr>
-              <a:defRPr sz="1500">
-                <a:solidFill>
-                  <a:schemeClr val="tx1"/>
-                </a:solidFill>
-              </a:defRPr>
-            </a:lvl8pPr>
-            <a:lvl9pPr>
-              <a:defRPr sz="1500">
-                <a:solidFill>
-                  <a:schemeClr val="tx1"/>
-                </a:solidFill>
-              </a:defRPr>
-            </a:lvl9pPr>
-          </a:lstStyle>
-          <a:p>
-            <a:pPr lvl="0"/>
-            <a:r>
-              <a:rPr lang="en-GB"/>
-              <a:t>Body copy goes here.</a:t>
-            </a:r>
-          </a:p>
-        </p:txBody>
-      </p:sp>
-    </p:spTree>
-    <p:extLst>
-      <p:ext uri="{BB962C8B-B14F-4D97-AF65-F5344CB8AC3E}">
-        <p14:creationId xmlns:p14="http://schemas.microsoft.com/office/powerpoint/2010/main" val="842125777"/>
       </p:ext>
     </p:extLst>
   </p:cSld>
@@ -12644,6 +13210,474 @@
 
 <file path=ppt/slideLayouts/slideLayout20.xml><?xml version="1.0" encoding="utf-8"?>
 <p:sldLayout xmlns:a="http://schemas.openxmlformats.org/drawingml/2006/main" xmlns:r="http://schemas.openxmlformats.org/officeDocument/2006/relationships" xmlns:p="http://schemas.openxmlformats.org/presentationml/2006/main" preserve="1" userDrawn="1">
+  <p:cSld name="Charts 2 Column">
+    <p:bg>
+      <p:bgPr>
+        <a:solidFill>
+          <a:schemeClr val="bg1"/>
+        </a:solidFill>
+        <a:effectLst/>
+      </p:bgPr>
+    </p:bg>
+    <p:spTree>
+      <p:nvGrpSpPr>
+        <p:cNvPr id="1" name=""/>
+        <p:cNvGrpSpPr/>
+        <p:nvPr/>
+      </p:nvGrpSpPr>
+      <p:grpSpPr>
+        <a:xfrm>
+          <a:off x="0" y="0"/>
+          <a:ext cx="0" cy="0"/>
+          <a:chOff x="0" y="0"/>
+          <a:chExt cx="0" cy="0"/>
+        </a:xfrm>
+      </p:grpSpPr>
+      <p:pic>
+        <p:nvPicPr>
+          <p:cNvPr id="33" name="Picture 32">
+            <a:extLst>
+              <a:ext uri="{FF2B5EF4-FFF2-40B4-BE49-F238E27FC236}">
+                <a16:creationId xmlns:a16="http://schemas.microsoft.com/office/drawing/2014/main" id="{5BD7FBF3-7226-2149-BBD3-098185173264}"/>
+              </a:ext>
+              <a:ext uri="{C183D7F6-B498-43B3-948B-1728B52AA6E4}">
+                <adec:decorative xmlns:adec="http://schemas.microsoft.com/office/drawing/2017/decorative" val="1"/>
+              </a:ext>
+            </a:extLst>
+          </p:cNvPr>
+          <p:cNvPicPr>
+            <a:picLocks noChangeAspect="1"/>
+          </p:cNvPicPr>
+          <p:nvPr userDrawn="1"/>
+        </p:nvPicPr>
+        <p:blipFill>
+          <a:blip r:embed="rId2" cstate="screen">
+            <a:extLst>
+              <a:ext uri="{28A0092B-C50C-407E-A947-70E740481C1C}">
+                <a14:useLocalDpi xmlns:a14="http://schemas.microsoft.com/office/drawing/2010/main"/>
+              </a:ext>
+            </a:extLst>
+          </a:blip>
+          <a:stretch>
+            <a:fillRect/>
+          </a:stretch>
+        </p:blipFill>
+        <p:spPr>
+          <a:xfrm>
+            <a:off x="-5910" y="0"/>
+            <a:ext cx="12197909" cy="1551256"/>
+          </a:xfrm>
+          <a:prstGeom prst="rect">
+            <a:avLst/>
+          </a:prstGeom>
+        </p:spPr>
+      </p:pic>
+      <p:sp>
+        <p:nvSpPr>
+          <p:cNvPr id="13" name="TextBox 12">
+            <a:extLst>
+              <a:ext uri="{FF2B5EF4-FFF2-40B4-BE49-F238E27FC236}">
+                <a16:creationId xmlns:a16="http://schemas.microsoft.com/office/drawing/2014/main" id="{9931521C-CAF9-B57E-A59F-40B74F594929}"/>
+              </a:ext>
+            </a:extLst>
+          </p:cNvPr>
+          <p:cNvSpPr txBox="1"/>
+          <p:nvPr userDrawn="1"/>
+        </p:nvSpPr>
+        <p:spPr>
+          <a:xfrm>
+            <a:off x="11515725" y="6493625"/>
+            <a:ext cx="632251" cy="323165"/>
+          </a:xfrm>
+          <a:prstGeom prst="rect">
+            <a:avLst/>
+          </a:prstGeom>
+          <a:noFill/>
+        </p:spPr>
+        <p:txBody>
+          <a:bodyPr wrap="square" rtlCol="0">
+            <a:spAutoFit/>
+          </a:bodyPr>
+          <a:lstStyle/>
+          <a:p>
+            <a:pPr algn="r"/>
+            <a:fld id="{323858C3-E774-4B3F-8AA9-3979BAFA574F}" type="slidenum">
+              <a:rPr lang="en-GB" sz="1500" smtClean="0">
+                <a:solidFill>
+                  <a:srgbClr val="060645"/>
+                </a:solidFill>
+                <a:latin typeface="Poppins" panose="00000500000000000000" pitchFamily="2" charset="0"/>
+                <a:cs typeface="Poppins" panose="00000500000000000000" pitchFamily="2" charset="0"/>
+              </a:rPr>
+              <a:t>‹#›</a:t>
+            </a:fld>
+            <a:endParaRPr lang="en-GB" sz="1500">
+              <a:solidFill>
+                <a:srgbClr val="060645"/>
+              </a:solidFill>
+              <a:latin typeface="Poppins" panose="00000500000000000000" pitchFamily="2" charset="0"/>
+              <a:cs typeface="Poppins" panose="00000500000000000000" pitchFamily="2" charset="0"/>
+            </a:endParaRPr>
+          </a:p>
+        </p:txBody>
+      </p:sp>
+      <p:sp>
+        <p:nvSpPr>
+          <p:cNvPr id="9" name="Text Placeholder 11">
+            <a:extLst>
+              <a:ext uri="{FF2B5EF4-FFF2-40B4-BE49-F238E27FC236}">
+                <a16:creationId xmlns:a16="http://schemas.microsoft.com/office/drawing/2014/main" id="{4DAAB76E-1BCE-CA53-ACE8-77F42754E17D}"/>
+              </a:ext>
+            </a:extLst>
+          </p:cNvPr>
+          <p:cNvSpPr>
+            <a:spLocks noGrp="1"/>
+          </p:cNvSpPr>
+          <p:nvPr>
+            <p:ph type="body" sz="quarter" idx="21" hasCustomPrompt="1"/>
+          </p:nvPr>
+        </p:nvSpPr>
+        <p:spPr>
+          <a:xfrm>
+            <a:off x="413915" y="326028"/>
+            <a:ext cx="10766703" cy="497161"/>
+          </a:xfrm>
+          <a:prstGeom prst="rect">
+            <a:avLst/>
+          </a:prstGeom>
+        </p:spPr>
+        <p:txBody>
+          <a:bodyPr>
+            <a:noAutofit/>
+          </a:bodyPr>
+          <a:lstStyle>
+            <a:lvl1pPr marL="0" indent="0">
+              <a:lnSpc>
+                <a:spcPct val="110000"/>
+              </a:lnSpc>
+              <a:buNone/>
+              <a:defRPr sz="3000" b="1" i="0">
+                <a:ln>
+                  <a:noFill/>
+                </a:ln>
+                <a:solidFill>
+                  <a:schemeClr val="bg1"/>
+                </a:solidFill>
+                <a:latin typeface="Poppins SemiBold" pitchFamily="2" charset="77"/>
+                <a:cs typeface="Poppins SemiBold" pitchFamily="2" charset="77"/>
+              </a:defRPr>
+            </a:lvl1pPr>
+            <a:lvl2pPr>
+              <a:defRPr>
+                <a:ln>
+                  <a:noFill/>
+                </a:ln>
+                <a:solidFill>
+                  <a:schemeClr val="bg1"/>
+                </a:solidFill>
+              </a:defRPr>
+            </a:lvl2pPr>
+            <a:lvl3pPr>
+              <a:defRPr>
+                <a:ln>
+                  <a:noFill/>
+                </a:ln>
+                <a:solidFill>
+                  <a:schemeClr val="bg1"/>
+                </a:solidFill>
+              </a:defRPr>
+            </a:lvl3pPr>
+            <a:lvl4pPr>
+              <a:defRPr>
+                <a:ln>
+                  <a:noFill/>
+                </a:ln>
+                <a:solidFill>
+                  <a:schemeClr val="bg1"/>
+                </a:solidFill>
+              </a:defRPr>
+            </a:lvl4pPr>
+            <a:lvl5pPr>
+              <a:defRPr>
+                <a:ln>
+                  <a:noFill/>
+                </a:ln>
+                <a:solidFill>
+                  <a:schemeClr val="bg1"/>
+                </a:solidFill>
+              </a:defRPr>
+            </a:lvl5pPr>
+          </a:lstStyle>
+          <a:p>
+            <a:pPr lvl="0"/>
+            <a:r>
+              <a:rPr lang="en-GB"/>
+              <a:t>Page Title</a:t>
+            </a:r>
+          </a:p>
+        </p:txBody>
+      </p:sp>
+      <p:sp>
+        <p:nvSpPr>
+          <p:cNvPr id="10" name="Text Placeholder 11">
+            <a:extLst>
+              <a:ext uri="{FF2B5EF4-FFF2-40B4-BE49-F238E27FC236}">
+                <a16:creationId xmlns:a16="http://schemas.microsoft.com/office/drawing/2014/main" id="{FC210018-BF10-8707-6A21-CCCE83C373C4}"/>
+              </a:ext>
+            </a:extLst>
+          </p:cNvPr>
+          <p:cNvSpPr>
+            <a:spLocks noGrp="1"/>
+          </p:cNvSpPr>
+          <p:nvPr>
+            <p:ph type="body" sz="quarter" idx="22" hasCustomPrompt="1"/>
+          </p:nvPr>
+        </p:nvSpPr>
+        <p:spPr>
+          <a:xfrm>
+            <a:off x="413915" y="833532"/>
+            <a:ext cx="10766703" cy="289311"/>
+          </a:xfrm>
+          <a:prstGeom prst="rect">
+            <a:avLst/>
+          </a:prstGeom>
+        </p:spPr>
+        <p:txBody>
+          <a:bodyPr>
+            <a:noAutofit/>
+          </a:bodyPr>
+          <a:lstStyle>
+            <a:lvl1pPr marL="0" indent="0">
+              <a:lnSpc>
+                <a:spcPct val="110000"/>
+              </a:lnSpc>
+              <a:buFont typeface="Arial" panose="020B0604020202020204" pitchFamily="34" charset="0"/>
+              <a:buNone/>
+              <a:defRPr sz="2000" b="0" i="0">
+                <a:ln>
+                  <a:noFill/>
+                </a:ln>
+                <a:solidFill>
+                  <a:schemeClr val="bg1"/>
+                </a:solidFill>
+                <a:latin typeface="Poppins" panose="00000500000000000000" pitchFamily="2" charset="0"/>
+                <a:cs typeface="Poppins" panose="00000500000000000000" pitchFamily="2" charset="0"/>
+              </a:defRPr>
+            </a:lvl1pPr>
+            <a:lvl2pPr>
+              <a:defRPr>
+                <a:ln>
+                  <a:noFill/>
+                </a:ln>
+                <a:solidFill>
+                  <a:schemeClr val="bg1"/>
+                </a:solidFill>
+              </a:defRPr>
+            </a:lvl2pPr>
+            <a:lvl3pPr>
+              <a:defRPr>
+                <a:ln>
+                  <a:noFill/>
+                </a:ln>
+                <a:solidFill>
+                  <a:schemeClr val="bg1"/>
+                </a:solidFill>
+              </a:defRPr>
+            </a:lvl3pPr>
+            <a:lvl4pPr>
+              <a:defRPr>
+                <a:ln>
+                  <a:noFill/>
+                </a:ln>
+                <a:solidFill>
+                  <a:schemeClr val="bg1"/>
+                </a:solidFill>
+              </a:defRPr>
+            </a:lvl4pPr>
+            <a:lvl5pPr>
+              <a:defRPr>
+                <a:ln>
+                  <a:noFill/>
+                </a:ln>
+                <a:solidFill>
+                  <a:schemeClr val="bg1"/>
+                </a:solidFill>
+              </a:defRPr>
+            </a:lvl5pPr>
+          </a:lstStyle>
+          <a:p>
+            <a:pPr lvl="0"/>
+            <a:r>
+              <a:rPr lang="en-GB"/>
+              <a:t>Sub header</a:t>
+            </a:r>
+          </a:p>
+        </p:txBody>
+      </p:sp>
+      <p:sp>
+        <p:nvSpPr>
+          <p:cNvPr id="2" name="Text Placeholder 11">
+            <a:extLst>
+              <a:ext uri="{FF2B5EF4-FFF2-40B4-BE49-F238E27FC236}">
+                <a16:creationId xmlns:a16="http://schemas.microsoft.com/office/drawing/2014/main" id="{2B4FE0AC-2B61-A291-8C87-19783331AD79}"/>
+              </a:ext>
+            </a:extLst>
+          </p:cNvPr>
+          <p:cNvSpPr>
+            <a:spLocks noGrp="1"/>
+          </p:cNvSpPr>
+          <p:nvPr>
+            <p:ph type="body" sz="quarter" idx="14" hasCustomPrompt="1"/>
+          </p:nvPr>
+        </p:nvSpPr>
+        <p:spPr>
+          <a:xfrm>
+            <a:off x="1001105" y="1756180"/>
+            <a:ext cx="10179513" cy="496800"/>
+          </a:xfrm>
+          <a:prstGeom prst="rect">
+            <a:avLst/>
+          </a:prstGeom>
+        </p:spPr>
+        <p:txBody>
+          <a:bodyPr>
+            <a:noAutofit/>
+          </a:bodyPr>
+          <a:lstStyle>
+            <a:lvl1pPr marL="0" indent="0">
+              <a:lnSpc>
+                <a:spcPct val="110000"/>
+              </a:lnSpc>
+              <a:spcBef>
+                <a:spcPts val="0"/>
+              </a:spcBef>
+              <a:spcAft>
+                <a:spcPts val="600"/>
+              </a:spcAft>
+              <a:buFont typeface="Arial" panose="020B0604020202020204" pitchFamily="34" charset="0"/>
+              <a:buNone/>
+              <a:defRPr sz="1500" b="0" i="0">
+                <a:ln>
+                  <a:noFill/>
+                </a:ln>
+                <a:solidFill>
+                  <a:schemeClr val="tx1"/>
+                </a:solidFill>
+                <a:latin typeface="+mn-lt"/>
+                <a:cs typeface="Poppins" panose="00000500000000000000" pitchFamily="2" charset="0"/>
+              </a:defRPr>
+            </a:lvl1pPr>
+            <a:lvl2pPr marL="457200" indent="0">
+              <a:buNone/>
+              <a:defRPr sz="1500">
+                <a:ln>
+                  <a:noFill/>
+                </a:ln>
+                <a:solidFill>
+                  <a:schemeClr val="tx1"/>
+                </a:solidFill>
+                <a:latin typeface="+mn-lt"/>
+              </a:defRPr>
+            </a:lvl2pPr>
+            <a:lvl3pPr>
+              <a:defRPr sz="1500">
+                <a:ln>
+                  <a:noFill/>
+                </a:ln>
+                <a:solidFill>
+                  <a:schemeClr val="tx1"/>
+                </a:solidFill>
+              </a:defRPr>
+            </a:lvl3pPr>
+            <a:lvl4pPr>
+              <a:defRPr sz="1500">
+                <a:ln>
+                  <a:noFill/>
+                </a:ln>
+                <a:solidFill>
+                  <a:schemeClr val="tx1"/>
+                </a:solidFill>
+              </a:defRPr>
+            </a:lvl4pPr>
+            <a:lvl5pPr>
+              <a:defRPr sz="1500">
+                <a:ln>
+                  <a:noFill/>
+                </a:ln>
+                <a:solidFill>
+                  <a:schemeClr val="tx1"/>
+                </a:solidFill>
+              </a:defRPr>
+            </a:lvl5pPr>
+            <a:lvl6pPr>
+              <a:defRPr sz="1500">
+                <a:solidFill>
+                  <a:schemeClr val="tx1"/>
+                </a:solidFill>
+              </a:defRPr>
+            </a:lvl6pPr>
+            <a:lvl7pPr>
+              <a:defRPr sz="1500">
+                <a:solidFill>
+                  <a:schemeClr val="tx1"/>
+                </a:solidFill>
+              </a:defRPr>
+            </a:lvl7pPr>
+            <a:lvl8pPr>
+              <a:defRPr sz="1500">
+                <a:solidFill>
+                  <a:schemeClr val="tx1"/>
+                </a:solidFill>
+              </a:defRPr>
+            </a:lvl8pPr>
+            <a:lvl9pPr>
+              <a:defRPr sz="1500">
+                <a:solidFill>
+                  <a:schemeClr val="tx1"/>
+                </a:solidFill>
+              </a:defRPr>
+            </a:lvl9pPr>
+          </a:lstStyle>
+          <a:p>
+            <a:pPr lvl="0"/>
+            <a:r>
+              <a:rPr lang="en-GB"/>
+              <a:t>Body copy goes here.</a:t>
+            </a:r>
+          </a:p>
+        </p:txBody>
+      </p:sp>
+    </p:spTree>
+    <p:extLst>
+      <p:ext uri="{BB962C8B-B14F-4D97-AF65-F5344CB8AC3E}">
+        <p14:creationId xmlns:p14="http://schemas.microsoft.com/office/powerpoint/2010/main" val="842125777"/>
+      </p:ext>
+    </p:extLst>
+  </p:cSld>
+  <p:clrMapOvr>
+    <a:masterClrMapping/>
+  </p:clrMapOvr>
+  <p:extLst>
+    <p:ext uri="{DCECCB84-F9BA-43D5-87BE-67443E8EF086}">
+      <p15:sldGuideLst xmlns:p15="http://schemas.microsoft.com/office/powerpoint/2012/main">
+        <p15:guide id="1" orient="horz" pos="2160">
+          <p15:clr>
+            <a:srgbClr val="FBAE40"/>
+          </p15:clr>
+        </p15:guide>
+        <p15:guide id="2" pos="3840">
+          <p15:clr>
+            <a:srgbClr val="FBAE40"/>
+          </p15:clr>
+        </p15:guide>
+      </p15:sldGuideLst>
+    </p:ext>
+  </p:extLst>
+</p:sldLayout>
+</file>
+
+<file path=ppt/slideLayouts/slideLayout21.xml><?xml version="1.0" encoding="utf-8"?>
+<p:sldLayout xmlns:a="http://schemas.openxmlformats.org/drawingml/2006/main" xmlns:r="http://schemas.openxmlformats.org/officeDocument/2006/relationships" xmlns:p="http://schemas.openxmlformats.org/presentationml/2006/main" preserve="1" userDrawn="1">
   <p:cSld name="Charts &amp; Copy">
     <p:bg>
       <p:bgPr>
@@ -13629,7 +14663,7 @@
 </p:sldLayout>
 </file>
 
-<file path=ppt/slideLayouts/slideLayout21.xml><?xml version="1.0" encoding="utf-8"?>
+<file path=ppt/slideLayouts/slideLayout22.xml><?xml version="1.0" encoding="utf-8"?>
 <p:sldLayout xmlns:a="http://schemas.openxmlformats.org/drawingml/2006/main" xmlns:r="http://schemas.openxmlformats.org/officeDocument/2006/relationships" xmlns:p="http://schemas.openxmlformats.org/presentationml/2006/main" preserve="1" userDrawn="1">
   <p:cSld name="Full Content - Tight Header">
     <p:bg>
@@ -14015,7 +15049,7 @@
 </p:sldLayout>
 </file>
 
-<file path=ppt/slideLayouts/slideLayout22.xml><?xml version="1.0" encoding="utf-8"?>
+<file path=ppt/slideLayouts/slideLayout23.xml><?xml version="1.0" encoding="utf-8"?>
 <p:sldLayout xmlns:a="http://schemas.openxmlformats.org/drawingml/2006/main" xmlns:r="http://schemas.openxmlformats.org/officeDocument/2006/relationships" xmlns:p="http://schemas.openxmlformats.org/presentationml/2006/main" preserve="1" userDrawn="1">
   <p:cSld name="Pie Chart &amp; Copy - White">
     <p:bg>
@@ -14773,7 +15807,7 @@
 </p:sldLayout>
 </file>
 
-<file path=ppt/slideLayouts/slideLayout23.xml><?xml version="1.0" encoding="utf-8"?>
+<file path=ppt/slideLayouts/slideLayout24.xml><?xml version="1.0" encoding="utf-8"?>
 <p:sldLayout xmlns:a="http://schemas.openxmlformats.org/drawingml/2006/main" xmlns:r="http://schemas.openxmlformats.org/officeDocument/2006/relationships" xmlns:p="http://schemas.openxmlformats.org/presentationml/2006/main" preserve="1" userDrawn="1">
   <p:cSld name="Pie Chart &amp; Copy - Blue Light Mode">
     <p:bg>
@@ -15563,7 +16597,7 @@
 </p:sldLayout>
 </file>
 
-<file path=ppt/slideLayouts/slideLayout24.xml><?xml version="1.0" encoding="utf-8"?>
+<file path=ppt/slideLayouts/slideLayout25.xml><?xml version="1.0" encoding="utf-8"?>
 <p:sldLayout xmlns:a="http://schemas.openxmlformats.org/drawingml/2006/main" xmlns:r="http://schemas.openxmlformats.org/officeDocument/2006/relationships" xmlns:p="http://schemas.openxmlformats.org/presentationml/2006/main" preserve="1" userDrawn="1">
   <p:cSld name="Pie Chart &amp; Copy - Green Light Mode">
     <p:bg>
@@ -16349,7 +17383,7 @@
 </p:sldLayout>
 </file>
 
-<file path=ppt/slideLayouts/slideLayout25.xml><?xml version="1.0" encoding="utf-8"?>
+<file path=ppt/slideLayouts/slideLayout26.xml><?xml version="1.0" encoding="utf-8"?>
 <p:sldLayout xmlns:a="http://schemas.openxmlformats.org/drawingml/2006/main" xmlns:r="http://schemas.openxmlformats.org/officeDocument/2006/relationships" xmlns:p="http://schemas.openxmlformats.org/presentationml/2006/main" preserve="1" userDrawn="1">
   <p:cSld name="Pie Chart &amp; Copy - Pink Light Mode">
     <p:bg>
@@ -17135,7 +18169,7 @@
 </p:sldLayout>
 </file>
 
-<file path=ppt/slideLayouts/slideLayout26.xml><?xml version="1.0" encoding="utf-8"?>
+<file path=ppt/slideLayouts/slideLayout27.xml><?xml version="1.0" encoding="utf-8"?>
 <p:sldLayout xmlns:a="http://schemas.openxmlformats.org/drawingml/2006/main" xmlns:r="http://schemas.openxmlformats.org/officeDocument/2006/relationships" xmlns:p="http://schemas.openxmlformats.org/presentationml/2006/main" preserve="1" userDrawn="1">
   <p:cSld name="Pie Chart &amp; Copy - Yellow Light Mode">
     <p:bg>
@@ -17921,7 +18955,7 @@
 </p:sldLayout>
 </file>
 
-<file path=ppt/slideLayouts/slideLayout27.xml><?xml version="1.0" encoding="utf-8"?>
+<file path=ppt/slideLayouts/slideLayout28.xml><?xml version="1.0" encoding="utf-8"?>
 <p:sldLayout xmlns:a="http://schemas.openxmlformats.org/drawingml/2006/main" xmlns:r="http://schemas.openxmlformats.org/officeDocument/2006/relationships" xmlns:p="http://schemas.openxmlformats.org/presentationml/2006/main" preserve="1" userDrawn="1">
   <p:cSld name="Text &amp; Media - Blue">
     <p:bg>
@@ -19028,7 +20062,7 @@
 </p:sldLayout>
 </file>
 
-<file path=ppt/slideLayouts/slideLayout28.xml><?xml version="1.0" encoding="utf-8"?>
+<file path=ppt/slideLayouts/slideLayout29.xml><?xml version="1.0" encoding="utf-8"?>
 <p:sldLayout xmlns:a="http://schemas.openxmlformats.org/drawingml/2006/main" xmlns:r="http://schemas.openxmlformats.org/officeDocument/2006/relationships" xmlns:p="http://schemas.openxmlformats.org/presentationml/2006/main" preserve="1" userDrawn="1">
   <p:cSld name="Text &amp; Media - Green">
     <p:bg>
@@ -20126,1113 +21160,6 @@
     <p:extLst>
       <p:ext uri="{BB962C8B-B14F-4D97-AF65-F5344CB8AC3E}">
         <p14:creationId xmlns:p14="http://schemas.microsoft.com/office/powerpoint/2010/main" val="372731066"/>
-      </p:ext>
-    </p:extLst>
-  </p:cSld>
-  <p:clrMapOvr>
-    <a:masterClrMapping/>
-  </p:clrMapOvr>
-</p:sldLayout>
-</file>
-
-<file path=ppt/slideLayouts/slideLayout29.xml><?xml version="1.0" encoding="utf-8"?>
-<p:sldLayout xmlns:a="http://schemas.openxmlformats.org/drawingml/2006/main" xmlns:r="http://schemas.openxmlformats.org/officeDocument/2006/relationships" xmlns:p="http://schemas.openxmlformats.org/presentationml/2006/main" preserve="1" userDrawn="1">
-  <p:cSld name="Text &amp; Media - Pink">
-    <p:bg>
-      <p:bgPr>
-        <a:blipFill dpi="0" rotWithShape="1">
-          <a:blip r:embed="rId2" cstate="screen">
-            <a:alphaModFix amt="55000"/>
-            <a:lum/>
-            <a:extLst>
-              <a:ext uri="{28A0092B-C50C-407E-A947-70E740481C1C}">
-                <a14:useLocalDpi xmlns:a14="http://schemas.microsoft.com/office/drawing/2010/main"/>
-              </a:ext>
-            </a:extLst>
-          </a:blip>
-          <a:srcRect/>
-          <a:stretch>
-            <a:fillRect/>
-          </a:stretch>
-        </a:blipFill>
-        <a:effectLst/>
-      </p:bgPr>
-    </p:bg>
-    <p:spTree>
-      <p:nvGrpSpPr>
-        <p:cNvPr id="1" name=""/>
-        <p:cNvGrpSpPr/>
-        <p:nvPr/>
-      </p:nvGrpSpPr>
-      <p:grpSpPr>
-        <a:xfrm>
-          <a:off x="0" y="0"/>
-          <a:ext cx="0" cy="0"/>
-          <a:chOff x="0" y="0"/>
-          <a:chExt cx="0" cy="0"/>
-        </a:xfrm>
-      </p:grpSpPr>
-      <p:sp>
-        <p:nvSpPr>
-          <p:cNvPr id="17" name="Text Placeholder 11">
-            <a:extLst>
-              <a:ext uri="{FF2B5EF4-FFF2-40B4-BE49-F238E27FC236}">
-                <a16:creationId xmlns:a16="http://schemas.microsoft.com/office/drawing/2014/main" id="{DDA1F39E-370E-9BF5-101D-A0A5D784F8FC}"/>
-              </a:ext>
-            </a:extLst>
-          </p:cNvPr>
-          <p:cNvSpPr>
-            <a:spLocks noGrp="1"/>
-          </p:cNvSpPr>
-          <p:nvPr>
-            <p:ph type="body" sz="quarter" idx="12" hasCustomPrompt="1"/>
-          </p:nvPr>
-        </p:nvSpPr>
-        <p:spPr>
-          <a:xfrm>
-            <a:off x="1001105" y="1676669"/>
-            <a:ext cx="4128571" cy="276120"/>
-          </a:xfrm>
-          <a:prstGeom prst="rect">
-            <a:avLst/>
-          </a:prstGeom>
-        </p:spPr>
-        <p:txBody>
-          <a:bodyPr>
-            <a:noAutofit/>
-          </a:bodyPr>
-          <a:lstStyle>
-            <a:lvl1pPr marL="0" indent="0">
-              <a:lnSpc>
-                <a:spcPct val="110000"/>
-              </a:lnSpc>
-              <a:spcBef>
-                <a:spcPts val="0"/>
-              </a:spcBef>
-              <a:spcAft>
-                <a:spcPts val="600"/>
-              </a:spcAft>
-              <a:buFont typeface="Arial" panose="020B0604020202020204" pitchFamily="34" charset="0"/>
-              <a:buNone/>
-              <a:defRPr sz="1800" b="1" i="0">
-                <a:ln>
-                  <a:noFill/>
-                </a:ln>
-                <a:solidFill>
-                  <a:srgbClr val="060645"/>
-                </a:solidFill>
-                <a:latin typeface="Poppins" panose="00000500000000000000" pitchFamily="2" charset="0"/>
-                <a:cs typeface="Poppins" panose="00000500000000000000" pitchFamily="2" charset="0"/>
-              </a:defRPr>
-            </a:lvl1pPr>
-            <a:lvl2pPr>
-              <a:defRPr>
-                <a:ln>
-                  <a:noFill/>
-                </a:ln>
-                <a:solidFill>
-                  <a:schemeClr val="bg1"/>
-                </a:solidFill>
-              </a:defRPr>
-            </a:lvl2pPr>
-            <a:lvl3pPr>
-              <a:defRPr>
-                <a:ln>
-                  <a:noFill/>
-                </a:ln>
-                <a:solidFill>
-                  <a:schemeClr val="bg1"/>
-                </a:solidFill>
-              </a:defRPr>
-            </a:lvl3pPr>
-            <a:lvl4pPr>
-              <a:defRPr>
-                <a:ln>
-                  <a:noFill/>
-                </a:ln>
-                <a:solidFill>
-                  <a:schemeClr val="bg1"/>
-                </a:solidFill>
-              </a:defRPr>
-            </a:lvl4pPr>
-            <a:lvl5pPr>
-              <a:defRPr>
-                <a:ln>
-                  <a:noFill/>
-                </a:ln>
-                <a:solidFill>
-                  <a:schemeClr val="bg1"/>
-                </a:solidFill>
-              </a:defRPr>
-            </a:lvl5pPr>
-          </a:lstStyle>
-          <a:p>
-            <a:pPr lvl="0"/>
-            <a:r>
-              <a:rPr lang="en-GB"/>
-              <a:t>Section title</a:t>
-            </a:r>
-          </a:p>
-        </p:txBody>
-      </p:sp>
-      <p:sp>
-        <p:nvSpPr>
-          <p:cNvPr id="18" name="Text Placeholder 11">
-            <a:extLst>
-              <a:ext uri="{FF2B5EF4-FFF2-40B4-BE49-F238E27FC236}">
-                <a16:creationId xmlns:a16="http://schemas.microsoft.com/office/drawing/2014/main" id="{DFB8AF0D-6CCE-C411-DB47-6E723C872006}"/>
-              </a:ext>
-            </a:extLst>
-          </p:cNvPr>
-          <p:cNvSpPr>
-            <a:spLocks noGrp="1"/>
-          </p:cNvSpPr>
-          <p:nvPr>
-            <p:ph type="body" sz="quarter" idx="14" hasCustomPrompt="1"/>
-          </p:nvPr>
-        </p:nvSpPr>
-        <p:spPr>
-          <a:xfrm>
-            <a:off x="1001105" y="2093471"/>
-            <a:ext cx="4922617" cy="474148"/>
-          </a:xfrm>
-          <a:prstGeom prst="rect">
-            <a:avLst/>
-          </a:prstGeom>
-        </p:spPr>
-        <p:txBody>
-          <a:bodyPr>
-            <a:noAutofit/>
-          </a:bodyPr>
-          <a:lstStyle>
-            <a:lvl1pPr marL="0" indent="0">
-              <a:lnSpc>
-                <a:spcPct val="110000"/>
-              </a:lnSpc>
-              <a:spcBef>
-                <a:spcPts val="0"/>
-              </a:spcBef>
-              <a:spcAft>
-                <a:spcPts val="600"/>
-              </a:spcAft>
-              <a:buFont typeface="Arial" panose="020B0604020202020204" pitchFamily="34" charset="0"/>
-              <a:buNone/>
-              <a:defRPr sz="1500" b="0" i="0">
-                <a:ln>
-                  <a:noFill/>
-                </a:ln>
-                <a:solidFill>
-                  <a:srgbClr val="060645"/>
-                </a:solidFill>
-                <a:latin typeface="Poppins" panose="00000500000000000000" pitchFamily="2" charset="0"/>
-                <a:cs typeface="Poppins" panose="00000500000000000000" pitchFamily="2" charset="0"/>
-              </a:defRPr>
-            </a:lvl1pPr>
-            <a:lvl2pPr>
-              <a:defRPr>
-                <a:ln>
-                  <a:noFill/>
-                </a:ln>
-                <a:solidFill>
-                  <a:schemeClr val="bg1"/>
-                </a:solidFill>
-              </a:defRPr>
-            </a:lvl2pPr>
-            <a:lvl3pPr>
-              <a:defRPr>
-                <a:ln>
-                  <a:noFill/>
-                </a:ln>
-                <a:solidFill>
-                  <a:schemeClr val="bg1"/>
-                </a:solidFill>
-              </a:defRPr>
-            </a:lvl3pPr>
-            <a:lvl4pPr>
-              <a:defRPr>
-                <a:ln>
-                  <a:noFill/>
-                </a:ln>
-                <a:solidFill>
-                  <a:schemeClr val="bg1"/>
-                </a:solidFill>
-              </a:defRPr>
-            </a:lvl4pPr>
-            <a:lvl5pPr>
-              <a:defRPr>
-                <a:ln>
-                  <a:noFill/>
-                </a:ln>
-                <a:solidFill>
-                  <a:schemeClr val="bg1"/>
-                </a:solidFill>
-              </a:defRPr>
-            </a:lvl5pPr>
-          </a:lstStyle>
-          <a:p>
-            <a:pPr lvl="0"/>
-            <a:r>
-              <a:rPr lang="en-GB"/>
-              <a:t>Body copy goes here.</a:t>
-            </a:r>
-          </a:p>
-        </p:txBody>
-      </p:sp>
-      <p:sp>
-        <p:nvSpPr>
-          <p:cNvPr id="20" name="Text Placeholder 11">
-            <a:extLst>
-              <a:ext uri="{FF2B5EF4-FFF2-40B4-BE49-F238E27FC236}">
-                <a16:creationId xmlns:a16="http://schemas.microsoft.com/office/drawing/2014/main" id="{77B68DC7-43A5-C3AB-0F02-A24CE21AC048}"/>
-              </a:ext>
-            </a:extLst>
-          </p:cNvPr>
-          <p:cNvSpPr>
-            <a:spLocks noGrp="1"/>
-          </p:cNvSpPr>
-          <p:nvPr>
-            <p:ph type="body" sz="quarter" idx="19" hasCustomPrompt="1"/>
-          </p:nvPr>
-        </p:nvSpPr>
-        <p:spPr>
-          <a:xfrm>
-            <a:off x="6288724" y="1676669"/>
-            <a:ext cx="4128571" cy="276120"/>
-          </a:xfrm>
-          <a:prstGeom prst="rect">
-            <a:avLst/>
-          </a:prstGeom>
-        </p:spPr>
-        <p:txBody>
-          <a:bodyPr>
-            <a:noAutofit/>
-          </a:bodyPr>
-          <a:lstStyle>
-            <a:lvl1pPr marL="0" indent="0">
-              <a:lnSpc>
-                <a:spcPct val="110000"/>
-              </a:lnSpc>
-              <a:spcBef>
-                <a:spcPts val="0"/>
-              </a:spcBef>
-              <a:spcAft>
-                <a:spcPts val="600"/>
-              </a:spcAft>
-              <a:buFont typeface="Arial" panose="020B0604020202020204" pitchFamily="34" charset="0"/>
-              <a:buNone/>
-              <a:defRPr sz="1800" b="1" i="0">
-                <a:ln>
-                  <a:noFill/>
-                </a:ln>
-                <a:solidFill>
-                  <a:srgbClr val="060645"/>
-                </a:solidFill>
-                <a:latin typeface="Poppins" panose="00000500000000000000" pitchFamily="2" charset="0"/>
-                <a:cs typeface="Poppins" panose="00000500000000000000" pitchFamily="2" charset="0"/>
-              </a:defRPr>
-            </a:lvl1pPr>
-            <a:lvl2pPr>
-              <a:defRPr>
-                <a:ln>
-                  <a:noFill/>
-                </a:ln>
-                <a:solidFill>
-                  <a:schemeClr val="bg1"/>
-                </a:solidFill>
-              </a:defRPr>
-            </a:lvl2pPr>
-            <a:lvl3pPr>
-              <a:defRPr>
-                <a:ln>
-                  <a:noFill/>
-                </a:ln>
-                <a:solidFill>
-                  <a:schemeClr val="bg1"/>
-                </a:solidFill>
-              </a:defRPr>
-            </a:lvl3pPr>
-            <a:lvl4pPr>
-              <a:defRPr>
-                <a:ln>
-                  <a:noFill/>
-                </a:ln>
-                <a:solidFill>
-                  <a:schemeClr val="bg1"/>
-                </a:solidFill>
-              </a:defRPr>
-            </a:lvl4pPr>
-            <a:lvl5pPr>
-              <a:defRPr>
-                <a:ln>
-                  <a:noFill/>
-                </a:ln>
-                <a:solidFill>
-                  <a:schemeClr val="bg1"/>
-                </a:solidFill>
-              </a:defRPr>
-            </a:lvl5pPr>
-          </a:lstStyle>
-          <a:p>
-            <a:pPr lvl="0"/>
-            <a:r>
-              <a:rPr lang="en-GB"/>
-              <a:t>Section title</a:t>
-            </a:r>
-          </a:p>
-        </p:txBody>
-      </p:sp>
-      <p:sp>
-        <p:nvSpPr>
-          <p:cNvPr id="21" name="Text Placeholder 11">
-            <a:extLst>
-              <a:ext uri="{FF2B5EF4-FFF2-40B4-BE49-F238E27FC236}">
-                <a16:creationId xmlns:a16="http://schemas.microsoft.com/office/drawing/2014/main" id="{998BAA85-672C-2406-1402-92D7361EB722}"/>
-              </a:ext>
-            </a:extLst>
-          </p:cNvPr>
-          <p:cNvSpPr>
-            <a:spLocks noGrp="1"/>
-          </p:cNvSpPr>
-          <p:nvPr>
-            <p:ph type="body" sz="quarter" idx="20" hasCustomPrompt="1"/>
-          </p:nvPr>
-        </p:nvSpPr>
-        <p:spPr>
-          <a:xfrm>
-            <a:off x="6288724" y="2093471"/>
-            <a:ext cx="4922617" cy="474148"/>
-          </a:xfrm>
-          <a:prstGeom prst="rect">
-            <a:avLst/>
-          </a:prstGeom>
-        </p:spPr>
-        <p:txBody>
-          <a:bodyPr>
-            <a:noAutofit/>
-          </a:bodyPr>
-          <a:lstStyle>
-            <a:lvl1pPr marL="0" indent="0">
-              <a:lnSpc>
-                <a:spcPct val="110000"/>
-              </a:lnSpc>
-              <a:spcBef>
-                <a:spcPts val="0"/>
-              </a:spcBef>
-              <a:spcAft>
-                <a:spcPts val="600"/>
-              </a:spcAft>
-              <a:buFont typeface="Arial" panose="020B0604020202020204" pitchFamily="34" charset="0"/>
-              <a:buNone/>
-              <a:defRPr sz="1500" b="0" i="0">
-                <a:ln>
-                  <a:noFill/>
-                </a:ln>
-                <a:solidFill>
-                  <a:srgbClr val="060645"/>
-                </a:solidFill>
-                <a:latin typeface="Poppins" panose="00000500000000000000" pitchFamily="2" charset="0"/>
-                <a:cs typeface="Poppins" panose="00000500000000000000" pitchFamily="2" charset="0"/>
-              </a:defRPr>
-            </a:lvl1pPr>
-            <a:lvl2pPr>
-              <a:defRPr>
-                <a:ln>
-                  <a:noFill/>
-                </a:ln>
-                <a:solidFill>
-                  <a:schemeClr val="bg1"/>
-                </a:solidFill>
-              </a:defRPr>
-            </a:lvl2pPr>
-            <a:lvl3pPr>
-              <a:defRPr>
-                <a:ln>
-                  <a:noFill/>
-                </a:ln>
-                <a:solidFill>
-                  <a:schemeClr val="bg1"/>
-                </a:solidFill>
-              </a:defRPr>
-            </a:lvl3pPr>
-            <a:lvl4pPr>
-              <a:defRPr>
-                <a:ln>
-                  <a:noFill/>
-                </a:ln>
-                <a:solidFill>
-                  <a:schemeClr val="bg1"/>
-                </a:solidFill>
-              </a:defRPr>
-            </a:lvl4pPr>
-            <a:lvl5pPr>
-              <a:defRPr>
-                <a:ln>
-                  <a:noFill/>
-                </a:ln>
-                <a:solidFill>
-                  <a:schemeClr val="bg1"/>
-                </a:solidFill>
-              </a:defRPr>
-            </a:lvl5pPr>
-          </a:lstStyle>
-          <a:p>
-            <a:pPr lvl="0"/>
-            <a:r>
-              <a:rPr lang="en-GB"/>
-              <a:t>Body copy goes here.</a:t>
-            </a:r>
-          </a:p>
-        </p:txBody>
-      </p:sp>
-      <p:sp>
-        <p:nvSpPr>
-          <p:cNvPr id="13" name="Text Placeholder 11">
-            <a:extLst>
-              <a:ext uri="{FF2B5EF4-FFF2-40B4-BE49-F238E27FC236}">
-                <a16:creationId xmlns:a16="http://schemas.microsoft.com/office/drawing/2014/main" id="{4114C635-6BF1-6FFE-A4DB-8BB78F696D88}"/>
-              </a:ext>
-            </a:extLst>
-          </p:cNvPr>
-          <p:cNvSpPr>
-            <a:spLocks noGrp="1"/>
-          </p:cNvSpPr>
-          <p:nvPr>
-            <p:ph type="body" sz="quarter" idx="21" hasCustomPrompt="1"/>
-          </p:nvPr>
-        </p:nvSpPr>
-        <p:spPr>
-          <a:xfrm>
-            <a:off x="413915" y="404664"/>
-            <a:ext cx="10797426" cy="497161"/>
-          </a:xfrm>
-          <a:prstGeom prst="rect">
-            <a:avLst/>
-          </a:prstGeom>
-        </p:spPr>
-        <p:txBody>
-          <a:bodyPr>
-            <a:noAutofit/>
-          </a:bodyPr>
-          <a:lstStyle>
-            <a:lvl1pPr marL="0" indent="0">
-              <a:lnSpc>
-                <a:spcPct val="110000"/>
-              </a:lnSpc>
-              <a:buNone/>
-              <a:defRPr sz="3000" b="1" i="0">
-                <a:ln>
-                  <a:noFill/>
-                </a:ln>
-                <a:solidFill>
-                  <a:srgbClr val="060645"/>
-                </a:solidFill>
-                <a:latin typeface="Poppins SemiBold" pitchFamily="2" charset="77"/>
-                <a:cs typeface="Poppins SemiBold" pitchFamily="2" charset="77"/>
-              </a:defRPr>
-            </a:lvl1pPr>
-            <a:lvl2pPr>
-              <a:defRPr>
-                <a:ln>
-                  <a:noFill/>
-                </a:ln>
-                <a:solidFill>
-                  <a:schemeClr val="bg1"/>
-                </a:solidFill>
-              </a:defRPr>
-            </a:lvl2pPr>
-            <a:lvl3pPr>
-              <a:defRPr>
-                <a:ln>
-                  <a:noFill/>
-                </a:ln>
-                <a:solidFill>
-                  <a:schemeClr val="bg1"/>
-                </a:solidFill>
-              </a:defRPr>
-            </a:lvl3pPr>
-            <a:lvl4pPr>
-              <a:defRPr>
-                <a:ln>
-                  <a:noFill/>
-                </a:ln>
-                <a:solidFill>
-                  <a:schemeClr val="bg1"/>
-                </a:solidFill>
-              </a:defRPr>
-            </a:lvl4pPr>
-            <a:lvl5pPr>
-              <a:defRPr>
-                <a:ln>
-                  <a:noFill/>
-                </a:ln>
-                <a:solidFill>
-                  <a:schemeClr val="bg1"/>
-                </a:solidFill>
-              </a:defRPr>
-            </a:lvl5pPr>
-          </a:lstStyle>
-          <a:p>
-            <a:pPr lvl="0"/>
-            <a:r>
-              <a:rPr lang="en-GB"/>
-              <a:t>Page Title</a:t>
-            </a:r>
-          </a:p>
-        </p:txBody>
-      </p:sp>
-      <p:sp>
-        <p:nvSpPr>
-          <p:cNvPr id="14" name="Text Placeholder 11">
-            <a:extLst>
-              <a:ext uri="{FF2B5EF4-FFF2-40B4-BE49-F238E27FC236}">
-                <a16:creationId xmlns:a16="http://schemas.microsoft.com/office/drawing/2014/main" id="{FC530D6A-EBB8-CD26-B104-C0F70BBC946E}"/>
-              </a:ext>
-            </a:extLst>
-          </p:cNvPr>
-          <p:cNvSpPr>
-            <a:spLocks noGrp="1"/>
-          </p:cNvSpPr>
-          <p:nvPr>
-            <p:ph type="body" sz="quarter" idx="22" hasCustomPrompt="1"/>
-          </p:nvPr>
-        </p:nvSpPr>
-        <p:spPr>
-          <a:xfrm>
-            <a:off x="413915" y="912168"/>
-            <a:ext cx="10797426" cy="289311"/>
-          </a:xfrm>
-          <a:prstGeom prst="rect">
-            <a:avLst/>
-          </a:prstGeom>
-        </p:spPr>
-        <p:txBody>
-          <a:bodyPr>
-            <a:noAutofit/>
-          </a:bodyPr>
-          <a:lstStyle>
-            <a:lvl1pPr marL="0" indent="0">
-              <a:lnSpc>
-                <a:spcPct val="110000"/>
-              </a:lnSpc>
-              <a:buFont typeface="Arial" panose="020B0604020202020204" pitchFamily="34" charset="0"/>
-              <a:buNone/>
-              <a:defRPr sz="2000" b="0" i="0">
-                <a:ln>
-                  <a:noFill/>
-                </a:ln>
-                <a:solidFill>
-                  <a:srgbClr val="060645"/>
-                </a:solidFill>
-                <a:latin typeface="Poppins" panose="00000500000000000000" pitchFamily="2" charset="0"/>
-                <a:cs typeface="Poppins" panose="00000500000000000000" pitchFamily="2" charset="0"/>
-              </a:defRPr>
-            </a:lvl1pPr>
-            <a:lvl2pPr>
-              <a:defRPr>
-                <a:ln>
-                  <a:noFill/>
-                </a:ln>
-                <a:solidFill>
-                  <a:schemeClr val="bg1"/>
-                </a:solidFill>
-              </a:defRPr>
-            </a:lvl2pPr>
-            <a:lvl3pPr>
-              <a:defRPr>
-                <a:ln>
-                  <a:noFill/>
-                </a:ln>
-                <a:solidFill>
-                  <a:schemeClr val="bg1"/>
-                </a:solidFill>
-              </a:defRPr>
-            </a:lvl3pPr>
-            <a:lvl4pPr>
-              <a:defRPr>
-                <a:ln>
-                  <a:noFill/>
-                </a:ln>
-                <a:solidFill>
-                  <a:schemeClr val="bg1"/>
-                </a:solidFill>
-              </a:defRPr>
-            </a:lvl4pPr>
-            <a:lvl5pPr>
-              <a:defRPr>
-                <a:ln>
-                  <a:noFill/>
-                </a:ln>
-                <a:solidFill>
-                  <a:schemeClr val="bg1"/>
-                </a:solidFill>
-              </a:defRPr>
-            </a:lvl5pPr>
-          </a:lstStyle>
-          <a:p>
-            <a:pPr lvl="0"/>
-            <a:r>
-              <a:rPr lang="en-GB"/>
-              <a:t>Sub header</a:t>
-            </a:r>
-          </a:p>
-        </p:txBody>
-      </p:sp>
-      <p:sp>
-        <p:nvSpPr>
-          <p:cNvPr id="2" name="Content Placeholder 3">
-            <a:extLst>
-              <a:ext uri="{FF2B5EF4-FFF2-40B4-BE49-F238E27FC236}">
-                <a16:creationId xmlns:a16="http://schemas.microsoft.com/office/drawing/2014/main" id="{3E24F392-DCB7-9BFE-802F-2C3A475EA0F3}"/>
-              </a:ext>
-            </a:extLst>
-          </p:cNvPr>
-          <p:cNvSpPr>
-            <a:spLocks noGrp="1"/>
-          </p:cNvSpPr>
-          <p:nvPr>
-            <p:ph sz="half" idx="2"/>
-          </p:nvPr>
-        </p:nvSpPr>
-        <p:spPr>
-          <a:xfrm>
-            <a:off x="1001105" y="2642305"/>
-            <a:ext cx="4922617" cy="3072695"/>
-          </a:xfrm>
-          <a:prstGeom prst="rect">
-            <a:avLst/>
-          </a:prstGeom>
-        </p:spPr>
-        <p:txBody>
-          <a:bodyPr>
-            <a:noAutofit/>
-          </a:bodyPr>
-          <a:lstStyle>
-            <a:lvl1pPr marL="228600" indent="-228600">
-              <a:lnSpc>
-                <a:spcPct val="110000"/>
-              </a:lnSpc>
-              <a:spcBef>
-                <a:spcPts val="0"/>
-              </a:spcBef>
-              <a:spcAft>
-                <a:spcPts val="600"/>
-              </a:spcAft>
-              <a:buFontTx/>
-              <a:buBlip>
-                <a:blip r:embed="rId3"/>
-              </a:buBlip>
-              <a:defRPr sz="1500">
-                <a:solidFill>
-                  <a:srgbClr val="060645"/>
-                </a:solidFill>
-                <a:latin typeface="Poppins" panose="00000500000000000000" pitchFamily="2" charset="0"/>
-                <a:cs typeface="Poppins" panose="00000500000000000000" pitchFamily="2" charset="0"/>
-              </a:defRPr>
-            </a:lvl1pPr>
-            <a:lvl2pPr>
-              <a:lnSpc>
-                <a:spcPct val="110000"/>
-              </a:lnSpc>
-              <a:spcBef>
-                <a:spcPts val="0"/>
-              </a:spcBef>
-              <a:spcAft>
-                <a:spcPts val="600"/>
-              </a:spcAft>
-              <a:defRPr sz="1500">
-                <a:solidFill>
-                  <a:srgbClr val="060645"/>
-                </a:solidFill>
-                <a:latin typeface="Poppins" panose="00000500000000000000" pitchFamily="2" charset="0"/>
-                <a:cs typeface="Poppins" panose="00000500000000000000" pitchFamily="2" charset="0"/>
-              </a:defRPr>
-            </a:lvl2pPr>
-            <a:lvl3pPr>
-              <a:lnSpc>
-                <a:spcPct val="110000"/>
-              </a:lnSpc>
-              <a:spcBef>
-                <a:spcPts val="0"/>
-              </a:spcBef>
-              <a:spcAft>
-                <a:spcPts val="600"/>
-              </a:spcAft>
-              <a:defRPr sz="1500">
-                <a:solidFill>
-                  <a:srgbClr val="060645"/>
-                </a:solidFill>
-                <a:latin typeface="Poppins" panose="00000500000000000000" pitchFamily="2" charset="0"/>
-                <a:cs typeface="Poppins" panose="00000500000000000000" pitchFamily="2" charset="0"/>
-              </a:defRPr>
-            </a:lvl3pPr>
-            <a:lvl4pPr>
-              <a:lnSpc>
-                <a:spcPct val="110000"/>
-              </a:lnSpc>
-              <a:spcBef>
-                <a:spcPts val="0"/>
-              </a:spcBef>
-              <a:spcAft>
-                <a:spcPts val="600"/>
-              </a:spcAft>
-              <a:defRPr sz="1500">
-                <a:solidFill>
-                  <a:srgbClr val="060645"/>
-                </a:solidFill>
-                <a:latin typeface="Poppins" panose="00000500000000000000" pitchFamily="2" charset="0"/>
-                <a:cs typeface="Poppins" panose="00000500000000000000" pitchFamily="2" charset="0"/>
-              </a:defRPr>
-            </a:lvl4pPr>
-            <a:lvl5pPr>
-              <a:lnSpc>
-                <a:spcPct val="110000"/>
-              </a:lnSpc>
-              <a:spcBef>
-                <a:spcPts val="0"/>
-              </a:spcBef>
-              <a:spcAft>
-                <a:spcPts val="600"/>
-              </a:spcAft>
-              <a:defRPr sz="1500">
-                <a:solidFill>
-                  <a:srgbClr val="060645"/>
-                </a:solidFill>
-                <a:latin typeface="Poppins" panose="00000500000000000000" pitchFamily="2" charset="0"/>
-                <a:cs typeface="Poppins" panose="00000500000000000000" pitchFamily="2" charset="0"/>
-              </a:defRPr>
-            </a:lvl5pPr>
-          </a:lstStyle>
-          <a:p>
-            <a:pPr lvl="0"/>
-            <a:r>
-              <a:rPr lang="en-GB"/>
-              <a:t>Click to edit Master text styles</a:t>
-            </a:r>
-          </a:p>
-          <a:p>
-            <a:pPr lvl="1"/>
-            <a:r>
-              <a:rPr lang="en-GB"/>
-              <a:t>Second level</a:t>
-            </a:r>
-          </a:p>
-          <a:p>
-            <a:pPr lvl="2"/>
-            <a:r>
-              <a:rPr lang="en-GB"/>
-              <a:t>Third level</a:t>
-            </a:r>
-          </a:p>
-          <a:p>
-            <a:pPr lvl="3"/>
-            <a:r>
-              <a:rPr lang="en-GB"/>
-              <a:t>Fourth level</a:t>
-            </a:r>
-          </a:p>
-          <a:p>
-            <a:pPr lvl="4"/>
-            <a:r>
-              <a:rPr lang="en-GB"/>
-              <a:t>Fifth level</a:t>
-            </a:r>
-            <a:endParaRPr lang="en-US"/>
-          </a:p>
-        </p:txBody>
-      </p:sp>
-      <p:sp>
-        <p:nvSpPr>
-          <p:cNvPr id="3" name="Content Placeholder 3">
-            <a:extLst>
-              <a:ext uri="{FF2B5EF4-FFF2-40B4-BE49-F238E27FC236}">
-                <a16:creationId xmlns:a16="http://schemas.microsoft.com/office/drawing/2014/main" id="{C48C1F3A-E328-D7D8-0A81-F997F4F944DC}"/>
-              </a:ext>
-            </a:extLst>
-          </p:cNvPr>
-          <p:cNvSpPr>
-            <a:spLocks noGrp="1"/>
-          </p:cNvSpPr>
-          <p:nvPr>
-            <p:ph sz="half" idx="18"/>
-          </p:nvPr>
-        </p:nvSpPr>
-        <p:spPr>
-          <a:xfrm>
-            <a:off x="6288724" y="2642305"/>
-            <a:ext cx="4922617" cy="3072695"/>
-          </a:xfrm>
-          <a:prstGeom prst="rect">
-            <a:avLst/>
-          </a:prstGeom>
-        </p:spPr>
-        <p:txBody>
-          <a:bodyPr>
-            <a:noAutofit/>
-          </a:bodyPr>
-          <a:lstStyle>
-            <a:lvl1pPr marL="228600" indent="-228600">
-              <a:lnSpc>
-                <a:spcPct val="110000"/>
-              </a:lnSpc>
-              <a:spcBef>
-                <a:spcPts val="0"/>
-              </a:spcBef>
-              <a:spcAft>
-                <a:spcPts val="600"/>
-              </a:spcAft>
-              <a:buFontTx/>
-              <a:buBlip>
-                <a:blip r:embed="rId3"/>
-              </a:buBlip>
-              <a:defRPr sz="1500">
-                <a:solidFill>
-                  <a:srgbClr val="060645"/>
-                </a:solidFill>
-                <a:latin typeface="Poppins" panose="00000500000000000000" pitchFamily="2" charset="0"/>
-                <a:cs typeface="Poppins" panose="00000500000000000000" pitchFamily="2" charset="0"/>
-              </a:defRPr>
-            </a:lvl1pPr>
-            <a:lvl2pPr>
-              <a:lnSpc>
-                <a:spcPct val="110000"/>
-              </a:lnSpc>
-              <a:spcBef>
-                <a:spcPts val="0"/>
-              </a:spcBef>
-              <a:spcAft>
-                <a:spcPts val="600"/>
-              </a:spcAft>
-              <a:defRPr sz="1500">
-                <a:solidFill>
-                  <a:srgbClr val="060645"/>
-                </a:solidFill>
-                <a:latin typeface="Poppins" panose="00000500000000000000" pitchFamily="2" charset="0"/>
-                <a:cs typeface="Poppins" panose="00000500000000000000" pitchFamily="2" charset="0"/>
-              </a:defRPr>
-            </a:lvl2pPr>
-            <a:lvl3pPr>
-              <a:lnSpc>
-                <a:spcPct val="110000"/>
-              </a:lnSpc>
-              <a:spcBef>
-                <a:spcPts val="0"/>
-              </a:spcBef>
-              <a:spcAft>
-                <a:spcPts val="600"/>
-              </a:spcAft>
-              <a:defRPr sz="1500">
-                <a:solidFill>
-                  <a:srgbClr val="060645"/>
-                </a:solidFill>
-                <a:latin typeface="Poppins" panose="00000500000000000000" pitchFamily="2" charset="0"/>
-                <a:cs typeface="Poppins" panose="00000500000000000000" pitchFamily="2" charset="0"/>
-              </a:defRPr>
-            </a:lvl3pPr>
-            <a:lvl4pPr>
-              <a:lnSpc>
-                <a:spcPct val="110000"/>
-              </a:lnSpc>
-              <a:spcBef>
-                <a:spcPts val="0"/>
-              </a:spcBef>
-              <a:spcAft>
-                <a:spcPts val="600"/>
-              </a:spcAft>
-              <a:defRPr sz="1500">
-                <a:solidFill>
-                  <a:srgbClr val="060645"/>
-                </a:solidFill>
-                <a:latin typeface="Poppins" panose="00000500000000000000" pitchFamily="2" charset="0"/>
-                <a:cs typeface="Poppins" panose="00000500000000000000" pitchFamily="2" charset="0"/>
-              </a:defRPr>
-            </a:lvl4pPr>
-            <a:lvl5pPr>
-              <a:lnSpc>
-                <a:spcPct val="110000"/>
-              </a:lnSpc>
-              <a:spcBef>
-                <a:spcPts val="0"/>
-              </a:spcBef>
-              <a:spcAft>
-                <a:spcPts val="600"/>
-              </a:spcAft>
-              <a:defRPr sz="1500">
-                <a:solidFill>
-                  <a:srgbClr val="060645"/>
-                </a:solidFill>
-                <a:latin typeface="Poppins" panose="00000500000000000000" pitchFamily="2" charset="0"/>
-                <a:cs typeface="Poppins" panose="00000500000000000000" pitchFamily="2" charset="0"/>
-              </a:defRPr>
-            </a:lvl5pPr>
-          </a:lstStyle>
-          <a:p>
-            <a:pPr lvl="0"/>
-            <a:r>
-              <a:rPr lang="en-GB"/>
-              <a:t>Click to edit Master text styles</a:t>
-            </a:r>
-          </a:p>
-          <a:p>
-            <a:pPr lvl="1"/>
-            <a:r>
-              <a:rPr lang="en-GB"/>
-              <a:t>Second level</a:t>
-            </a:r>
-          </a:p>
-          <a:p>
-            <a:pPr lvl="2"/>
-            <a:r>
-              <a:rPr lang="en-GB"/>
-              <a:t>Third level</a:t>
-            </a:r>
-          </a:p>
-          <a:p>
-            <a:pPr lvl="3"/>
-            <a:r>
-              <a:rPr lang="en-GB"/>
-              <a:t>Fourth level</a:t>
-            </a:r>
-          </a:p>
-          <a:p>
-            <a:pPr lvl="4"/>
-            <a:r>
-              <a:rPr lang="en-GB"/>
-              <a:t>Fifth level</a:t>
-            </a:r>
-            <a:endParaRPr lang="en-US"/>
-          </a:p>
-        </p:txBody>
-      </p:sp>
-      <p:pic>
-        <p:nvPicPr>
-          <p:cNvPr id="5" name="Picture 4">
-            <a:extLst>
-              <a:ext uri="{FF2B5EF4-FFF2-40B4-BE49-F238E27FC236}">
-                <a16:creationId xmlns:a16="http://schemas.microsoft.com/office/drawing/2014/main" id="{B15771C0-93BA-5ADF-64A4-2A43F86D54F2}"/>
-              </a:ext>
-              <a:ext uri="{C183D7F6-B498-43B3-948B-1728B52AA6E4}">
-                <adec:decorative xmlns:adec="http://schemas.microsoft.com/office/drawing/2017/decorative" val="1"/>
-              </a:ext>
-            </a:extLst>
-          </p:cNvPr>
-          <p:cNvPicPr>
-            <a:picLocks noChangeAspect="1"/>
-          </p:cNvPicPr>
-          <p:nvPr userDrawn="1"/>
-        </p:nvPicPr>
-        <p:blipFill>
-          <a:blip r:embed="rId4">
-            <a:extLst>
-              <a:ext uri="{28A0092B-C50C-407E-A947-70E740481C1C}">
-                <a14:useLocalDpi xmlns:a14="http://schemas.microsoft.com/office/drawing/2010/main"/>
-              </a:ext>
-            </a:extLst>
-          </a:blip>
-          <a:stretch>
-            <a:fillRect/>
-          </a:stretch>
-        </p:blipFill>
-        <p:spPr>
-          <a:xfrm>
-            <a:off x="11180618" y="5846618"/>
-            <a:ext cx="1011382" cy="1011382"/>
-          </a:xfrm>
-          <a:prstGeom prst="rect">
-            <a:avLst/>
-          </a:prstGeom>
-        </p:spPr>
-      </p:pic>
-      <p:sp>
-        <p:nvSpPr>
-          <p:cNvPr id="6" name="TextBox 5">
-            <a:extLst>
-              <a:ext uri="{FF2B5EF4-FFF2-40B4-BE49-F238E27FC236}">
-                <a16:creationId xmlns:a16="http://schemas.microsoft.com/office/drawing/2014/main" id="{7EBDBA90-2059-F1EB-DC4D-1F490EC5C85F}"/>
-              </a:ext>
-            </a:extLst>
-          </p:cNvPr>
-          <p:cNvSpPr txBox="1"/>
-          <p:nvPr userDrawn="1"/>
-        </p:nvSpPr>
-        <p:spPr>
-          <a:xfrm>
-            <a:off x="11515725" y="6493625"/>
-            <a:ext cx="632251" cy="323165"/>
-          </a:xfrm>
-          <a:prstGeom prst="rect">
-            <a:avLst/>
-          </a:prstGeom>
-          <a:noFill/>
-        </p:spPr>
-        <p:txBody>
-          <a:bodyPr wrap="square" rtlCol="0">
-            <a:spAutoFit/>
-          </a:bodyPr>
-          <a:lstStyle/>
-          <a:p>
-            <a:pPr algn="r"/>
-            <a:fld id="{323858C3-E774-4B3F-8AA9-3979BAFA574F}" type="slidenum">
-              <a:rPr lang="en-GB" sz="1500" smtClean="0">
-                <a:solidFill>
-                  <a:schemeClr val="bg1"/>
-                </a:solidFill>
-                <a:latin typeface="Poppins" panose="00000500000000000000" pitchFamily="2" charset="0"/>
-                <a:cs typeface="Poppins" panose="00000500000000000000" pitchFamily="2" charset="0"/>
-              </a:rPr>
-              <a:t>‹#›</a:t>
-            </a:fld>
-            <a:endParaRPr lang="en-GB" sz="1500">
-              <a:solidFill>
-                <a:schemeClr val="bg1"/>
-              </a:solidFill>
-              <a:latin typeface="Poppins" panose="00000500000000000000" pitchFamily="2" charset="0"/>
-              <a:cs typeface="Poppins" panose="00000500000000000000" pitchFamily="2" charset="0"/>
-            </a:endParaRPr>
-          </a:p>
-        </p:txBody>
-      </p:sp>
-      <p:pic>
-        <p:nvPicPr>
-          <p:cNvPr id="4" name="Picture 3" descr="The Open University Logo">
-            <a:extLst>
-              <a:ext uri="{FF2B5EF4-FFF2-40B4-BE49-F238E27FC236}">
-                <a16:creationId xmlns:a16="http://schemas.microsoft.com/office/drawing/2014/main" id="{DBE218AA-1FFB-BE5D-8642-2B04DCCE99A0}"/>
-              </a:ext>
-              <a:ext uri="{C183D7F6-B498-43B3-948B-1728B52AA6E4}">
-                <adec:decorative xmlns:adec="http://schemas.microsoft.com/office/drawing/2017/decorative" val="0"/>
-              </a:ext>
-            </a:extLst>
-          </p:cNvPr>
-          <p:cNvPicPr>
-            <a:picLocks noChangeAspect="1"/>
-          </p:cNvPicPr>
-          <p:nvPr userDrawn="1"/>
-        </p:nvPicPr>
-        <p:blipFill>
-          <a:blip r:embed="rId5" cstate="screen">
-            <a:extLst>
-              <a:ext uri="{28A0092B-C50C-407E-A947-70E740481C1C}">
-                <a14:useLocalDpi xmlns:a14="http://schemas.microsoft.com/office/drawing/2010/main"/>
-              </a:ext>
-            </a:extLst>
-          </a:blip>
-          <a:srcRect/>
-          <a:stretch/>
-        </p:blipFill>
-        <p:spPr>
-          <a:xfrm>
-            <a:off x="469676" y="5829301"/>
-            <a:ext cx="1709990" cy="584196"/>
-          </a:xfrm>
-          <a:prstGeom prst="rect">
-            <a:avLst/>
-          </a:prstGeom>
-        </p:spPr>
-      </p:pic>
-    </p:spTree>
-    <p:extLst>
-      <p:ext uri="{BB962C8B-B14F-4D97-AF65-F5344CB8AC3E}">
-        <p14:creationId xmlns:p14="http://schemas.microsoft.com/office/powerpoint/2010/main" val="219773752"/>
       </p:ext>
     </p:extLst>
   </p:cSld>
@@ -21802,6 +21729,1113 @@
 
 <file path=ppt/slideLayouts/slideLayout30.xml><?xml version="1.0" encoding="utf-8"?>
 <p:sldLayout xmlns:a="http://schemas.openxmlformats.org/drawingml/2006/main" xmlns:r="http://schemas.openxmlformats.org/officeDocument/2006/relationships" xmlns:p="http://schemas.openxmlformats.org/presentationml/2006/main" preserve="1" userDrawn="1">
+  <p:cSld name="Text &amp; Media - Pink">
+    <p:bg>
+      <p:bgPr>
+        <a:blipFill dpi="0" rotWithShape="1">
+          <a:blip r:embed="rId2" cstate="screen">
+            <a:alphaModFix amt="55000"/>
+            <a:lum/>
+            <a:extLst>
+              <a:ext uri="{28A0092B-C50C-407E-A947-70E740481C1C}">
+                <a14:useLocalDpi xmlns:a14="http://schemas.microsoft.com/office/drawing/2010/main"/>
+              </a:ext>
+            </a:extLst>
+          </a:blip>
+          <a:srcRect/>
+          <a:stretch>
+            <a:fillRect/>
+          </a:stretch>
+        </a:blipFill>
+        <a:effectLst/>
+      </p:bgPr>
+    </p:bg>
+    <p:spTree>
+      <p:nvGrpSpPr>
+        <p:cNvPr id="1" name=""/>
+        <p:cNvGrpSpPr/>
+        <p:nvPr/>
+      </p:nvGrpSpPr>
+      <p:grpSpPr>
+        <a:xfrm>
+          <a:off x="0" y="0"/>
+          <a:ext cx="0" cy="0"/>
+          <a:chOff x="0" y="0"/>
+          <a:chExt cx="0" cy="0"/>
+        </a:xfrm>
+      </p:grpSpPr>
+      <p:sp>
+        <p:nvSpPr>
+          <p:cNvPr id="17" name="Text Placeholder 11">
+            <a:extLst>
+              <a:ext uri="{FF2B5EF4-FFF2-40B4-BE49-F238E27FC236}">
+                <a16:creationId xmlns:a16="http://schemas.microsoft.com/office/drawing/2014/main" id="{DDA1F39E-370E-9BF5-101D-A0A5D784F8FC}"/>
+              </a:ext>
+            </a:extLst>
+          </p:cNvPr>
+          <p:cNvSpPr>
+            <a:spLocks noGrp="1"/>
+          </p:cNvSpPr>
+          <p:nvPr>
+            <p:ph type="body" sz="quarter" idx="12" hasCustomPrompt="1"/>
+          </p:nvPr>
+        </p:nvSpPr>
+        <p:spPr>
+          <a:xfrm>
+            <a:off x="1001105" y="1676669"/>
+            <a:ext cx="4128571" cy="276120"/>
+          </a:xfrm>
+          <a:prstGeom prst="rect">
+            <a:avLst/>
+          </a:prstGeom>
+        </p:spPr>
+        <p:txBody>
+          <a:bodyPr>
+            <a:noAutofit/>
+          </a:bodyPr>
+          <a:lstStyle>
+            <a:lvl1pPr marL="0" indent="0">
+              <a:lnSpc>
+                <a:spcPct val="110000"/>
+              </a:lnSpc>
+              <a:spcBef>
+                <a:spcPts val="0"/>
+              </a:spcBef>
+              <a:spcAft>
+                <a:spcPts val="600"/>
+              </a:spcAft>
+              <a:buFont typeface="Arial" panose="020B0604020202020204" pitchFamily="34" charset="0"/>
+              <a:buNone/>
+              <a:defRPr sz="1800" b="1" i="0">
+                <a:ln>
+                  <a:noFill/>
+                </a:ln>
+                <a:solidFill>
+                  <a:srgbClr val="060645"/>
+                </a:solidFill>
+                <a:latin typeface="Poppins" panose="00000500000000000000" pitchFamily="2" charset="0"/>
+                <a:cs typeface="Poppins" panose="00000500000000000000" pitchFamily="2" charset="0"/>
+              </a:defRPr>
+            </a:lvl1pPr>
+            <a:lvl2pPr>
+              <a:defRPr>
+                <a:ln>
+                  <a:noFill/>
+                </a:ln>
+                <a:solidFill>
+                  <a:schemeClr val="bg1"/>
+                </a:solidFill>
+              </a:defRPr>
+            </a:lvl2pPr>
+            <a:lvl3pPr>
+              <a:defRPr>
+                <a:ln>
+                  <a:noFill/>
+                </a:ln>
+                <a:solidFill>
+                  <a:schemeClr val="bg1"/>
+                </a:solidFill>
+              </a:defRPr>
+            </a:lvl3pPr>
+            <a:lvl4pPr>
+              <a:defRPr>
+                <a:ln>
+                  <a:noFill/>
+                </a:ln>
+                <a:solidFill>
+                  <a:schemeClr val="bg1"/>
+                </a:solidFill>
+              </a:defRPr>
+            </a:lvl4pPr>
+            <a:lvl5pPr>
+              <a:defRPr>
+                <a:ln>
+                  <a:noFill/>
+                </a:ln>
+                <a:solidFill>
+                  <a:schemeClr val="bg1"/>
+                </a:solidFill>
+              </a:defRPr>
+            </a:lvl5pPr>
+          </a:lstStyle>
+          <a:p>
+            <a:pPr lvl="0"/>
+            <a:r>
+              <a:rPr lang="en-GB"/>
+              <a:t>Section title</a:t>
+            </a:r>
+          </a:p>
+        </p:txBody>
+      </p:sp>
+      <p:sp>
+        <p:nvSpPr>
+          <p:cNvPr id="18" name="Text Placeholder 11">
+            <a:extLst>
+              <a:ext uri="{FF2B5EF4-FFF2-40B4-BE49-F238E27FC236}">
+                <a16:creationId xmlns:a16="http://schemas.microsoft.com/office/drawing/2014/main" id="{DFB8AF0D-6CCE-C411-DB47-6E723C872006}"/>
+              </a:ext>
+            </a:extLst>
+          </p:cNvPr>
+          <p:cNvSpPr>
+            <a:spLocks noGrp="1"/>
+          </p:cNvSpPr>
+          <p:nvPr>
+            <p:ph type="body" sz="quarter" idx="14" hasCustomPrompt="1"/>
+          </p:nvPr>
+        </p:nvSpPr>
+        <p:spPr>
+          <a:xfrm>
+            <a:off x="1001105" y="2093471"/>
+            <a:ext cx="4922617" cy="474148"/>
+          </a:xfrm>
+          <a:prstGeom prst="rect">
+            <a:avLst/>
+          </a:prstGeom>
+        </p:spPr>
+        <p:txBody>
+          <a:bodyPr>
+            <a:noAutofit/>
+          </a:bodyPr>
+          <a:lstStyle>
+            <a:lvl1pPr marL="0" indent="0">
+              <a:lnSpc>
+                <a:spcPct val="110000"/>
+              </a:lnSpc>
+              <a:spcBef>
+                <a:spcPts val="0"/>
+              </a:spcBef>
+              <a:spcAft>
+                <a:spcPts val="600"/>
+              </a:spcAft>
+              <a:buFont typeface="Arial" panose="020B0604020202020204" pitchFamily="34" charset="0"/>
+              <a:buNone/>
+              <a:defRPr sz="1500" b="0" i="0">
+                <a:ln>
+                  <a:noFill/>
+                </a:ln>
+                <a:solidFill>
+                  <a:srgbClr val="060645"/>
+                </a:solidFill>
+                <a:latin typeface="Poppins" panose="00000500000000000000" pitchFamily="2" charset="0"/>
+                <a:cs typeface="Poppins" panose="00000500000000000000" pitchFamily="2" charset="0"/>
+              </a:defRPr>
+            </a:lvl1pPr>
+            <a:lvl2pPr>
+              <a:defRPr>
+                <a:ln>
+                  <a:noFill/>
+                </a:ln>
+                <a:solidFill>
+                  <a:schemeClr val="bg1"/>
+                </a:solidFill>
+              </a:defRPr>
+            </a:lvl2pPr>
+            <a:lvl3pPr>
+              <a:defRPr>
+                <a:ln>
+                  <a:noFill/>
+                </a:ln>
+                <a:solidFill>
+                  <a:schemeClr val="bg1"/>
+                </a:solidFill>
+              </a:defRPr>
+            </a:lvl3pPr>
+            <a:lvl4pPr>
+              <a:defRPr>
+                <a:ln>
+                  <a:noFill/>
+                </a:ln>
+                <a:solidFill>
+                  <a:schemeClr val="bg1"/>
+                </a:solidFill>
+              </a:defRPr>
+            </a:lvl4pPr>
+            <a:lvl5pPr>
+              <a:defRPr>
+                <a:ln>
+                  <a:noFill/>
+                </a:ln>
+                <a:solidFill>
+                  <a:schemeClr val="bg1"/>
+                </a:solidFill>
+              </a:defRPr>
+            </a:lvl5pPr>
+          </a:lstStyle>
+          <a:p>
+            <a:pPr lvl="0"/>
+            <a:r>
+              <a:rPr lang="en-GB"/>
+              <a:t>Body copy goes here.</a:t>
+            </a:r>
+          </a:p>
+        </p:txBody>
+      </p:sp>
+      <p:sp>
+        <p:nvSpPr>
+          <p:cNvPr id="20" name="Text Placeholder 11">
+            <a:extLst>
+              <a:ext uri="{FF2B5EF4-FFF2-40B4-BE49-F238E27FC236}">
+                <a16:creationId xmlns:a16="http://schemas.microsoft.com/office/drawing/2014/main" id="{77B68DC7-43A5-C3AB-0F02-A24CE21AC048}"/>
+              </a:ext>
+            </a:extLst>
+          </p:cNvPr>
+          <p:cNvSpPr>
+            <a:spLocks noGrp="1"/>
+          </p:cNvSpPr>
+          <p:nvPr>
+            <p:ph type="body" sz="quarter" idx="19" hasCustomPrompt="1"/>
+          </p:nvPr>
+        </p:nvSpPr>
+        <p:spPr>
+          <a:xfrm>
+            <a:off x="6288724" y="1676669"/>
+            <a:ext cx="4128571" cy="276120"/>
+          </a:xfrm>
+          <a:prstGeom prst="rect">
+            <a:avLst/>
+          </a:prstGeom>
+        </p:spPr>
+        <p:txBody>
+          <a:bodyPr>
+            <a:noAutofit/>
+          </a:bodyPr>
+          <a:lstStyle>
+            <a:lvl1pPr marL="0" indent="0">
+              <a:lnSpc>
+                <a:spcPct val="110000"/>
+              </a:lnSpc>
+              <a:spcBef>
+                <a:spcPts val="0"/>
+              </a:spcBef>
+              <a:spcAft>
+                <a:spcPts val="600"/>
+              </a:spcAft>
+              <a:buFont typeface="Arial" panose="020B0604020202020204" pitchFamily="34" charset="0"/>
+              <a:buNone/>
+              <a:defRPr sz="1800" b="1" i="0">
+                <a:ln>
+                  <a:noFill/>
+                </a:ln>
+                <a:solidFill>
+                  <a:srgbClr val="060645"/>
+                </a:solidFill>
+                <a:latin typeface="Poppins" panose="00000500000000000000" pitchFamily="2" charset="0"/>
+                <a:cs typeface="Poppins" panose="00000500000000000000" pitchFamily="2" charset="0"/>
+              </a:defRPr>
+            </a:lvl1pPr>
+            <a:lvl2pPr>
+              <a:defRPr>
+                <a:ln>
+                  <a:noFill/>
+                </a:ln>
+                <a:solidFill>
+                  <a:schemeClr val="bg1"/>
+                </a:solidFill>
+              </a:defRPr>
+            </a:lvl2pPr>
+            <a:lvl3pPr>
+              <a:defRPr>
+                <a:ln>
+                  <a:noFill/>
+                </a:ln>
+                <a:solidFill>
+                  <a:schemeClr val="bg1"/>
+                </a:solidFill>
+              </a:defRPr>
+            </a:lvl3pPr>
+            <a:lvl4pPr>
+              <a:defRPr>
+                <a:ln>
+                  <a:noFill/>
+                </a:ln>
+                <a:solidFill>
+                  <a:schemeClr val="bg1"/>
+                </a:solidFill>
+              </a:defRPr>
+            </a:lvl4pPr>
+            <a:lvl5pPr>
+              <a:defRPr>
+                <a:ln>
+                  <a:noFill/>
+                </a:ln>
+                <a:solidFill>
+                  <a:schemeClr val="bg1"/>
+                </a:solidFill>
+              </a:defRPr>
+            </a:lvl5pPr>
+          </a:lstStyle>
+          <a:p>
+            <a:pPr lvl="0"/>
+            <a:r>
+              <a:rPr lang="en-GB"/>
+              <a:t>Section title</a:t>
+            </a:r>
+          </a:p>
+        </p:txBody>
+      </p:sp>
+      <p:sp>
+        <p:nvSpPr>
+          <p:cNvPr id="21" name="Text Placeholder 11">
+            <a:extLst>
+              <a:ext uri="{FF2B5EF4-FFF2-40B4-BE49-F238E27FC236}">
+                <a16:creationId xmlns:a16="http://schemas.microsoft.com/office/drawing/2014/main" id="{998BAA85-672C-2406-1402-92D7361EB722}"/>
+              </a:ext>
+            </a:extLst>
+          </p:cNvPr>
+          <p:cNvSpPr>
+            <a:spLocks noGrp="1"/>
+          </p:cNvSpPr>
+          <p:nvPr>
+            <p:ph type="body" sz="quarter" idx="20" hasCustomPrompt="1"/>
+          </p:nvPr>
+        </p:nvSpPr>
+        <p:spPr>
+          <a:xfrm>
+            <a:off x="6288724" y="2093471"/>
+            <a:ext cx="4922617" cy="474148"/>
+          </a:xfrm>
+          <a:prstGeom prst="rect">
+            <a:avLst/>
+          </a:prstGeom>
+        </p:spPr>
+        <p:txBody>
+          <a:bodyPr>
+            <a:noAutofit/>
+          </a:bodyPr>
+          <a:lstStyle>
+            <a:lvl1pPr marL="0" indent="0">
+              <a:lnSpc>
+                <a:spcPct val="110000"/>
+              </a:lnSpc>
+              <a:spcBef>
+                <a:spcPts val="0"/>
+              </a:spcBef>
+              <a:spcAft>
+                <a:spcPts val="600"/>
+              </a:spcAft>
+              <a:buFont typeface="Arial" panose="020B0604020202020204" pitchFamily="34" charset="0"/>
+              <a:buNone/>
+              <a:defRPr sz="1500" b="0" i="0">
+                <a:ln>
+                  <a:noFill/>
+                </a:ln>
+                <a:solidFill>
+                  <a:srgbClr val="060645"/>
+                </a:solidFill>
+                <a:latin typeface="Poppins" panose="00000500000000000000" pitchFamily="2" charset="0"/>
+                <a:cs typeface="Poppins" panose="00000500000000000000" pitchFamily="2" charset="0"/>
+              </a:defRPr>
+            </a:lvl1pPr>
+            <a:lvl2pPr>
+              <a:defRPr>
+                <a:ln>
+                  <a:noFill/>
+                </a:ln>
+                <a:solidFill>
+                  <a:schemeClr val="bg1"/>
+                </a:solidFill>
+              </a:defRPr>
+            </a:lvl2pPr>
+            <a:lvl3pPr>
+              <a:defRPr>
+                <a:ln>
+                  <a:noFill/>
+                </a:ln>
+                <a:solidFill>
+                  <a:schemeClr val="bg1"/>
+                </a:solidFill>
+              </a:defRPr>
+            </a:lvl3pPr>
+            <a:lvl4pPr>
+              <a:defRPr>
+                <a:ln>
+                  <a:noFill/>
+                </a:ln>
+                <a:solidFill>
+                  <a:schemeClr val="bg1"/>
+                </a:solidFill>
+              </a:defRPr>
+            </a:lvl4pPr>
+            <a:lvl5pPr>
+              <a:defRPr>
+                <a:ln>
+                  <a:noFill/>
+                </a:ln>
+                <a:solidFill>
+                  <a:schemeClr val="bg1"/>
+                </a:solidFill>
+              </a:defRPr>
+            </a:lvl5pPr>
+          </a:lstStyle>
+          <a:p>
+            <a:pPr lvl="0"/>
+            <a:r>
+              <a:rPr lang="en-GB"/>
+              <a:t>Body copy goes here.</a:t>
+            </a:r>
+          </a:p>
+        </p:txBody>
+      </p:sp>
+      <p:sp>
+        <p:nvSpPr>
+          <p:cNvPr id="13" name="Text Placeholder 11">
+            <a:extLst>
+              <a:ext uri="{FF2B5EF4-FFF2-40B4-BE49-F238E27FC236}">
+                <a16:creationId xmlns:a16="http://schemas.microsoft.com/office/drawing/2014/main" id="{4114C635-6BF1-6FFE-A4DB-8BB78F696D88}"/>
+              </a:ext>
+            </a:extLst>
+          </p:cNvPr>
+          <p:cNvSpPr>
+            <a:spLocks noGrp="1"/>
+          </p:cNvSpPr>
+          <p:nvPr>
+            <p:ph type="body" sz="quarter" idx="21" hasCustomPrompt="1"/>
+          </p:nvPr>
+        </p:nvSpPr>
+        <p:spPr>
+          <a:xfrm>
+            <a:off x="413915" y="404664"/>
+            <a:ext cx="10797426" cy="497161"/>
+          </a:xfrm>
+          <a:prstGeom prst="rect">
+            <a:avLst/>
+          </a:prstGeom>
+        </p:spPr>
+        <p:txBody>
+          <a:bodyPr>
+            <a:noAutofit/>
+          </a:bodyPr>
+          <a:lstStyle>
+            <a:lvl1pPr marL="0" indent="0">
+              <a:lnSpc>
+                <a:spcPct val="110000"/>
+              </a:lnSpc>
+              <a:buNone/>
+              <a:defRPr sz="3000" b="1" i="0">
+                <a:ln>
+                  <a:noFill/>
+                </a:ln>
+                <a:solidFill>
+                  <a:srgbClr val="060645"/>
+                </a:solidFill>
+                <a:latin typeface="Poppins SemiBold" pitchFamily="2" charset="77"/>
+                <a:cs typeface="Poppins SemiBold" pitchFamily="2" charset="77"/>
+              </a:defRPr>
+            </a:lvl1pPr>
+            <a:lvl2pPr>
+              <a:defRPr>
+                <a:ln>
+                  <a:noFill/>
+                </a:ln>
+                <a:solidFill>
+                  <a:schemeClr val="bg1"/>
+                </a:solidFill>
+              </a:defRPr>
+            </a:lvl2pPr>
+            <a:lvl3pPr>
+              <a:defRPr>
+                <a:ln>
+                  <a:noFill/>
+                </a:ln>
+                <a:solidFill>
+                  <a:schemeClr val="bg1"/>
+                </a:solidFill>
+              </a:defRPr>
+            </a:lvl3pPr>
+            <a:lvl4pPr>
+              <a:defRPr>
+                <a:ln>
+                  <a:noFill/>
+                </a:ln>
+                <a:solidFill>
+                  <a:schemeClr val="bg1"/>
+                </a:solidFill>
+              </a:defRPr>
+            </a:lvl4pPr>
+            <a:lvl5pPr>
+              <a:defRPr>
+                <a:ln>
+                  <a:noFill/>
+                </a:ln>
+                <a:solidFill>
+                  <a:schemeClr val="bg1"/>
+                </a:solidFill>
+              </a:defRPr>
+            </a:lvl5pPr>
+          </a:lstStyle>
+          <a:p>
+            <a:pPr lvl="0"/>
+            <a:r>
+              <a:rPr lang="en-GB"/>
+              <a:t>Page Title</a:t>
+            </a:r>
+          </a:p>
+        </p:txBody>
+      </p:sp>
+      <p:sp>
+        <p:nvSpPr>
+          <p:cNvPr id="14" name="Text Placeholder 11">
+            <a:extLst>
+              <a:ext uri="{FF2B5EF4-FFF2-40B4-BE49-F238E27FC236}">
+                <a16:creationId xmlns:a16="http://schemas.microsoft.com/office/drawing/2014/main" id="{FC530D6A-EBB8-CD26-B104-C0F70BBC946E}"/>
+              </a:ext>
+            </a:extLst>
+          </p:cNvPr>
+          <p:cNvSpPr>
+            <a:spLocks noGrp="1"/>
+          </p:cNvSpPr>
+          <p:nvPr>
+            <p:ph type="body" sz="quarter" idx="22" hasCustomPrompt="1"/>
+          </p:nvPr>
+        </p:nvSpPr>
+        <p:spPr>
+          <a:xfrm>
+            <a:off x="413915" y="912168"/>
+            <a:ext cx="10797426" cy="289311"/>
+          </a:xfrm>
+          <a:prstGeom prst="rect">
+            <a:avLst/>
+          </a:prstGeom>
+        </p:spPr>
+        <p:txBody>
+          <a:bodyPr>
+            <a:noAutofit/>
+          </a:bodyPr>
+          <a:lstStyle>
+            <a:lvl1pPr marL="0" indent="0">
+              <a:lnSpc>
+                <a:spcPct val="110000"/>
+              </a:lnSpc>
+              <a:buFont typeface="Arial" panose="020B0604020202020204" pitchFamily="34" charset="0"/>
+              <a:buNone/>
+              <a:defRPr sz="2000" b="0" i="0">
+                <a:ln>
+                  <a:noFill/>
+                </a:ln>
+                <a:solidFill>
+                  <a:srgbClr val="060645"/>
+                </a:solidFill>
+                <a:latin typeface="Poppins" panose="00000500000000000000" pitchFamily="2" charset="0"/>
+                <a:cs typeface="Poppins" panose="00000500000000000000" pitchFamily="2" charset="0"/>
+              </a:defRPr>
+            </a:lvl1pPr>
+            <a:lvl2pPr>
+              <a:defRPr>
+                <a:ln>
+                  <a:noFill/>
+                </a:ln>
+                <a:solidFill>
+                  <a:schemeClr val="bg1"/>
+                </a:solidFill>
+              </a:defRPr>
+            </a:lvl2pPr>
+            <a:lvl3pPr>
+              <a:defRPr>
+                <a:ln>
+                  <a:noFill/>
+                </a:ln>
+                <a:solidFill>
+                  <a:schemeClr val="bg1"/>
+                </a:solidFill>
+              </a:defRPr>
+            </a:lvl3pPr>
+            <a:lvl4pPr>
+              <a:defRPr>
+                <a:ln>
+                  <a:noFill/>
+                </a:ln>
+                <a:solidFill>
+                  <a:schemeClr val="bg1"/>
+                </a:solidFill>
+              </a:defRPr>
+            </a:lvl4pPr>
+            <a:lvl5pPr>
+              <a:defRPr>
+                <a:ln>
+                  <a:noFill/>
+                </a:ln>
+                <a:solidFill>
+                  <a:schemeClr val="bg1"/>
+                </a:solidFill>
+              </a:defRPr>
+            </a:lvl5pPr>
+          </a:lstStyle>
+          <a:p>
+            <a:pPr lvl="0"/>
+            <a:r>
+              <a:rPr lang="en-GB"/>
+              <a:t>Sub header</a:t>
+            </a:r>
+          </a:p>
+        </p:txBody>
+      </p:sp>
+      <p:sp>
+        <p:nvSpPr>
+          <p:cNvPr id="2" name="Content Placeholder 3">
+            <a:extLst>
+              <a:ext uri="{FF2B5EF4-FFF2-40B4-BE49-F238E27FC236}">
+                <a16:creationId xmlns:a16="http://schemas.microsoft.com/office/drawing/2014/main" id="{3E24F392-DCB7-9BFE-802F-2C3A475EA0F3}"/>
+              </a:ext>
+            </a:extLst>
+          </p:cNvPr>
+          <p:cNvSpPr>
+            <a:spLocks noGrp="1"/>
+          </p:cNvSpPr>
+          <p:nvPr>
+            <p:ph sz="half" idx="2"/>
+          </p:nvPr>
+        </p:nvSpPr>
+        <p:spPr>
+          <a:xfrm>
+            <a:off x="1001105" y="2642305"/>
+            <a:ext cx="4922617" cy="3072695"/>
+          </a:xfrm>
+          <a:prstGeom prst="rect">
+            <a:avLst/>
+          </a:prstGeom>
+        </p:spPr>
+        <p:txBody>
+          <a:bodyPr>
+            <a:noAutofit/>
+          </a:bodyPr>
+          <a:lstStyle>
+            <a:lvl1pPr marL="228600" indent="-228600">
+              <a:lnSpc>
+                <a:spcPct val="110000"/>
+              </a:lnSpc>
+              <a:spcBef>
+                <a:spcPts val="0"/>
+              </a:spcBef>
+              <a:spcAft>
+                <a:spcPts val="600"/>
+              </a:spcAft>
+              <a:buFontTx/>
+              <a:buBlip>
+                <a:blip r:embed="rId3"/>
+              </a:buBlip>
+              <a:defRPr sz="1500">
+                <a:solidFill>
+                  <a:srgbClr val="060645"/>
+                </a:solidFill>
+                <a:latin typeface="Poppins" panose="00000500000000000000" pitchFamily="2" charset="0"/>
+                <a:cs typeface="Poppins" panose="00000500000000000000" pitchFamily="2" charset="0"/>
+              </a:defRPr>
+            </a:lvl1pPr>
+            <a:lvl2pPr>
+              <a:lnSpc>
+                <a:spcPct val="110000"/>
+              </a:lnSpc>
+              <a:spcBef>
+                <a:spcPts val="0"/>
+              </a:spcBef>
+              <a:spcAft>
+                <a:spcPts val="600"/>
+              </a:spcAft>
+              <a:defRPr sz="1500">
+                <a:solidFill>
+                  <a:srgbClr val="060645"/>
+                </a:solidFill>
+                <a:latin typeface="Poppins" panose="00000500000000000000" pitchFamily="2" charset="0"/>
+                <a:cs typeface="Poppins" panose="00000500000000000000" pitchFamily="2" charset="0"/>
+              </a:defRPr>
+            </a:lvl2pPr>
+            <a:lvl3pPr>
+              <a:lnSpc>
+                <a:spcPct val="110000"/>
+              </a:lnSpc>
+              <a:spcBef>
+                <a:spcPts val="0"/>
+              </a:spcBef>
+              <a:spcAft>
+                <a:spcPts val="600"/>
+              </a:spcAft>
+              <a:defRPr sz="1500">
+                <a:solidFill>
+                  <a:srgbClr val="060645"/>
+                </a:solidFill>
+                <a:latin typeface="Poppins" panose="00000500000000000000" pitchFamily="2" charset="0"/>
+                <a:cs typeface="Poppins" panose="00000500000000000000" pitchFamily="2" charset="0"/>
+              </a:defRPr>
+            </a:lvl3pPr>
+            <a:lvl4pPr>
+              <a:lnSpc>
+                <a:spcPct val="110000"/>
+              </a:lnSpc>
+              <a:spcBef>
+                <a:spcPts val="0"/>
+              </a:spcBef>
+              <a:spcAft>
+                <a:spcPts val="600"/>
+              </a:spcAft>
+              <a:defRPr sz="1500">
+                <a:solidFill>
+                  <a:srgbClr val="060645"/>
+                </a:solidFill>
+                <a:latin typeface="Poppins" panose="00000500000000000000" pitchFamily="2" charset="0"/>
+                <a:cs typeface="Poppins" panose="00000500000000000000" pitchFamily="2" charset="0"/>
+              </a:defRPr>
+            </a:lvl4pPr>
+            <a:lvl5pPr>
+              <a:lnSpc>
+                <a:spcPct val="110000"/>
+              </a:lnSpc>
+              <a:spcBef>
+                <a:spcPts val="0"/>
+              </a:spcBef>
+              <a:spcAft>
+                <a:spcPts val="600"/>
+              </a:spcAft>
+              <a:defRPr sz="1500">
+                <a:solidFill>
+                  <a:srgbClr val="060645"/>
+                </a:solidFill>
+                <a:latin typeface="Poppins" panose="00000500000000000000" pitchFamily="2" charset="0"/>
+                <a:cs typeface="Poppins" panose="00000500000000000000" pitchFamily="2" charset="0"/>
+              </a:defRPr>
+            </a:lvl5pPr>
+          </a:lstStyle>
+          <a:p>
+            <a:pPr lvl="0"/>
+            <a:r>
+              <a:rPr lang="en-GB"/>
+              <a:t>Click to edit Master text styles</a:t>
+            </a:r>
+          </a:p>
+          <a:p>
+            <a:pPr lvl="1"/>
+            <a:r>
+              <a:rPr lang="en-GB"/>
+              <a:t>Second level</a:t>
+            </a:r>
+          </a:p>
+          <a:p>
+            <a:pPr lvl="2"/>
+            <a:r>
+              <a:rPr lang="en-GB"/>
+              <a:t>Third level</a:t>
+            </a:r>
+          </a:p>
+          <a:p>
+            <a:pPr lvl="3"/>
+            <a:r>
+              <a:rPr lang="en-GB"/>
+              <a:t>Fourth level</a:t>
+            </a:r>
+          </a:p>
+          <a:p>
+            <a:pPr lvl="4"/>
+            <a:r>
+              <a:rPr lang="en-GB"/>
+              <a:t>Fifth level</a:t>
+            </a:r>
+            <a:endParaRPr lang="en-US"/>
+          </a:p>
+        </p:txBody>
+      </p:sp>
+      <p:sp>
+        <p:nvSpPr>
+          <p:cNvPr id="3" name="Content Placeholder 3">
+            <a:extLst>
+              <a:ext uri="{FF2B5EF4-FFF2-40B4-BE49-F238E27FC236}">
+                <a16:creationId xmlns:a16="http://schemas.microsoft.com/office/drawing/2014/main" id="{C48C1F3A-E328-D7D8-0A81-F997F4F944DC}"/>
+              </a:ext>
+            </a:extLst>
+          </p:cNvPr>
+          <p:cNvSpPr>
+            <a:spLocks noGrp="1"/>
+          </p:cNvSpPr>
+          <p:nvPr>
+            <p:ph sz="half" idx="18"/>
+          </p:nvPr>
+        </p:nvSpPr>
+        <p:spPr>
+          <a:xfrm>
+            <a:off x="6288724" y="2642305"/>
+            <a:ext cx="4922617" cy="3072695"/>
+          </a:xfrm>
+          <a:prstGeom prst="rect">
+            <a:avLst/>
+          </a:prstGeom>
+        </p:spPr>
+        <p:txBody>
+          <a:bodyPr>
+            <a:noAutofit/>
+          </a:bodyPr>
+          <a:lstStyle>
+            <a:lvl1pPr marL="228600" indent="-228600">
+              <a:lnSpc>
+                <a:spcPct val="110000"/>
+              </a:lnSpc>
+              <a:spcBef>
+                <a:spcPts val="0"/>
+              </a:spcBef>
+              <a:spcAft>
+                <a:spcPts val="600"/>
+              </a:spcAft>
+              <a:buFontTx/>
+              <a:buBlip>
+                <a:blip r:embed="rId3"/>
+              </a:buBlip>
+              <a:defRPr sz="1500">
+                <a:solidFill>
+                  <a:srgbClr val="060645"/>
+                </a:solidFill>
+                <a:latin typeface="Poppins" panose="00000500000000000000" pitchFamily="2" charset="0"/>
+                <a:cs typeface="Poppins" panose="00000500000000000000" pitchFamily="2" charset="0"/>
+              </a:defRPr>
+            </a:lvl1pPr>
+            <a:lvl2pPr>
+              <a:lnSpc>
+                <a:spcPct val="110000"/>
+              </a:lnSpc>
+              <a:spcBef>
+                <a:spcPts val="0"/>
+              </a:spcBef>
+              <a:spcAft>
+                <a:spcPts val="600"/>
+              </a:spcAft>
+              <a:defRPr sz="1500">
+                <a:solidFill>
+                  <a:srgbClr val="060645"/>
+                </a:solidFill>
+                <a:latin typeface="Poppins" panose="00000500000000000000" pitchFamily="2" charset="0"/>
+                <a:cs typeface="Poppins" panose="00000500000000000000" pitchFamily="2" charset="0"/>
+              </a:defRPr>
+            </a:lvl2pPr>
+            <a:lvl3pPr>
+              <a:lnSpc>
+                <a:spcPct val="110000"/>
+              </a:lnSpc>
+              <a:spcBef>
+                <a:spcPts val="0"/>
+              </a:spcBef>
+              <a:spcAft>
+                <a:spcPts val="600"/>
+              </a:spcAft>
+              <a:defRPr sz="1500">
+                <a:solidFill>
+                  <a:srgbClr val="060645"/>
+                </a:solidFill>
+                <a:latin typeface="Poppins" panose="00000500000000000000" pitchFamily="2" charset="0"/>
+                <a:cs typeface="Poppins" panose="00000500000000000000" pitchFamily="2" charset="0"/>
+              </a:defRPr>
+            </a:lvl3pPr>
+            <a:lvl4pPr>
+              <a:lnSpc>
+                <a:spcPct val="110000"/>
+              </a:lnSpc>
+              <a:spcBef>
+                <a:spcPts val="0"/>
+              </a:spcBef>
+              <a:spcAft>
+                <a:spcPts val="600"/>
+              </a:spcAft>
+              <a:defRPr sz="1500">
+                <a:solidFill>
+                  <a:srgbClr val="060645"/>
+                </a:solidFill>
+                <a:latin typeface="Poppins" panose="00000500000000000000" pitchFamily="2" charset="0"/>
+                <a:cs typeface="Poppins" panose="00000500000000000000" pitchFamily="2" charset="0"/>
+              </a:defRPr>
+            </a:lvl4pPr>
+            <a:lvl5pPr>
+              <a:lnSpc>
+                <a:spcPct val="110000"/>
+              </a:lnSpc>
+              <a:spcBef>
+                <a:spcPts val="0"/>
+              </a:spcBef>
+              <a:spcAft>
+                <a:spcPts val="600"/>
+              </a:spcAft>
+              <a:defRPr sz="1500">
+                <a:solidFill>
+                  <a:srgbClr val="060645"/>
+                </a:solidFill>
+                <a:latin typeface="Poppins" panose="00000500000000000000" pitchFamily="2" charset="0"/>
+                <a:cs typeface="Poppins" panose="00000500000000000000" pitchFamily="2" charset="0"/>
+              </a:defRPr>
+            </a:lvl5pPr>
+          </a:lstStyle>
+          <a:p>
+            <a:pPr lvl="0"/>
+            <a:r>
+              <a:rPr lang="en-GB"/>
+              <a:t>Click to edit Master text styles</a:t>
+            </a:r>
+          </a:p>
+          <a:p>
+            <a:pPr lvl="1"/>
+            <a:r>
+              <a:rPr lang="en-GB"/>
+              <a:t>Second level</a:t>
+            </a:r>
+          </a:p>
+          <a:p>
+            <a:pPr lvl="2"/>
+            <a:r>
+              <a:rPr lang="en-GB"/>
+              <a:t>Third level</a:t>
+            </a:r>
+          </a:p>
+          <a:p>
+            <a:pPr lvl="3"/>
+            <a:r>
+              <a:rPr lang="en-GB"/>
+              <a:t>Fourth level</a:t>
+            </a:r>
+          </a:p>
+          <a:p>
+            <a:pPr lvl="4"/>
+            <a:r>
+              <a:rPr lang="en-GB"/>
+              <a:t>Fifth level</a:t>
+            </a:r>
+            <a:endParaRPr lang="en-US"/>
+          </a:p>
+        </p:txBody>
+      </p:sp>
+      <p:pic>
+        <p:nvPicPr>
+          <p:cNvPr id="5" name="Picture 4">
+            <a:extLst>
+              <a:ext uri="{FF2B5EF4-FFF2-40B4-BE49-F238E27FC236}">
+                <a16:creationId xmlns:a16="http://schemas.microsoft.com/office/drawing/2014/main" id="{B15771C0-93BA-5ADF-64A4-2A43F86D54F2}"/>
+              </a:ext>
+              <a:ext uri="{C183D7F6-B498-43B3-948B-1728B52AA6E4}">
+                <adec:decorative xmlns:adec="http://schemas.microsoft.com/office/drawing/2017/decorative" val="1"/>
+              </a:ext>
+            </a:extLst>
+          </p:cNvPr>
+          <p:cNvPicPr>
+            <a:picLocks noChangeAspect="1"/>
+          </p:cNvPicPr>
+          <p:nvPr userDrawn="1"/>
+        </p:nvPicPr>
+        <p:blipFill>
+          <a:blip r:embed="rId4">
+            <a:extLst>
+              <a:ext uri="{28A0092B-C50C-407E-A947-70E740481C1C}">
+                <a14:useLocalDpi xmlns:a14="http://schemas.microsoft.com/office/drawing/2010/main"/>
+              </a:ext>
+            </a:extLst>
+          </a:blip>
+          <a:stretch>
+            <a:fillRect/>
+          </a:stretch>
+        </p:blipFill>
+        <p:spPr>
+          <a:xfrm>
+            <a:off x="11180618" y="5846618"/>
+            <a:ext cx="1011382" cy="1011382"/>
+          </a:xfrm>
+          <a:prstGeom prst="rect">
+            <a:avLst/>
+          </a:prstGeom>
+        </p:spPr>
+      </p:pic>
+      <p:sp>
+        <p:nvSpPr>
+          <p:cNvPr id="6" name="TextBox 5">
+            <a:extLst>
+              <a:ext uri="{FF2B5EF4-FFF2-40B4-BE49-F238E27FC236}">
+                <a16:creationId xmlns:a16="http://schemas.microsoft.com/office/drawing/2014/main" id="{7EBDBA90-2059-F1EB-DC4D-1F490EC5C85F}"/>
+              </a:ext>
+            </a:extLst>
+          </p:cNvPr>
+          <p:cNvSpPr txBox="1"/>
+          <p:nvPr userDrawn="1"/>
+        </p:nvSpPr>
+        <p:spPr>
+          <a:xfrm>
+            <a:off x="11515725" y="6493625"/>
+            <a:ext cx="632251" cy="323165"/>
+          </a:xfrm>
+          <a:prstGeom prst="rect">
+            <a:avLst/>
+          </a:prstGeom>
+          <a:noFill/>
+        </p:spPr>
+        <p:txBody>
+          <a:bodyPr wrap="square" rtlCol="0">
+            <a:spAutoFit/>
+          </a:bodyPr>
+          <a:lstStyle/>
+          <a:p>
+            <a:pPr algn="r"/>
+            <a:fld id="{323858C3-E774-4B3F-8AA9-3979BAFA574F}" type="slidenum">
+              <a:rPr lang="en-GB" sz="1500" smtClean="0">
+                <a:solidFill>
+                  <a:schemeClr val="bg1"/>
+                </a:solidFill>
+                <a:latin typeface="Poppins" panose="00000500000000000000" pitchFamily="2" charset="0"/>
+                <a:cs typeface="Poppins" panose="00000500000000000000" pitchFamily="2" charset="0"/>
+              </a:rPr>
+              <a:t>‹#›</a:t>
+            </a:fld>
+            <a:endParaRPr lang="en-GB" sz="1500">
+              <a:solidFill>
+                <a:schemeClr val="bg1"/>
+              </a:solidFill>
+              <a:latin typeface="Poppins" panose="00000500000000000000" pitchFamily="2" charset="0"/>
+              <a:cs typeface="Poppins" panose="00000500000000000000" pitchFamily="2" charset="0"/>
+            </a:endParaRPr>
+          </a:p>
+        </p:txBody>
+      </p:sp>
+      <p:pic>
+        <p:nvPicPr>
+          <p:cNvPr id="4" name="Picture 3" descr="The Open University Logo">
+            <a:extLst>
+              <a:ext uri="{FF2B5EF4-FFF2-40B4-BE49-F238E27FC236}">
+                <a16:creationId xmlns:a16="http://schemas.microsoft.com/office/drawing/2014/main" id="{DBE218AA-1FFB-BE5D-8642-2B04DCCE99A0}"/>
+              </a:ext>
+              <a:ext uri="{C183D7F6-B498-43B3-948B-1728B52AA6E4}">
+                <adec:decorative xmlns:adec="http://schemas.microsoft.com/office/drawing/2017/decorative" val="0"/>
+              </a:ext>
+            </a:extLst>
+          </p:cNvPr>
+          <p:cNvPicPr>
+            <a:picLocks noChangeAspect="1"/>
+          </p:cNvPicPr>
+          <p:nvPr userDrawn="1"/>
+        </p:nvPicPr>
+        <p:blipFill>
+          <a:blip r:embed="rId5" cstate="screen">
+            <a:extLst>
+              <a:ext uri="{28A0092B-C50C-407E-A947-70E740481C1C}">
+                <a14:useLocalDpi xmlns:a14="http://schemas.microsoft.com/office/drawing/2010/main"/>
+              </a:ext>
+            </a:extLst>
+          </a:blip>
+          <a:srcRect/>
+          <a:stretch/>
+        </p:blipFill>
+        <p:spPr>
+          <a:xfrm>
+            <a:off x="469676" y="5829301"/>
+            <a:ext cx="1709990" cy="584196"/>
+          </a:xfrm>
+          <a:prstGeom prst="rect">
+            <a:avLst/>
+          </a:prstGeom>
+        </p:spPr>
+      </p:pic>
+    </p:spTree>
+    <p:extLst>
+      <p:ext uri="{BB962C8B-B14F-4D97-AF65-F5344CB8AC3E}">
+        <p14:creationId xmlns:p14="http://schemas.microsoft.com/office/powerpoint/2010/main" val="219773752"/>
+      </p:ext>
+    </p:extLst>
+  </p:cSld>
+  <p:clrMapOvr>
+    <a:masterClrMapping/>
+  </p:clrMapOvr>
+</p:sldLayout>
+</file>
+
+<file path=ppt/slideLayouts/slideLayout31.xml><?xml version="1.0" encoding="utf-8"?>
+<p:sldLayout xmlns:a="http://schemas.openxmlformats.org/drawingml/2006/main" xmlns:r="http://schemas.openxmlformats.org/officeDocument/2006/relationships" xmlns:p="http://schemas.openxmlformats.org/presentationml/2006/main" preserve="1" userDrawn="1">
   <p:cSld name="Text &amp; Media - Yellow">
     <p:bg>
       <p:bgPr>
@@ -22907,7 +23941,72 @@
 </p:sldLayout>
 </file>
 
-<file path=ppt/slideLayouts/slideLayout31.xml><?xml version="1.0" encoding="utf-8"?>
+<file path=ppt/slideLayouts/slideLayout32.xml><?xml version="1.0" encoding="utf-8"?>
+<p:sldLayout xmlns:a="http://schemas.openxmlformats.org/drawingml/2006/main" xmlns:r="http://schemas.openxmlformats.org/officeDocument/2006/relationships" xmlns:p="http://schemas.openxmlformats.org/presentationml/2006/main" userDrawn="1">
+  <p:cSld name="End Slide 2">
+    <p:spTree>
+      <p:nvGrpSpPr>
+        <p:cNvPr id="1" name=""/>
+        <p:cNvGrpSpPr/>
+        <p:nvPr/>
+      </p:nvGrpSpPr>
+      <p:grpSpPr>
+        <a:xfrm>
+          <a:off x="0" y="0"/>
+          <a:ext cx="0" cy="0"/>
+          <a:chOff x="0" y="0"/>
+          <a:chExt cx="0" cy="0"/>
+        </a:xfrm>
+      </p:grpSpPr>
+      <p:pic>
+        <p:nvPicPr>
+          <p:cNvPr id="4" name="Picture 3" descr="The Open University Logo">
+            <a:extLst>
+              <a:ext uri="{FF2B5EF4-FFF2-40B4-BE49-F238E27FC236}">
+                <a16:creationId xmlns:a16="http://schemas.microsoft.com/office/drawing/2014/main" id="{EA88F0E0-0334-005F-5AE6-97F8EFADF09A}"/>
+              </a:ext>
+            </a:extLst>
+          </p:cNvPr>
+          <p:cNvPicPr>
+            <a:picLocks noChangeAspect="1"/>
+          </p:cNvPicPr>
+          <p:nvPr userDrawn="1"/>
+        </p:nvPicPr>
+        <p:blipFill>
+          <a:blip r:embed="rId2" cstate="screen">
+            <a:extLst>
+              <a:ext uri="{28A0092B-C50C-407E-A947-70E740481C1C}">
+                <a14:useLocalDpi xmlns:a14="http://schemas.microsoft.com/office/drawing/2010/main"/>
+              </a:ext>
+            </a:extLst>
+          </a:blip>
+          <a:srcRect/>
+          <a:stretch/>
+        </p:blipFill>
+        <p:spPr>
+          <a:xfrm>
+            <a:off x="3074299" y="2622093"/>
+            <a:ext cx="6043402" cy="2021693"/>
+          </a:xfrm>
+          <a:prstGeom prst="rect">
+            <a:avLst/>
+          </a:prstGeom>
+        </p:spPr>
+      </p:pic>
+    </p:spTree>
+    <p:extLst>
+      <p:ext uri="{BB962C8B-B14F-4D97-AF65-F5344CB8AC3E}">
+        <p14:creationId xmlns:p14="http://schemas.microsoft.com/office/powerpoint/2010/main" val="3522767898"/>
+      </p:ext>
+    </p:extLst>
+  </p:cSld>
+  <p:clrMapOvr>
+    <a:masterClrMapping/>
+  </p:clrMapOvr>
+</p:sldLayout>
+</file>
+
+<file path=ppt/slideLayouts/slideLayout33.xml><?xml version="1.0" encoding="utf-8"?>
 <p:sldLayout xmlns:a="http://schemas.openxmlformats.org/drawingml/2006/main" xmlns:r="http://schemas.openxmlformats.org/officeDocument/2006/relationships" xmlns:p="http://schemas.openxmlformats.org/presentationml/2006/main" preserve="1" userDrawn="1">
   <p:cSld name="End Slide 1">
     <p:spTree>
@@ -23050,7 +24149,7 @@
 </p:sldLayout>
 </file>
 
-<file path=ppt/slideLayouts/slideLayout32.xml><?xml version="1.0" encoding="utf-8"?>
+<file path=ppt/slideLayouts/slideLayout34.xml><?xml version="1.0" encoding="utf-8"?>
 <p:sldLayout xmlns:a="http://schemas.openxmlformats.org/drawingml/2006/main" xmlns:r="http://schemas.openxmlformats.org/officeDocument/2006/relationships" xmlns:p="http://schemas.openxmlformats.org/presentationml/2006/main" preserve="1" userDrawn="1">
   <p:cSld name="End Slide 2">
     <p:spTree>
@@ -27278,7 +28377,7 @@
             <a:fld id="{0AAA8F9F-42A8-344E-BFDB-6B187AAC9728}" type="datetimeFigureOut">
               <a:rPr lang="en-US" smtClean="0"/>
               <a:pPr/>
-              <a:t>7/12/23</a:t>
+              <a:t>7/13/23</a:t>
             </a:fld>
             <a:endParaRPr lang="en-US"/>
           </a:p>
@@ -28033,6 +29132,7 @@
     <p:sldLayoutId id="2147483868" r:id="rId3"/>
     <p:sldLayoutId id="2147483869" r:id="rId4"/>
     <p:sldLayoutId id="2147483923" r:id="rId5"/>
+    <p:sldLayoutId id="2147483936" r:id="rId6"/>
   </p:sldLayoutIdLst>
   <p:txStyles>
     <p:titleStyle>
@@ -28370,6 +29470,7 @@
     <p:sldLayoutId id="2147483851" r:id="rId17"/>
     <p:sldLayoutId id="2147483852" r:id="rId18"/>
     <p:sldLayoutId id="2147483853" r:id="rId19"/>
+    <p:sldLayoutId id="2147483937" r:id="rId20"/>
   </p:sldLayoutIdLst>
   <p:txStyles>
     <p:titleStyle>
@@ -28993,10 +30094,304 @@
       </p:grpSpPr>
       <p:sp>
         <p:nvSpPr>
-          <p:cNvPr id="6" name="Title 1">
+          <p:cNvPr id="2" name="Title 1">
             <a:extLst>
               <a:ext uri="{FF2B5EF4-FFF2-40B4-BE49-F238E27FC236}">
-                <a16:creationId xmlns:a16="http://schemas.microsoft.com/office/drawing/2014/main" id="{F9424F2A-3804-FA6B-BFD2-E30C1D3A4440}"/>
+                <a16:creationId xmlns:a16="http://schemas.microsoft.com/office/drawing/2014/main" id="{7522AC98-8F4A-A002-FEDA-2D0C617B145D}"/>
+              </a:ext>
+            </a:extLst>
+          </p:cNvPr>
+          <p:cNvSpPr>
+            <a:spLocks noGrp="1"/>
+          </p:cNvSpPr>
+          <p:nvPr>
+            <p:ph type="title" idx="4294967295"/>
+          </p:nvPr>
+        </p:nvSpPr>
+        <p:spPr>
+          <a:xfrm>
+            <a:off x="838200" y="365125"/>
+            <a:ext cx="10515600" cy="1325563"/>
+          </a:xfrm>
+          <a:prstGeom prst="rect">
+            <a:avLst/>
+          </a:prstGeom>
+        </p:spPr>
+        <p:txBody>
+          <a:bodyPr vert="horz" lIns="91440" tIns="45720" rIns="91440" bIns="45720" rtlCol="0" anchor="ctr">
+            <a:normAutofit/>
+          </a:bodyPr>
+          <a:lstStyle>
+            <a:lvl1pPr algn="l" defTabSz="914400" rtl="0" eaLnBrk="1" latinLnBrk="0" hangingPunct="1">
+              <a:lnSpc>
+                <a:spcPct val="90000"/>
+              </a:lnSpc>
+              <a:spcBef>
+                <a:spcPct val="0"/>
+              </a:spcBef>
+              <a:buNone/>
+              <a:defRPr sz="4400" kern="1200">
+                <a:solidFill>
+                  <a:schemeClr val="tx1"/>
+                </a:solidFill>
+                <a:latin typeface="Poppins" panose="00000500000000000000" pitchFamily="2" charset="0"/>
+                <a:ea typeface="+mj-ea"/>
+                <a:cs typeface="+mj-cs"/>
+              </a:defRPr>
+            </a:lvl1pPr>
+          </a:lstStyle>
+          <a:p>
+            <a:r>
+              <a:rPr lang="en-US"/>
+              <a:t>Click to edit Master title style</a:t>
+            </a:r>
+            <a:endParaRPr lang="en-GB" sz="2000"/>
+          </a:p>
+        </p:txBody>
+      </p:sp>
+      <p:sp>
+        <p:nvSpPr>
+          <p:cNvPr id="14" name="Text Placeholder 13">
+            <a:extLst>
+              <a:ext uri="{FF2B5EF4-FFF2-40B4-BE49-F238E27FC236}">
+                <a16:creationId xmlns:a16="http://schemas.microsoft.com/office/drawing/2014/main" id="{BCD67DD9-3DAA-313B-8305-6C266ED950EB}"/>
+              </a:ext>
+            </a:extLst>
+          </p:cNvPr>
+          <p:cNvSpPr>
+            <a:spLocks noGrp="1"/>
+          </p:cNvSpPr>
+          <p:nvPr>
+            <p:ph type="body" sz="quarter" idx="11"/>
+          </p:nvPr>
+        </p:nvSpPr>
+        <p:spPr/>
+        <p:txBody>
+          <a:bodyPr/>
+          <a:lstStyle/>
+          <a:p>
+            <a:r>
+              <a:rPr lang="en-GB" dirty="0" err="1"/>
+              <a:t>NoBIAS</a:t>
+            </a:r>
+            <a:r>
+              <a:rPr lang="en-GB" dirty="0"/>
+              <a:t> </a:t>
+            </a:r>
+          </a:p>
+          <a:p>
+            <a:r>
+              <a:rPr lang="en-GB" dirty="0"/>
+              <a:t>Data Challenge</a:t>
+            </a:r>
+          </a:p>
+        </p:txBody>
+      </p:sp>
+      <p:sp>
+        <p:nvSpPr>
+          <p:cNvPr id="15" name="Text Placeholder 14">
+            <a:extLst>
+              <a:ext uri="{FF2B5EF4-FFF2-40B4-BE49-F238E27FC236}">
+                <a16:creationId xmlns:a16="http://schemas.microsoft.com/office/drawing/2014/main" id="{E81A18EA-A9B5-381F-97C4-750E9537808C}"/>
+              </a:ext>
+            </a:extLst>
+          </p:cNvPr>
+          <p:cNvSpPr>
+            <a:spLocks noGrp="1"/>
+          </p:cNvSpPr>
+          <p:nvPr>
+            <p:ph type="body" sz="quarter" idx="12"/>
+          </p:nvPr>
+        </p:nvSpPr>
+        <p:spPr>
+          <a:xfrm>
+            <a:off x="408208" y="3248751"/>
+            <a:ext cx="5557584" cy="1305402"/>
+          </a:xfrm>
+        </p:spPr>
+        <p:txBody>
+          <a:bodyPr/>
+          <a:lstStyle/>
+          <a:p>
+            <a:r>
+              <a:rPr lang="en-GB" dirty="0"/>
+              <a:t>co-located at 3</a:t>
+            </a:r>
+            <a:r>
+              <a:rPr lang="en-GB" baseline="30000" dirty="0"/>
+              <a:t>rd</a:t>
+            </a:r>
+            <a:r>
+              <a:rPr lang="en-GB" dirty="0"/>
+              <a:t> </a:t>
+            </a:r>
+            <a:r>
+              <a:rPr lang="en-GB" dirty="0" err="1"/>
+              <a:t>NoBIAS</a:t>
+            </a:r>
+            <a:r>
+              <a:rPr lang="en-GB" dirty="0"/>
+              <a:t> Summer School</a:t>
+            </a:r>
+          </a:p>
+        </p:txBody>
+      </p:sp>
+      <p:sp>
+        <p:nvSpPr>
+          <p:cNvPr id="16" name="Text Placeholder 15">
+            <a:extLst>
+              <a:ext uri="{FF2B5EF4-FFF2-40B4-BE49-F238E27FC236}">
+                <a16:creationId xmlns:a16="http://schemas.microsoft.com/office/drawing/2014/main" id="{91E9862C-F9C6-300D-C161-CC5F2057C191}"/>
+              </a:ext>
+            </a:extLst>
+          </p:cNvPr>
+          <p:cNvSpPr>
+            <a:spLocks noGrp="1"/>
+          </p:cNvSpPr>
+          <p:nvPr>
+            <p:ph type="body" sz="quarter" idx="13"/>
+          </p:nvPr>
+        </p:nvSpPr>
+        <p:spPr>
+          <a:xfrm>
+            <a:off x="408208" y="4664313"/>
+            <a:ext cx="5557584" cy="347039"/>
+          </a:xfrm>
+        </p:spPr>
+        <p:txBody>
+          <a:bodyPr/>
+          <a:lstStyle/>
+          <a:p>
+            <a:r>
+              <a:rPr lang="en-GB" dirty="0"/>
+              <a:t>Paula Reyero, Miriam Fernandez</a:t>
+            </a:r>
+          </a:p>
+        </p:txBody>
+      </p:sp>
+      <p:sp>
+        <p:nvSpPr>
+          <p:cNvPr id="17" name="Text Placeholder 16">
+            <a:extLst>
+              <a:ext uri="{FF2B5EF4-FFF2-40B4-BE49-F238E27FC236}">
+                <a16:creationId xmlns:a16="http://schemas.microsoft.com/office/drawing/2014/main" id="{ACCCC83C-A3BB-829E-51E0-D71CBA10B1EE}"/>
+              </a:ext>
+            </a:extLst>
+          </p:cNvPr>
+          <p:cNvSpPr>
+            <a:spLocks noGrp="1"/>
+          </p:cNvSpPr>
+          <p:nvPr>
+            <p:ph type="body" sz="quarter" idx="14"/>
+          </p:nvPr>
+        </p:nvSpPr>
+        <p:spPr>
+          <a:xfrm>
+            <a:off x="408208" y="5016005"/>
+            <a:ext cx="5557584" cy="347039"/>
+          </a:xfrm>
+        </p:spPr>
+        <p:txBody>
+          <a:bodyPr/>
+          <a:lstStyle/>
+          <a:p>
+            <a:r>
+              <a:rPr lang="en-GB" dirty="0"/>
+              <a:t>Knowledge Media Institute</a:t>
+            </a:r>
+          </a:p>
+        </p:txBody>
+      </p:sp>
+      <p:sp>
+        <p:nvSpPr>
+          <p:cNvPr id="18" name="Text Placeholder 17">
+            <a:extLst>
+              <a:ext uri="{FF2B5EF4-FFF2-40B4-BE49-F238E27FC236}">
+                <a16:creationId xmlns:a16="http://schemas.microsoft.com/office/drawing/2014/main" id="{7C582E8A-5AC5-EBB0-D16B-4437F42A33D5}"/>
+              </a:ext>
+            </a:extLst>
+          </p:cNvPr>
+          <p:cNvSpPr>
+            <a:spLocks noGrp="1"/>
+          </p:cNvSpPr>
+          <p:nvPr>
+            <p:ph type="body" sz="quarter" idx="15"/>
+          </p:nvPr>
+        </p:nvSpPr>
+        <p:spPr>
+          <a:xfrm>
+            <a:off x="408208" y="5363044"/>
+            <a:ext cx="5557584" cy="347039"/>
+          </a:xfrm>
+        </p:spPr>
+        <p:txBody>
+          <a:bodyPr/>
+          <a:lstStyle/>
+          <a:p>
+            <a:r>
+              <a:rPr lang="en-GB" dirty="0"/>
+              <a:t>7 June 2023</a:t>
+            </a:r>
+          </a:p>
+        </p:txBody>
+      </p:sp>
+      <p:sp>
+        <p:nvSpPr>
+          <p:cNvPr id="13" name="Picture Placeholder 12">
+            <a:extLst>
+              <a:ext uri="{FF2B5EF4-FFF2-40B4-BE49-F238E27FC236}">
+                <a16:creationId xmlns:a16="http://schemas.microsoft.com/office/drawing/2014/main" id="{A5A133B0-2A07-449A-51A6-75454F5BDCAF}"/>
+              </a:ext>
+              <a:ext uri="{C183D7F6-B498-43B3-948B-1728B52AA6E4}">
+                <adec:decorative xmlns:adec="http://schemas.microsoft.com/office/drawing/2017/decorative" val="1"/>
+              </a:ext>
+            </a:extLst>
+          </p:cNvPr>
+          <p:cNvSpPr>
+            <a:spLocks noGrp="1"/>
+          </p:cNvSpPr>
+          <p:nvPr>
+            <p:ph type="pic" sz="quarter" idx="10"/>
+          </p:nvPr>
+        </p:nvSpPr>
+        <p:spPr/>
+      </p:sp>
+    </p:spTree>
+    <p:extLst>
+      <p:ext uri="{BB962C8B-B14F-4D97-AF65-F5344CB8AC3E}">
+        <p14:creationId xmlns:p14="http://schemas.microsoft.com/office/powerpoint/2010/main" val="3771289561"/>
+      </p:ext>
+    </p:extLst>
+  </p:cSld>
+  <p:clrMapOvr>
+    <a:masterClrMapping/>
+  </p:clrMapOvr>
+</p:sld>
+</file>
+
+<file path=ppt/slides/slide10.xml><?xml version="1.0" encoding="utf-8"?>
+<p:sld xmlns:a="http://schemas.openxmlformats.org/drawingml/2006/main" xmlns:r="http://schemas.openxmlformats.org/officeDocument/2006/relationships" xmlns:p="http://schemas.openxmlformats.org/presentationml/2006/main">
+  <p:cSld>
+    <p:spTree>
+      <p:nvGrpSpPr>
+        <p:cNvPr id="1" name=""/>
+        <p:cNvGrpSpPr/>
+        <p:nvPr/>
+      </p:nvGrpSpPr>
+      <p:grpSpPr>
+        <a:xfrm>
+          <a:off x="0" y="0"/>
+          <a:ext cx="0" cy="0"/>
+          <a:chOff x="0" y="0"/>
+          <a:chExt cx="0" cy="0"/>
+        </a:xfrm>
+      </p:grpSpPr>
+      <p:sp>
+        <p:nvSpPr>
+          <p:cNvPr id="3" name="Title 1">
+            <a:extLst>
+              <a:ext uri="{FF2B5EF4-FFF2-40B4-BE49-F238E27FC236}">
+                <a16:creationId xmlns:a16="http://schemas.microsoft.com/office/drawing/2014/main" id="{22FDAA22-4F66-BF70-E18E-FDF65E751451}"/>
               </a:ext>
             </a:extLst>
           </p:cNvPr>
@@ -29081,45 +30476,17 @@
                 <a:ea typeface="+mj-ea"/>
                 <a:cs typeface="Poppins SemiBold" panose="00000700000000000000" pitchFamily="50" charset="0"/>
               </a:rPr>
-              <a:t>Slide Title 2</a:t>
+              <a:t>Slide Title 13</a:t>
             </a:r>
           </a:p>
         </p:txBody>
       </p:sp>
       <p:sp>
         <p:nvSpPr>
-          <p:cNvPr id="8" name="Text Placeholder 7">
+          <p:cNvPr id="23" name="Text Placeholder 22">
             <a:extLst>
               <a:ext uri="{FF2B5EF4-FFF2-40B4-BE49-F238E27FC236}">
-                <a16:creationId xmlns:a16="http://schemas.microsoft.com/office/drawing/2014/main" id="{0D42120B-7A11-9FBB-9201-8087371FA618}"/>
-              </a:ext>
-            </a:extLst>
-          </p:cNvPr>
-          <p:cNvSpPr>
-            <a:spLocks noGrp="1"/>
-          </p:cNvSpPr>
-          <p:nvPr>
-            <p:ph type="body" sz="quarter" idx="11"/>
-          </p:nvPr>
-        </p:nvSpPr>
-        <p:spPr/>
-        <p:txBody>
-          <a:bodyPr/>
-          <a:lstStyle/>
-          <a:p>
-            <a:r>
-              <a:rPr lang="en-GB" dirty="0"/>
-              <a:t>Part 1</a:t>
-            </a:r>
-          </a:p>
-        </p:txBody>
-      </p:sp>
-      <p:sp>
-        <p:nvSpPr>
-          <p:cNvPr id="9" name="Text Placeholder 8">
-            <a:extLst>
-              <a:ext uri="{FF2B5EF4-FFF2-40B4-BE49-F238E27FC236}">
-                <a16:creationId xmlns:a16="http://schemas.microsoft.com/office/drawing/2014/main" id="{417D1F39-7B90-5489-AB65-600E4AF1377E}"/>
+                <a16:creationId xmlns:a16="http://schemas.microsoft.com/office/drawing/2014/main" id="{4DCF4599-94AE-841B-DC3D-B75B0111A0C5}"/>
               </a:ext>
             </a:extLst>
           </p:cNvPr>
@@ -29130,27 +30497,29 @@
             <p:ph type="body" sz="quarter" idx="12"/>
           </p:nvPr>
         </p:nvSpPr>
-        <p:spPr/>
+        <p:spPr>
+          <a:xfrm>
+            <a:off x="887895" y="1558879"/>
+            <a:ext cx="2313071" cy="1238427"/>
+          </a:xfrm>
+        </p:spPr>
         <p:txBody>
           <a:bodyPr/>
           <a:lstStyle/>
           <a:p>
             <a:r>
               <a:rPr lang="en-GB" dirty="0"/>
-              <a:t>Introduction to the data challenge</a:t>
+              <a:t>Drive</a:t>
             </a:r>
           </a:p>
         </p:txBody>
       </p:sp>
       <p:sp>
         <p:nvSpPr>
-          <p:cNvPr id="7" name="Picture Placeholder 6">
+          <p:cNvPr id="26" name="Text Placeholder 25">
             <a:extLst>
               <a:ext uri="{FF2B5EF4-FFF2-40B4-BE49-F238E27FC236}">
-                <a16:creationId xmlns:a16="http://schemas.microsoft.com/office/drawing/2014/main" id="{5771B116-A7D2-08C4-E243-B81918124F84}"/>
-              </a:ext>
-              <a:ext uri="{C183D7F6-B498-43B3-948B-1728B52AA6E4}">
-                <adec:decorative xmlns:adec="http://schemas.microsoft.com/office/drawing/2017/decorative" val="1"/>
+                <a16:creationId xmlns:a16="http://schemas.microsoft.com/office/drawing/2014/main" id="{83578277-CEE8-F157-4661-5938D288B374}"/>
               </a:ext>
             </a:extLst>
           </p:cNvPr>
@@ -29158,17 +30527,73 @@
             <a:spLocks noGrp="1"/>
           </p:cNvSpPr>
           <p:nvPr>
-            <p:ph type="pic" sz="quarter" idx="10"/>
+            <p:ph type="body" sz="quarter" idx="27"/>
           </p:nvPr>
         </p:nvSpPr>
-        <p:spPr/>
+        <p:spPr>
+          <a:xfrm>
+            <a:off x="3286746" y="1562444"/>
+            <a:ext cx="7739063" cy="1232513"/>
+          </a:xfrm>
+        </p:spPr>
+        <p:txBody>
+          <a:bodyPr/>
+          <a:lstStyle/>
+          <a:p>
+            <a:r>
+              <a:rPr lang="en-GB" dirty="0"/>
+              <a:t>Project:</a:t>
+            </a:r>
+          </a:p>
+          <a:p>
+            <a:pPr marL="285750" indent="-285750">
+              <a:buFont typeface="Wingdings" pitchFamily="2" charset="2"/>
+              <a:buChar char="q"/>
+            </a:pPr>
+            <a:r>
+              <a:rPr lang="en-GB" dirty="0"/>
+              <a:t>Google </a:t>
+            </a:r>
+            <a:r>
+              <a:rPr lang="en-GB" dirty="0" err="1"/>
+              <a:t>colab</a:t>
+            </a:r>
+            <a:r>
+              <a:rPr lang="en-GB" dirty="0"/>
+              <a:t> notebooks</a:t>
+            </a:r>
+          </a:p>
+          <a:p>
+            <a:pPr marL="285750" indent="-285750">
+              <a:buFont typeface="Wingdings" pitchFamily="2" charset="2"/>
+              <a:buChar char="q"/>
+            </a:pPr>
+            <a:r>
+              <a:rPr lang="en-GB" dirty="0">
+                <a:solidFill>
+                  <a:schemeClr val="bg1">
+                    <a:lumMod val="85000"/>
+                  </a:schemeClr>
+                </a:solidFill>
+              </a:rPr>
+              <a:t>Data</a:t>
+            </a:r>
+          </a:p>
+          <a:p>
+            <a:pPr marL="285750" indent="-285750">
+              <a:buFont typeface="Wingdings" pitchFamily="2" charset="2"/>
+              <a:buChar char="q"/>
+            </a:pPr>
+            <a:endParaRPr lang="en-GB" dirty="0"/>
+          </a:p>
+        </p:txBody>
       </p:sp>
       <p:sp>
         <p:nvSpPr>
-          <p:cNvPr id="10" name="Text Placeholder 9">
+          <p:cNvPr id="28" name="Text Placeholder 27">
             <a:extLst>
               <a:ext uri="{FF2B5EF4-FFF2-40B4-BE49-F238E27FC236}">
-                <a16:creationId xmlns:a16="http://schemas.microsoft.com/office/drawing/2014/main" id="{343FB805-1043-E0B7-4FE0-673C2D10A2E0}"/>
+                <a16:creationId xmlns:a16="http://schemas.microsoft.com/office/drawing/2014/main" id="{E95C9409-83BF-0393-751E-383790087EA5}"/>
               </a:ext>
             </a:extLst>
           </p:cNvPr>
@@ -29176,22 +30601,356 @@
             <a:spLocks noGrp="1"/>
           </p:cNvSpPr>
           <p:nvPr>
-            <p:ph type="body" sz="quarter" idx="13"/>
+            <p:ph type="body" sz="quarter" idx="29"/>
           </p:nvPr>
         </p:nvSpPr>
-        <p:spPr/>
+        <p:spPr>
+          <a:xfrm>
+            <a:off x="887895" y="3076871"/>
+            <a:ext cx="2313071" cy="987323"/>
+          </a:xfrm>
+        </p:spPr>
         <p:txBody>
           <a:bodyPr/>
           <a:lstStyle/>
           <a:p>
-            <a:endParaRPr lang="en-GB"/>
+            <a:r>
+              <a:rPr lang="en-GB" dirty="0"/>
+              <a:t>Teams</a:t>
+            </a:r>
           </a:p>
         </p:txBody>
       </p:sp>
+      <p:sp>
+        <p:nvSpPr>
+          <p:cNvPr id="27" name="Text Placeholder 26">
+            <a:extLst>
+              <a:ext uri="{FF2B5EF4-FFF2-40B4-BE49-F238E27FC236}">
+                <a16:creationId xmlns:a16="http://schemas.microsoft.com/office/drawing/2014/main" id="{C34FED13-7279-9ADF-AA31-56DE2E27B362}"/>
+              </a:ext>
+            </a:extLst>
+          </p:cNvPr>
+          <p:cNvSpPr>
+            <a:spLocks noGrp="1"/>
+          </p:cNvSpPr>
+          <p:nvPr>
+            <p:ph type="body" sz="quarter" idx="28"/>
+          </p:nvPr>
+        </p:nvSpPr>
+        <p:spPr>
+          <a:xfrm>
+            <a:off x="3286746" y="3080437"/>
+            <a:ext cx="7739063" cy="982607"/>
+          </a:xfrm>
+        </p:spPr>
+        <p:txBody>
+          <a:bodyPr/>
+          <a:lstStyle/>
+          <a:p>
+            <a:r>
+              <a:rPr lang="en-GB" dirty="0">
+                <a:solidFill>
+                  <a:schemeClr val="bg1">
+                    <a:lumMod val="85000"/>
+                  </a:schemeClr>
+                </a:solidFill>
+              </a:rPr>
+              <a:t>Submissions folder</a:t>
+            </a:r>
+          </a:p>
+          <a:p>
+            <a:r>
+              <a:rPr lang="en-GB" dirty="0">
+                <a:solidFill>
+                  <a:schemeClr val="bg1">
+                    <a:lumMod val="85000"/>
+                  </a:schemeClr>
+                </a:solidFill>
+              </a:rPr>
+              <a:t>Project folder (for Drive)</a:t>
+            </a:r>
+          </a:p>
+        </p:txBody>
+      </p:sp>
+      <p:sp>
+        <p:nvSpPr>
+          <p:cNvPr id="13" name="Text Placeholder 1">
+            <a:extLst>
+              <a:ext uri="{FF2B5EF4-FFF2-40B4-BE49-F238E27FC236}">
+                <a16:creationId xmlns:a16="http://schemas.microsoft.com/office/drawing/2014/main" id="{92709D1D-6052-1B40-9312-B266052C2DD0}"/>
+              </a:ext>
+            </a:extLst>
+          </p:cNvPr>
+          <p:cNvSpPr txBox="1">
+            <a:spLocks/>
+          </p:cNvSpPr>
+          <p:nvPr/>
+        </p:nvSpPr>
+        <p:spPr>
+          <a:xfrm>
+            <a:off x="412822" y="334672"/>
+            <a:ext cx="4800202" cy="1088571"/>
+          </a:xfrm>
+          <a:prstGeom prst="rect">
+            <a:avLst/>
+          </a:prstGeom>
+        </p:spPr>
+        <p:txBody>
+          <a:bodyPr/>
+          <a:lstStyle>
+            <a:lvl1pPr marL="228600" indent="-228600" algn="l" defTabSz="914400" rtl="0" eaLnBrk="1" latinLnBrk="0" hangingPunct="1">
+              <a:lnSpc>
+                <a:spcPct val="90000"/>
+              </a:lnSpc>
+              <a:spcBef>
+                <a:spcPts val="1000"/>
+              </a:spcBef>
+              <a:buFont typeface="Arial" panose="020B0604020202020204" pitchFamily="34" charset="0"/>
+              <a:buChar char="•"/>
+              <a:defRPr sz="2800" kern="1200">
+                <a:solidFill>
+                  <a:schemeClr val="tx1"/>
+                </a:solidFill>
+                <a:latin typeface="+mn-lt"/>
+                <a:ea typeface="+mn-ea"/>
+                <a:cs typeface="+mn-cs"/>
+              </a:defRPr>
+            </a:lvl1pPr>
+            <a:lvl2pPr marL="685800" indent="-228600" algn="l" defTabSz="914400" rtl="0" eaLnBrk="1" latinLnBrk="0" hangingPunct="1">
+              <a:lnSpc>
+                <a:spcPct val="90000"/>
+              </a:lnSpc>
+              <a:spcBef>
+                <a:spcPts val="500"/>
+              </a:spcBef>
+              <a:buFont typeface="Arial" panose="020B0604020202020204" pitchFamily="34" charset="0"/>
+              <a:buChar char="•"/>
+              <a:defRPr sz="2400" kern="1200">
+                <a:solidFill>
+                  <a:schemeClr val="tx1"/>
+                </a:solidFill>
+                <a:latin typeface="+mn-lt"/>
+                <a:ea typeface="+mn-ea"/>
+                <a:cs typeface="+mn-cs"/>
+              </a:defRPr>
+            </a:lvl2pPr>
+            <a:lvl3pPr marL="1143000" indent="-228600" algn="l" defTabSz="914400" rtl="0" eaLnBrk="1" latinLnBrk="0" hangingPunct="1">
+              <a:lnSpc>
+                <a:spcPct val="90000"/>
+              </a:lnSpc>
+              <a:spcBef>
+                <a:spcPts val="500"/>
+              </a:spcBef>
+              <a:buFont typeface="Arial" panose="020B0604020202020204" pitchFamily="34" charset="0"/>
+              <a:buChar char="•"/>
+              <a:defRPr sz="2000" kern="1200">
+                <a:solidFill>
+                  <a:schemeClr val="tx1"/>
+                </a:solidFill>
+                <a:latin typeface="+mn-lt"/>
+                <a:ea typeface="+mn-ea"/>
+                <a:cs typeface="+mn-cs"/>
+              </a:defRPr>
+            </a:lvl3pPr>
+            <a:lvl4pPr marL="1600200" indent="-228600" algn="l" defTabSz="914400" rtl="0" eaLnBrk="1" latinLnBrk="0" hangingPunct="1">
+              <a:lnSpc>
+                <a:spcPct val="90000"/>
+              </a:lnSpc>
+              <a:spcBef>
+                <a:spcPts val="500"/>
+              </a:spcBef>
+              <a:buFont typeface="Arial" panose="020B0604020202020204" pitchFamily="34" charset="0"/>
+              <a:buChar char="•"/>
+              <a:defRPr sz="1800" kern="1200">
+                <a:solidFill>
+                  <a:schemeClr val="tx1"/>
+                </a:solidFill>
+                <a:latin typeface="+mn-lt"/>
+                <a:ea typeface="+mn-ea"/>
+                <a:cs typeface="+mn-cs"/>
+              </a:defRPr>
+            </a:lvl4pPr>
+            <a:lvl5pPr marL="2057400" indent="-228600" algn="l" defTabSz="914400" rtl="0" eaLnBrk="1" latinLnBrk="0" hangingPunct="1">
+              <a:lnSpc>
+                <a:spcPct val="90000"/>
+              </a:lnSpc>
+              <a:spcBef>
+                <a:spcPts val="500"/>
+              </a:spcBef>
+              <a:buFont typeface="Arial" panose="020B0604020202020204" pitchFamily="34" charset="0"/>
+              <a:buChar char="•"/>
+              <a:defRPr sz="1800" kern="1200">
+                <a:solidFill>
+                  <a:schemeClr val="tx1"/>
+                </a:solidFill>
+                <a:latin typeface="+mn-lt"/>
+                <a:ea typeface="+mn-ea"/>
+                <a:cs typeface="+mn-cs"/>
+              </a:defRPr>
+            </a:lvl5pPr>
+            <a:lvl6pPr marL="2514600" indent="-228600" algn="l" defTabSz="914400" rtl="0" eaLnBrk="1" latinLnBrk="0" hangingPunct="1">
+              <a:lnSpc>
+                <a:spcPct val="90000"/>
+              </a:lnSpc>
+              <a:spcBef>
+                <a:spcPts val="500"/>
+              </a:spcBef>
+              <a:buFont typeface="Arial" panose="020B0604020202020204" pitchFamily="34" charset="0"/>
+              <a:buChar char="•"/>
+              <a:defRPr sz="1800" kern="1200">
+                <a:solidFill>
+                  <a:schemeClr val="tx1"/>
+                </a:solidFill>
+                <a:latin typeface="+mn-lt"/>
+                <a:ea typeface="+mn-ea"/>
+                <a:cs typeface="+mn-cs"/>
+              </a:defRPr>
+            </a:lvl6pPr>
+            <a:lvl7pPr marL="2971800" indent="-228600" algn="l" defTabSz="914400" rtl="0" eaLnBrk="1" latinLnBrk="0" hangingPunct="1">
+              <a:lnSpc>
+                <a:spcPct val="90000"/>
+              </a:lnSpc>
+              <a:spcBef>
+                <a:spcPts val="500"/>
+              </a:spcBef>
+              <a:buFont typeface="Arial" panose="020B0604020202020204" pitchFamily="34" charset="0"/>
+              <a:buChar char="•"/>
+              <a:defRPr sz="1800" kern="1200">
+                <a:solidFill>
+                  <a:schemeClr val="tx1"/>
+                </a:solidFill>
+                <a:latin typeface="+mn-lt"/>
+                <a:ea typeface="+mn-ea"/>
+                <a:cs typeface="+mn-cs"/>
+              </a:defRPr>
+            </a:lvl7pPr>
+            <a:lvl8pPr marL="3429000" indent="-228600" algn="l" defTabSz="914400" rtl="0" eaLnBrk="1" latinLnBrk="0" hangingPunct="1">
+              <a:lnSpc>
+                <a:spcPct val="90000"/>
+              </a:lnSpc>
+              <a:spcBef>
+                <a:spcPts val="500"/>
+              </a:spcBef>
+              <a:buFont typeface="Arial" panose="020B0604020202020204" pitchFamily="34" charset="0"/>
+              <a:buChar char="•"/>
+              <a:defRPr sz="1800" kern="1200">
+                <a:solidFill>
+                  <a:schemeClr val="tx1"/>
+                </a:solidFill>
+                <a:latin typeface="+mn-lt"/>
+                <a:ea typeface="+mn-ea"/>
+                <a:cs typeface="+mn-cs"/>
+              </a:defRPr>
+            </a:lvl8pPr>
+            <a:lvl9pPr marL="3886200" indent="-228600" algn="l" defTabSz="914400" rtl="0" eaLnBrk="1" latinLnBrk="0" hangingPunct="1">
+              <a:lnSpc>
+                <a:spcPct val="90000"/>
+              </a:lnSpc>
+              <a:spcBef>
+                <a:spcPts val="500"/>
+              </a:spcBef>
+              <a:buFont typeface="Arial" panose="020B0604020202020204" pitchFamily="34" charset="0"/>
+              <a:buChar char="•"/>
+              <a:defRPr sz="1800" kern="1200">
+                <a:solidFill>
+                  <a:schemeClr val="tx1"/>
+                </a:solidFill>
+                <a:latin typeface="+mn-lt"/>
+                <a:ea typeface="+mn-ea"/>
+                <a:cs typeface="+mn-cs"/>
+              </a:defRPr>
+            </a:lvl9pPr>
+          </a:lstStyle>
+          <a:p>
+            <a:pPr marL="0" indent="0">
+              <a:lnSpc>
+                <a:spcPct val="100000"/>
+              </a:lnSpc>
+              <a:buNone/>
+            </a:pPr>
+            <a:r>
+              <a:rPr lang="en-GB" sz="1800" dirty="0" err="1">
+                <a:latin typeface="Poppins" panose="00000500000000000000" pitchFamily="2" charset="0"/>
+              </a:rPr>
+              <a:t>NoBIAS</a:t>
+            </a:r>
+            <a:r>
+              <a:rPr lang="en-GB" sz="1800" dirty="0">
+                <a:latin typeface="Poppins" panose="00000500000000000000" pitchFamily="2" charset="0"/>
+              </a:rPr>
+              <a:t> Data Challenge</a:t>
+            </a:r>
+          </a:p>
+          <a:p>
+            <a:pPr marL="0" indent="0">
+              <a:lnSpc>
+                <a:spcPct val="100000"/>
+              </a:lnSpc>
+              <a:spcBef>
+                <a:spcPts val="600"/>
+              </a:spcBef>
+              <a:buNone/>
+            </a:pPr>
+            <a:r>
+              <a:rPr lang="en-GB" b="1" dirty="0">
+                <a:latin typeface="Poppins" panose="00000500000000000000" pitchFamily="2" charset="0"/>
+              </a:rPr>
+              <a:t>Materials</a:t>
+            </a:r>
+          </a:p>
+          <a:p>
+            <a:pPr marL="0" indent="0">
+              <a:lnSpc>
+                <a:spcPct val="100000"/>
+              </a:lnSpc>
+              <a:buFont typeface="Arial" panose="020B0604020202020204" pitchFamily="34" charset="0"/>
+              <a:buNone/>
+            </a:pPr>
+            <a:endParaRPr lang="en-GB" dirty="0">
+              <a:latin typeface="Poppins" panose="00000500000000000000" pitchFamily="2" charset="0"/>
+            </a:endParaRPr>
+          </a:p>
+        </p:txBody>
+      </p:sp>
+      <p:pic>
+        <p:nvPicPr>
+          <p:cNvPr id="6" name="Picture 5">
+            <a:extLst>
+              <a:ext uri="{FF2B5EF4-FFF2-40B4-BE49-F238E27FC236}">
+                <a16:creationId xmlns:a16="http://schemas.microsoft.com/office/drawing/2014/main" id="{D4AD2B66-B4D6-414D-9C88-F52D6655BC1C}"/>
+              </a:ext>
+            </a:extLst>
+          </p:cNvPr>
+          <p:cNvPicPr>
+            <a:picLocks noChangeAspect="1"/>
+          </p:cNvPicPr>
+          <p:nvPr/>
+        </p:nvPicPr>
+        <p:blipFill>
+          <a:blip r:embed="rId3">
+            <a:extLst>
+              <a:ext uri="{28A0092B-C50C-407E-A947-70E740481C1C}">
+                <a14:useLocalDpi xmlns:a14="http://schemas.microsoft.com/office/drawing/2010/main" val="0"/>
+              </a:ext>
+            </a:extLst>
+          </a:blip>
+          <a:srcRect/>
+          <a:stretch/>
+        </p:blipFill>
+        <p:spPr>
+          <a:xfrm>
+            <a:off x="3200966" y="4169904"/>
+            <a:ext cx="5319384" cy="2563249"/>
+          </a:xfrm>
+          <a:prstGeom prst="rect">
+            <a:avLst/>
+          </a:prstGeom>
+        </p:spPr>
+      </p:pic>
     </p:spTree>
     <p:extLst>
       <p:ext uri="{BB962C8B-B14F-4D97-AF65-F5344CB8AC3E}">
-        <p14:creationId xmlns:p14="http://schemas.microsoft.com/office/powerpoint/2010/main" val="467107691"/>
+        <p14:creationId xmlns:p14="http://schemas.microsoft.com/office/powerpoint/2010/main" val="2072306335"/>
       </p:ext>
     </p:extLst>
   </p:cSld>
@@ -29201,7 +30960,7 @@
 </p:sld>
 </file>
 
-<file path=ppt/slides/slide10.xml><?xml version="1.0" encoding="utf-8"?>
+<file path=ppt/slides/slide11.xml><?xml version="1.0" encoding="utf-8"?>
 <p:sld xmlns:a="http://schemas.openxmlformats.org/drawingml/2006/main" xmlns:r="http://schemas.openxmlformats.org/officeDocument/2006/relationships" xmlns:p="http://schemas.openxmlformats.org/presentationml/2006/main">
   <p:cSld>
     <p:spTree>
@@ -29713,10 +31472,16 @@
               <a:buNone/>
             </a:pPr>
             <a:r>
+              <a:rPr lang="en-GB" sz="1800" dirty="0" err="1">
+                <a:latin typeface="Poppins" panose="00000500000000000000" pitchFamily="2" charset="0"/>
+              </a:rPr>
+              <a:t>NoBIAS</a:t>
+            </a:r>
+            <a:r>
               <a:rPr lang="en-GB" sz="1800" dirty="0">
                 <a:latin typeface="Poppins" panose="00000500000000000000" pitchFamily="2" charset="0"/>
               </a:rPr>
-              <a:t>Data Challenge</a:t>
+              <a:t> Data Challenge</a:t>
             </a:r>
           </a:p>
           <a:p>
@@ -29785,58 +31550,6 @@
           </a:prstGeom>
         </p:spPr>
       </p:pic>
-      <p:sp>
-        <p:nvSpPr>
-          <p:cNvPr id="2" name="Rectangle 1">
-            <a:extLst>
-              <a:ext uri="{FF2B5EF4-FFF2-40B4-BE49-F238E27FC236}">
-                <a16:creationId xmlns:a16="http://schemas.microsoft.com/office/drawing/2014/main" id="{6A41EC01-9FE8-126D-3E75-034B918F4DF5}"/>
-              </a:ext>
-            </a:extLst>
-          </p:cNvPr>
-          <p:cNvSpPr/>
-          <p:nvPr/>
-        </p:nvSpPr>
-        <p:spPr>
-          <a:xfrm>
-            <a:off x="412821" y="5629834"/>
-            <a:ext cx="2094852" cy="951075"/>
-          </a:xfrm>
-          <a:prstGeom prst="rect">
-            <a:avLst/>
-          </a:prstGeom>
-          <a:solidFill>
-            <a:schemeClr val="bg1"/>
-          </a:solidFill>
-          <a:ln>
-            <a:noFill/>
-          </a:ln>
-        </p:spPr>
-        <p:style>
-          <a:lnRef idx="2">
-            <a:schemeClr val="accent1">
-              <a:shade val="15000"/>
-            </a:schemeClr>
-          </a:lnRef>
-          <a:fillRef idx="1">
-            <a:schemeClr val="accent1"/>
-          </a:fillRef>
-          <a:effectRef idx="0">
-            <a:schemeClr val="accent1"/>
-          </a:effectRef>
-          <a:fontRef idx="minor">
-            <a:schemeClr val="lt1"/>
-          </a:fontRef>
-        </p:style>
-        <p:txBody>
-          <a:bodyPr rtlCol="0" anchor="ctr"/>
-          <a:lstStyle/>
-          <a:p>
-            <a:pPr algn="ctr"/>
-            <a:endParaRPr lang="en-US"/>
-          </a:p>
-        </p:txBody>
-      </p:sp>
       <p:sp>
         <p:nvSpPr>
           <p:cNvPr id="4" name="Rectangle 3">
@@ -29902,7 +31615,7 @@
 </p:sld>
 </file>
 
-<file path=ppt/slides/slide11.xml><?xml version="1.0" encoding="utf-8"?>
+<file path=ppt/slides/slide12.xml><?xml version="1.0" encoding="utf-8"?>
 <p:sld xmlns:a="http://schemas.openxmlformats.org/drawingml/2006/main" xmlns:r="http://schemas.openxmlformats.org/officeDocument/2006/relationships" xmlns:p="http://schemas.openxmlformats.org/presentationml/2006/main">
   <p:cSld>
     <p:spTree>
@@ -30420,10 +32133,16 @@
               <a:buNone/>
             </a:pPr>
             <a:r>
+              <a:rPr lang="en-GB" sz="1800" dirty="0" err="1">
+                <a:latin typeface="Poppins" panose="00000500000000000000" pitchFamily="2" charset="0"/>
+              </a:rPr>
+              <a:t>NoBIAS</a:t>
+            </a:r>
+            <a:r>
               <a:rPr lang="en-GB" sz="1800" dirty="0">
                 <a:latin typeface="Poppins" panose="00000500000000000000" pitchFamily="2" charset="0"/>
               </a:rPr>
-              <a:t>Data Challenge</a:t>
+              <a:t> Data Challenge</a:t>
             </a:r>
           </a:p>
           <a:p>
@@ -30940,58 +32659,6 @@
           </a:p>
         </p:txBody>
       </p:sp>
-      <p:sp>
-        <p:nvSpPr>
-          <p:cNvPr id="5" name="Rectangle 4">
-            <a:extLst>
-              <a:ext uri="{FF2B5EF4-FFF2-40B4-BE49-F238E27FC236}">
-                <a16:creationId xmlns:a16="http://schemas.microsoft.com/office/drawing/2014/main" id="{542EF2AD-4D1D-E948-8806-7CDDBA67103B}"/>
-              </a:ext>
-            </a:extLst>
-          </p:cNvPr>
-          <p:cNvSpPr/>
-          <p:nvPr/>
-        </p:nvSpPr>
-        <p:spPr>
-          <a:xfrm>
-            <a:off x="412821" y="5629834"/>
-            <a:ext cx="2094852" cy="951075"/>
-          </a:xfrm>
-          <a:prstGeom prst="rect">
-            <a:avLst/>
-          </a:prstGeom>
-          <a:solidFill>
-            <a:schemeClr val="bg1"/>
-          </a:solidFill>
-          <a:ln>
-            <a:noFill/>
-          </a:ln>
-        </p:spPr>
-        <p:style>
-          <a:lnRef idx="2">
-            <a:schemeClr val="accent1">
-              <a:shade val="15000"/>
-            </a:schemeClr>
-          </a:lnRef>
-          <a:fillRef idx="1">
-            <a:schemeClr val="accent1"/>
-          </a:fillRef>
-          <a:effectRef idx="0">
-            <a:schemeClr val="accent1"/>
-          </a:effectRef>
-          <a:fontRef idx="minor">
-            <a:schemeClr val="lt1"/>
-          </a:fontRef>
-        </p:style>
-        <p:txBody>
-          <a:bodyPr rtlCol="0" anchor="ctr"/>
-          <a:lstStyle/>
-          <a:p>
-            <a:pPr algn="ctr"/>
-            <a:endParaRPr lang="en-US"/>
-          </a:p>
-        </p:txBody>
-      </p:sp>
     </p:spTree>
     <p:extLst>
       <p:ext uri="{BB962C8B-B14F-4D97-AF65-F5344CB8AC3E}">
@@ -31005,7 +32672,359 @@
 </p:sld>
 </file>
 
+<file path=ppt/slides/slide13.xml><?xml version="1.0" encoding="utf-8"?>
+<p:sld xmlns:a="http://schemas.openxmlformats.org/drawingml/2006/main" xmlns:r="http://schemas.openxmlformats.org/officeDocument/2006/relationships" xmlns:p="http://schemas.openxmlformats.org/presentationml/2006/main">
+  <p:cSld>
+    <p:spTree>
+      <p:nvGrpSpPr>
+        <p:cNvPr id="1" name=""/>
+        <p:cNvGrpSpPr/>
+        <p:nvPr/>
+      </p:nvGrpSpPr>
+      <p:grpSpPr>
+        <a:xfrm>
+          <a:off x="0" y="0"/>
+          <a:ext cx="0" cy="0"/>
+          <a:chOff x="0" y="0"/>
+          <a:chExt cx="0" cy="0"/>
+        </a:xfrm>
+      </p:grpSpPr>
+      <p:sp>
+        <p:nvSpPr>
+          <p:cNvPr id="2" name="Title 1">
+            <a:extLst>
+              <a:ext uri="{FF2B5EF4-FFF2-40B4-BE49-F238E27FC236}">
+                <a16:creationId xmlns:a16="http://schemas.microsoft.com/office/drawing/2014/main" id="{27B06E5B-D0A2-FD17-12DB-3E8FFA263BF3}"/>
+              </a:ext>
+            </a:extLst>
+          </p:cNvPr>
+          <p:cNvSpPr txBox="1">
+            <a:spLocks noGrp="1"/>
+          </p:cNvSpPr>
+          <p:nvPr>
+            <p:ph type="title" idx="4294967295"/>
+          </p:nvPr>
+        </p:nvSpPr>
+        <p:spPr>
+          <a:xfrm>
+            <a:off x="0" y="-425903"/>
+            <a:ext cx="10515600" cy="347039"/>
+          </a:xfrm>
+          <a:prstGeom prst="rect">
+            <a:avLst/>
+          </a:prstGeom>
+          <a:noFill/>
+          <a:ln>
+            <a:noFill/>
+            <a:prstDash/>
+          </a:ln>
+          <a:effectLst/>
+        </p:spPr>
+        <p:txBody>
+          <a:bodyPr rot="0" spcFirstLastPara="0" vertOverflow="overflow" horzOverflow="overflow" vert="horz" wrap="square" lIns="91440" tIns="45720" rIns="91440" bIns="45720" numCol="1" spcCol="0" rtlCol="0" fromWordArt="0" anchor="ctr" anchorCtr="0" forceAA="0" compatLnSpc="1">
+            <a:prstTxWarp prst="textNoShape">
+              <a:avLst/>
+            </a:prstTxWarp>
+            <a:normAutofit fontScale="90000"/>
+          </a:bodyPr>
+          <a:lstStyle>
+            <a:lvl1pPr algn="l" defTabSz="914400" rtl="0" eaLnBrk="1" latinLnBrk="0" hangingPunct="1">
+              <a:lnSpc>
+                <a:spcPct val="90000"/>
+              </a:lnSpc>
+              <a:spcBef>
+                <a:spcPct val="0"/>
+              </a:spcBef>
+              <a:buNone/>
+              <a:defRPr sz="4400" kern="1200">
+                <a:solidFill>
+                  <a:schemeClr val="tx1"/>
+                </a:solidFill>
+                <a:latin typeface="+mj-lt"/>
+                <a:ea typeface="+mj-ea"/>
+                <a:cs typeface="+mj-cs"/>
+              </a:defRPr>
+            </a:lvl1pPr>
+          </a:lstStyle>
+          <a:p>
+            <a:pPr marL="0" marR="0" lvl="0" indent="0" algn="l" defTabSz="914400" rtl="0" eaLnBrk="1" fontAlgn="auto" latinLnBrk="0" hangingPunct="1">
+              <a:lnSpc>
+                <a:spcPct val="90000"/>
+              </a:lnSpc>
+              <a:spcBef>
+                <a:spcPct val="0"/>
+              </a:spcBef>
+              <a:spcAft>
+                <a:spcPts val="0"/>
+              </a:spcAft>
+              <a:buClrTx/>
+              <a:buSzTx/>
+              <a:buFontTx/>
+              <a:buNone/>
+              <a:tabLst/>
+              <a:defRPr/>
+            </a:pPr>
+            <a:r>
+              <a:rPr kumimoji="0" lang="en-GB" sz="2000" b="1" i="0" u="none" strike="noStrike" kern="1200" cap="none" spc="0" normalizeH="0" baseline="0" noProof="0">
+                <a:ln>
+                  <a:noFill/>
+                </a:ln>
+                <a:solidFill>
+                  <a:schemeClr val="tx1"/>
+                </a:solidFill>
+                <a:effectLst/>
+                <a:uLnTx/>
+                <a:uFillTx/>
+                <a:latin typeface="Poppins SemiBold" panose="00000700000000000000" pitchFamily="50" charset="0"/>
+                <a:ea typeface="+mj-ea"/>
+                <a:cs typeface="Poppins SemiBold" panose="00000700000000000000" pitchFamily="50" charset="0"/>
+              </a:rPr>
+              <a:t>Slide Title 31</a:t>
+            </a:r>
+          </a:p>
+        </p:txBody>
+      </p:sp>
+    </p:spTree>
+    <p:extLst>
+      <p:ext uri="{BB962C8B-B14F-4D97-AF65-F5344CB8AC3E}">
+        <p14:creationId xmlns:p14="http://schemas.microsoft.com/office/powerpoint/2010/main" val="2073721226"/>
+      </p:ext>
+    </p:extLst>
+  </p:cSld>
+  <p:clrMapOvr>
+    <a:masterClrMapping/>
+  </p:clrMapOvr>
+</p:sld>
+</file>
+
 <file path=ppt/slides/slide2.xml><?xml version="1.0" encoding="utf-8"?>
+<p:sld xmlns:a="http://schemas.openxmlformats.org/drawingml/2006/main" xmlns:r="http://schemas.openxmlformats.org/officeDocument/2006/relationships" xmlns:p="http://schemas.openxmlformats.org/presentationml/2006/main">
+  <p:cSld>
+    <p:spTree>
+      <p:nvGrpSpPr>
+        <p:cNvPr id="1" name=""/>
+        <p:cNvGrpSpPr/>
+        <p:nvPr/>
+      </p:nvGrpSpPr>
+      <p:grpSpPr>
+        <a:xfrm>
+          <a:off x="0" y="0"/>
+          <a:ext cx="0" cy="0"/>
+          <a:chOff x="0" y="0"/>
+          <a:chExt cx="0" cy="0"/>
+        </a:xfrm>
+      </p:grpSpPr>
+      <p:sp>
+        <p:nvSpPr>
+          <p:cNvPr id="6" name="Title 1">
+            <a:extLst>
+              <a:ext uri="{FF2B5EF4-FFF2-40B4-BE49-F238E27FC236}">
+                <a16:creationId xmlns:a16="http://schemas.microsoft.com/office/drawing/2014/main" id="{F9424F2A-3804-FA6B-BFD2-E30C1D3A4440}"/>
+              </a:ext>
+            </a:extLst>
+          </p:cNvPr>
+          <p:cNvSpPr txBox="1">
+            <a:spLocks noGrp="1"/>
+          </p:cNvSpPr>
+          <p:nvPr>
+            <p:ph type="title" idx="4294967295"/>
+          </p:nvPr>
+        </p:nvSpPr>
+        <p:spPr>
+          <a:xfrm>
+            <a:off x="0" y="-425903"/>
+            <a:ext cx="10515600" cy="347039"/>
+          </a:xfrm>
+          <a:prstGeom prst="rect">
+            <a:avLst/>
+          </a:prstGeom>
+          <a:noFill/>
+          <a:ln>
+            <a:noFill/>
+            <a:prstDash/>
+          </a:ln>
+          <a:effectLst/>
+        </p:spPr>
+        <p:txBody>
+          <a:bodyPr rot="0" spcFirstLastPara="0" vertOverflow="overflow" horzOverflow="overflow" vert="horz" wrap="square" lIns="91440" tIns="45720" rIns="91440" bIns="45720" numCol="1" spcCol="0" rtlCol="0" fromWordArt="0" anchor="ctr" anchorCtr="0" forceAA="0" compatLnSpc="1">
+            <a:prstTxWarp prst="textNoShape">
+              <a:avLst/>
+            </a:prstTxWarp>
+            <a:normAutofit fontScale="90000"/>
+          </a:bodyPr>
+          <a:lstStyle>
+            <a:lvl1pPr algn="l" defTabSz="914400" rtl="0" eaLnBrk="1" latinLnBrk="0" hangingPunct="1">
+              <a:lnSpc>
+                <a:spcPct val="90000"/>
+              </a:lnSpc>
+              <a:spcBef>
+                <a:spcPct val="0"/>
+              </a:spcBef>
+              <a:buNone/>
+              <a:defRPr sz="4400" kern="1200">
+                <a:solidFill>
+                  <a:schemeClr val="tx1"/>
+                </a:solidFill>
+                <a:latin typeface="+mj-lt"/>
+                <a:ea typeface="+mj-ea"/>
+                <a:cs typeface="+mj-cs"/>
+              </a:defRPr>
+            </a:lvl1pPr>
+          </a:lstStyle>
+          <a:p>
+            <a:pPr marL="0" marR="0" lvl="0" indent="0" algn="l" defTabSz="914400" rtl="0" eaLnBrk="1" fontAlgn="auto" latinLnBrk="0" hangingPunct="1">
+              <a:lnSpc>
+                <a:spcPct val="90000"/>
+              </a:lnSpc>
+              <a:spcBef>
+                <a:spcPct val="0"/>
+              </a:spcBef>
+              <a:spcAft>
+                <a:spcPts val="0"/>
+              </a:spcAft>
+              <a:buClrTx/>
+              <a:buSzTx/>
+              <a:buFontTx/>
+              <a:buNone/>
+              <a:tabLst/>
+              <a:defRPr/>
+            </a:pPr>
+            <a:r>
+              <a:rPr kumimoji="0" lang="en-GB" sz="2000" b="1" i="0" u="none" strike="noStrike" kern="1200" cap="none" spc="0" normalizeH="0" baseline="0" noProof="0">
+                <a:ln>
+                  <a:noFill/>
+                </a:ln>
+                <a:solidFill>
+                  <a:schemeClr val="tx1"/>
+                </a:solidFill>
+                <a:effectLst/>
+                <a:uLnTx/>
+                <a:uFillTx/>
+                <a:latin typeface="Poppins SemiBold" panose="00000700000000000000" pitchFamily="50" charset="0"/>
+                <a:ea typeface="+mj-ea"/>
+                <a:cs typeface="Poppins SemiBold" panose="00000700000000000000" pitchFamily="50" charset="0"/>
+              </a:rPr>
+              <a:t>Slide Title 2</a:t>
+            </a:r>
+          </a:p>
+        </p:txBody>
+      </p:sp>
+      <p:sp>
+        <p:nvSpPr>
+          <p:cNvPr id="8" name="Text Placeholder 7">
+            <a:extLst>
+              <a:ext uri="{FF2B5EF4-FFF2-40B4-BE49-F238E27FC236}">
+                <a16:creationId xmlns:a16="http://schemas.microsoft.com/office/drawing/2014/main" id="{0D42120B-7A11-9FBB-9201-8087371FA618}"/>
+              </a:ext>
+            </a:extLst>
+          </p:cNvPr>
+          <p:cNvSpPr>
+            <a:spLocks noGrp="1"/>
+          </p:cNvSpPr>
+          <p:nvPr>
+            <p:ph type="body" sz="quarter" idx="11"/>
+          </p:nvPr>
+        </p:nvSpPr>
+        <p:spPr/>
+        <p:txBody>
+          <a:bodyPr/>
+          <a:lstStyle/>
+          <a:p>
+            <a:r>
+              <a:rPr lang="en-GB" dirty="0"/>
+              <a:t>Part 1</a:t>
+            </a:r>
+          </a:p>
+        </p:txBody>
+      </p:sp>
+      <p:sp>
+        <p:nvSpPr>
+          <p:cNvPr id="9" name="Text Placeholder 8">
+            <a:extLst>
+              <a:ext uri="{FF2B5EF4-FFF2-40B4-BE49-F238E27FC236}">
+                <a16:creationId xmlns:a16="http://schemas.microsoft.com/office/drawing/2014/main" id="{417D1F39-7B90-5489-AB65-600E4AF1377E}"/>
+              </a:ext>
+            </a:extLst>
+          </p:cNvPr>
+          <p:cNvSpPr>
+            <a:spLocks noGrp="1"/>
+          </p:cNvSpPr>
+          <p:nvPr>
+            <p:ph type="body" sz="quarter" idx="12"/>
+          </p:nvPr>
+        </p:nvSpPr>
+        <p:spPr/>
+        <p:txBody>
+          <a:bodyPr/>
+          <a:lstStyle/>
+          <a:p>
+            <a:r>
+              <a:rPr lang="en-GB" dirty="0"/>
+              <a:t>Introduction to the data challenge</a:t>
+            </a:r>
+          </a:p>
+        </p:txBody>
+      </p:sp>
+      <p:sp>
+        <p:nvSpPr>
+          <p:cNvPr id="7" name="Picture Placeholder 6">
+            <a:extLst>
+              <a:ext uri="{FF2B5EF4-FFF2-40B4-BE49-F238E27FC236}">
+                <a16:creationId xmlns:a16="http://schemas.microsoft.com/office/drawing/2014/main" id="{5771B116-A7D2-08C4-E243-B81918124F84}"/>
+              </a:ext>
+              <a:ext uri="{C183D7F6-B498-43B3-948B-1728B52AA6E4}">
+                <adec:decorative xmlns:adec="http://schemas.microsoft.com/office/drawing/2017/decorative" val="1"/>
+              </a:ext>
+            </a:extLst>
+          </p:cNvPr>
+          <p:cNvSpPr>
+            <a:spLocks noGrp="1"/>
+          </p:cNvSpPr>
+          <p:nvPr>
+            <p:ph type="pic" sz="quarter" idx="10"/>
+          </p:nvPr>
+        </p:nvSpPr>
+        <p:spPr/>
+      </p:sp>
+      <p:sp>
+        <p:nvSpPr>
+          <p:cNvPr id="10" name="Text Placeholder 9">
+            <a:extLst>
+              <a:ext uri="{FF2B5EF4-FFF2-40B4-BE49-F238E27FC236}">
+                <a16:creationId xmlns:a16="http://schemas.microsoft.com/office/drawing/2014/main" id="{343FB805-1043-E0B7-4FE0-673C2D10A2E0}"/>
+              </a:ext>
+            </a:extLst>
+          </p:cNvPr>
+          <p:cNvSpPr>
+            <a:spLocks noGrp="1"/>
+          </p:cNvSpPr>
+          <p:nvPr>
+            <p:ph type="body" sz="quarter" idx="13"/>
+          </p:nvPr>
+        </p:nvSpPr>
+        <p:spPr/>
+        <p:txBody>
+          <a:bodyPr/>
+          <a:lstStyle/>
+          <a:p>
+            <a:endParaRPr lang="en-GB"/>
+          </a:p>
+        </p:txBody>
+      </p:sp>
+    </p:spTree>
+    <p:extLst>
+      <p:ext uri="{BB962C8B-B14F-4D97-AF65-F5344CB8AC3E}">
+        <p14:creationId xmlns:p14="http://schemas.microsoft.com/office/powerpoint/2010/main" val="467107691"/>
+      </p:ext>
+    </p:extLst>
+  </p:cSld>
+  <p:clrMapOvr>
+    <a:masterClrMapping/>
+  </p:clrMapOvr>
+</p:sld>
+</file>
+
+<file path=ppt/slides/slide3.xml><?xml version="1.0" encoding="utf-8"?>
 <p:sld xmlns:a="http://schemas.openxmlformats.org/drawingml/2006/main" xmlns:r="http://schemas.openxmlformats.org/officeDocument/2006/relationships" xmlns:p="http://schemas.openxmlformats.org/presentationml/2006/main">
   <p:cSld>
     <p:spTree>
@@ -31317,10 +33336,16 @@
               <a:buNone/>
             </a:pPr>
             <a:r>
+              <a:rPr lang="en-GB" sz="1800">
+                <a:latin typeface="Poppins" panose="00000500000000000000" pitchFamily="2" charset="0"/>
+              </a:rPr>
+              <a:t>NoBIAS </a:t>
+            </a:r>
+            <a:r>
               <a:rPr lang="en-GB" sz="1800" dirty="0">
                 <a:latin typeface="Poppins" panose="00000500000000000000" pitchFamily="2" charset="0"/>
               </a:rPr>
-              <a:t>2023 Data Challenge</a:t>
+              <a:t>Data Challenge</a:t>
             </a:r>
           </a:p>
           <a:p>
@@ -32784,58 +34809,6 @@
           </a:p>
         </p:txBody>
       </p:sp>
-      <p:sp>
-        <p:nvSpPr>
-          <p:cNvPr id="6" name="Rectangle 5">
-            <a:extLst>
-              <a:ext uri="{FF2B5EF4-FFF2-40B4-BE49-F238E27FC236}">
-                <a16:creationId xmlns:a16="http://schemas.microsoft.com/office/drawing/2014/main" id="{8C5D8478-7230-99DF-D394-468B7021E719}"/>
-              </a:ext>
-            </a:extLst>
-          </p:cNvPr>
-          <p:cNvSpPr/>
-          <p:nvPr/>
-        </p:nvSpPr>
-        <p:spPr>
-          <a:xfrm>
-            <a:off x="412821" y="5629834"/>
-            <a:ext cx="2094852" cy="951075"/>
-          </a:xfrm>
-          <a:prstGeom prst="rect">
-            <a:avLst/>
-          </a:prstGeom>
-          <a:solidFill>
-            <a:schemeClr val="bg1"/>
-          </a:solidFill>
-          <a:ln>
-            <a:noFill/>
-          </a:ln>
-        </p:spPr>
-        <p:style>
-          <a:lnRef idx="2">
-            <a:schemeClr val="accent1">
-              <a:shade val="15000"/>
-            </a:schemeClr>
-          </a:lnRef>
-          <a:fillRef idx="1">
-            <a:schemeClr val="accent1"/>
-          </a:fillRef>
-          <a:effectRef idx="0">
-            <a:schemeClr val="accent1"/>
-          </a:effectRef>
-          <a:fontRef idx="minor">
-            <a:schemeClr val="lt1"/>
-          </a:fontRef>
-        </p:style>
-        <p:txBody>
-          <a:bodyPr rtlCol="0" anchor="ctr"/>
-          <a:lstStyle/>
-          <a:p>
-            <a:pPr algn="ctr"/>
-            <a:endParaRPr lang="en-US"/>
-          </a:p>
-        </p:txBody>
-      </p:sp>
     </p:spTree>
     <p:extLst>
       <p:ext uri="{BB962C8B-B14F-4D97-AF65-F5344CB8AC3E}">
@@ -32849,7 +34822,7 @@
 </p:sld>
 </file>
 
-<file path=ppt/slides/slide3.xml><?xml version="1.0" encoding="utf-8"?>
+<file path=ppt/slides/slide4.xml><?xml version="1.0" encoding="utf-8"?>
 <p:sld xmlns:a="http://schemas.openxmlformats.org/drawingml/2006/main" xmlns:r="http://schemas.openxmlformats.org/officeDocument/2006/relationships" xmlns:p="http://schemas.openxmlformats.org/presentationml/2006/main">
   <p:cSld>
     <p:spTree>
@@ -33161,10 +35134,16 @@
               <a:buNone/>
             </a:pPr>
             <a:r>
+              <a:rPr lang="en-GB" sz="1800" dirty="0" err="1">
+                <a:latin typeface="Poppins" panose="00000500000000000000" pitchFamily="2" charset="0"/>
+              </a:rPr>
+              <a:t>NoBIAS</a:t>
+            </a:r>
+            <a:r>
               <a:rPr lang="en-GB" sz="1800" dirty="0">
                 <a:latin typeface="Poppins" panose="00000500000000000000" pitchFamily="2" charset="0"/>
               </a:rPr>
-              <a:t>Data Challenge</a:t>
+              <a:t> Data Challenge</a:t>
             </a:r>
           </a:p>
           <a:p>
@@ -33923,58 +35902,6 @@
           </a:p>
         </p:txBody>
       </p:sp>
-      <p:sp>
-        <p:nvSpPr>
-          <p:cNvPr id="4" name="Rectangle 3">
-            <a:extLst>
-              <a:ext uri="{FF2B5EF4-FFF2-40B4-BE49-F238E27FC236}">
-                <a16:creationId xmlns:a16="http://schemas.microsoft.com/office/drawing/2014/main" id="{2C2303FB-098E-FC51-7081-3D172A4075B3}"/>
-              </a:ext>
-            </a:extLst>
-          </p:cNvPr>
-          <p:cNvSpPr/>
-          <p:nvPr/>
-        </p:nvSpPr>
-        <p:spPr>
-          <a:xfrm>
-            <a:off x="412821" y="5629834"/>
-            <a:ext cx="2094852" cy="951075"/>
-          </a:xfrm>
-          <a:prstGeom prst="rect">
-            <a:avLst/>
-          </a:prstGeom>
-          <a:solidFill>
-            <a:schemeClr val="bg1"/>
-          </a:solidFill>
-          <a:ln>
-            <a:noFill/>
-          </a:ln>
-        </p:spPr>
-        <p:style>
-          <a:lnRef idx="2">
-            <a:schemeClr val="accent1">
-              <a:shade val="15000"/>
-            </a:schemeClr>
-          </a:lnRef>
-          <a:fillRef idx="1">
-            <a:schemeClr val="accent1"/>
-          </a:fillRef>
-          <a:effectRef idx="0">
-            <a:schemeClr val="accent1"/>
-          </a:effectRef>
-          <a:fontRef idx="minor">
-            <a:schemeClr val="lt1"/>
-          </a:fontRef>
-        </p:style>
-        <p:txBody>
-          <a:bodyPr rtlCol="0" anchor="ctr"/>
-          <a:lstStyle/>
-          <a:p>
-            <a:pPr algn="ctr"/>
-            <a:endParaRPr lang="en-US"/>
-          </a:p>
-        </p:txBody>
-      </p:sp>
     </p:spTree>
     <p:extLst>
       <p:ext uri="{BB962C8B-B14F-4D97-AF65-F5344CB8AC3E}">
@@ -33988,7 +35915,7 @@
 </p:sld>
 </file>
 
-<file path=ppt/slides/slide4.xml><?xml version="1.0" encoding="utf-8"?>
+<file path=ppt/slides/slide5.xml><?xml version="1.0" encoding="utf-8"?>
 <p:sld xmlns:a="http://schemas.openxmlformats.org/drawingml/2006/main" xmlns:r="http://schemas.openxmlformats.org/officeDocument/2006/relationships" xmlns:p="http://schemas.openxmlformats.org/presentationml/2006/main">
   <p:cSld>
     <p:spTree>
@@ -34522,10 +36449,16 @@
               <a:buNone/>
             </a:pPr>
             <a:r>
+              <a:rPr lang="en-GB" sz="1800" dirty="0" err="1">
+                <a:latin typeface="Poppins" panose="00000500000000000000" pitchFamily="2" charset="0"/>
+              </a:rPr>
+              <a:t>NoBIAS</a:t>
+            </a:r>
+            <a:r>
               <a:rPr lang="en-GB" sz="1800" dirty="0">
                 <a:latin typeface="Poppins" panose="00000500000000000000" pitchFamily="2" charset="0"/>
               </a:rPr>
-              <a:t>Data Challenge</a:t>
+              <a:t> Data Challenge</a:t>
             </a:r>
           </a:p>
           <a:p>
@@ -35080,58 +37013,6 @@
           </a:p>
         </p:txBody>
       </p:sp>
-      <p:sp>
-        <p:nvSpPr>
-          <p:cNvPr id="5" name="Rectangle 4">
-            <a:extLst>
-              <a:ext uri="{FF2B5EF4-FFF2-40B4-BE49-F238E27FC236}">
-                <a16:creationId xmlns:a16="http://schemas.microsoft.com/office/drawing/2014/main" id="{28ADAEE3-B95F-039D-365A-88DAE04F9740}"/>
-              </a:ext>
-            </a:extLst>
-          </p:cNvPr>
-          <p:cNvSpPr/>
-          <p:nvPr/>
-        </p:nvSpPr>
-        <p:spPr>
-          <a:xfrm>
-            <a:off x="305844" y="5643287"/>
-            <a:ext cx="2094852" cy="951075"/>
-          </a:xfrm>
-          <a:prstGeom prst="rect">
-            <a:avLst/>
-          </a:prstGeom>
-          <a:solidFill>
-            <a:schemeClr val="bg1"/>
-          </a:solidFill>
-          <a:ln>
-            <a:noFill/>
-          </a:ln>
-        </p:spPr>
-        <p:style>
-          <a:lnRef idx="2">
-            <a:schemeClr val="accent1">
-              <a:shade val="15000"/>
-            </a:schemeClr>
-          </a:lnRef>
-          <a:fillRef idx="1">
-            <a:schemeClr val="accent1"/>
-          </a:fillRef>
-          <a:effectRef idx="0">
-            <a:schemeClr val="accent1"/>
-          </a:effectRef>
-          <a:fontRef idx="minor">
-            <a:schemeClr val="lt1"/>
-          </a:fontRef>
-        </p:style>
-        <p:txBody>
-          <a:bodyPr rtlCol="0" anchor="ctr"/>
-          <a:lstStyle/>
-          <a:p>
-            <a:pPr algn="ctr"/>
-            <a:endParaRPr lang="en-US"/>
-          </a:p>
-        </p:txBody>
-      </p:sp>
     </p:spTree>
     <p:extLst>
       <p:ext uri="{BB962C8B-B14F-4D97-AF65-F5344CB8AC3E}">
@@ -35145,7 +37026,7 @@
 </p:sld>
 </file>
 
-<file path=ppt/slides/slide5.xml><?xml version="1.0" encoding="utf-8"?>
+<file path=ppt/slides/slide6.xml><?xml version="1.0" encoding="utf-8"?>
 <p:sld xmlns:a="http://schemas.openxmlformats.org/drawingml/2006/main" xmlns:r="http://schemas.openxmlformats.org/officeDocument/2006/relationships" xmlns:p="http://schemas.openxmlformats.org/presentationml/2006/main">
   <p:cSld>
     <p:spTree>
@@ -36197,10 +38078,16 @@
               <a:buNone/>
             </a:pPr>
             <a:r>
+              <a:rPr lang="en-GB" sz="1800" dirty="0" err="1">
+                <a:latin typeface="Poppins" panose="00000500000000000000" pitchFamily="2" charset="0"/>
+              </a:rPr>
+              <a:t>NoBIAS</a:t>
+            </a:r>
+            <a:r>
               <a:rPr lang="en-GB" sz="1800" dirty="0">
                 <a:latin typeface="Poppins" panose="00000500000000000000" pitchFamily="2" charset="0"/>
               </a:rPr>
-              <a:t>Data Challenge</a:t>
+              <a:t> Data Challenge</a:t>
             </a:r>
           </a:p>
           <a:p>
@@ -37541,58 +39428,6 @@
           </a:fontRef>
         </p:style>
       </p:cxnSp>
-      <p:sp>
-        <p:nvSpPr>
-          <p:cNvPr id="4" name="Rectangle 3">
-            <a:extLst>
-              <a:ext uri="{FF2B5EF4-FFF2-40B4-BE49-F238E27FC236}">
-                <a16:creationId xmlns:a16="http://schemas.microsoft.com/office/drawing/2014/main" id="{26A034BA-1144-D44C-3B43-DE04109507C7}"/>
-              </a:ext>
-            </a:extLst>
-          </p:cNvPr>
-          <p:cNvSpPr/>
-          <p:nvPr/>
-        </p:nvSpPr>
-        <p:spPr>
-          <a:xfrm>
-            <a:off x="412821" y="5629834"/>
-            <a:ext cx="2094852" cy="951075"/>
-          </a:xfrm>
-          <a:prstGeom prst="rect">
-            <a:avLst/>
-          </a:prstGeom>
-          <a:solidFill>
-            <a:schemeClr val="bg1"/>
-          </a:solidFill>
-          <a:ln>
-            <a:noFill/>
-          </a:ln>
-        </p:spPr>
-        <p:style>
-          <a:lnRef idx="2">
-            <a:schemeClr val="accent1">
-              <a:shade val="15000"/>
-            </a:schemeClr>
-          </a:lnRef>
-          <a:fillRef idx="1">
-            <a:schemeClr val="accent1"/>
-          </a:fillRef>
-          <a:effectRef idx="0">
-            <a:schemeClr val="accent1"/>
-          </a:effectRef>
-          <a:fontRef idx="minor">
-            <a:schemeClr val="lt1"/>
-          </a:fontRef>
-        </p:style>
-        <p:txBody>
-          <a:bodyPr rtlCol="0" anchor="ctr"/>
-          <a:lstStyle/>
-          <a:p>
-            <a:pPr algn="ctr"/>
-            <a:endParaRPr lang="en-US"/>
-          </a:p>
-        </p:txBody>
-      </p:sp>
     </p:spTree>
     <p:extLst>
       <p:ext uri="{BB962C8B-B14F-4D97-AF65-F5344CB8AC3E}">
@@ -37606,7 +39441,7 @@
 </p:sld>
 </file>
 
-<file path=ppt/slides/slide6.xml><?xml version="1.0" encoding="utf-8"?>
+<file path=ppt/slides/slide7.xml><?xml version="1.0" encoding="utf-8"?>
 <p:sld xmlns:a="http://schemas.openxmlformats.org/drawingml/2006/main" xmlns:r="http://schemas.openxmlformats.org/officeDocument/2006/relationships" xmlns:p="http://schemas.openxmlformats.org/presentationml/2006/main">
   <p:cSld>
     <p:spTree>
@@ -37915,10 +39750,16 @@
               <a:buNone/>
             </a:pPr>
             <a:r>
+              <a:rPr lang="en-GB" sz="1800" dirty="0" err="1">
+                <a:latin typeface="Poppins" panose="00000500000000000000" pitchFamily="2" charset="0"/>
+              </a:rPr>
+              <a:t>NoBIAS</a:t>
+            </a:r>
+            <a:r>
               <a:rPr lang="en-GB" sz="1800" dirty="0">
                 <a:latin typeface="Poppins" panose="00000500000000000000" pitchFamily="2" charset="0"/>
               </a:rPr>
-              <a:t>Data Challenge</a:t>
+              <a:t> Data Challenge</a:t>
             </a:r>
           </a:p>
           <a:p>
@@ -39181,58 +41022,6 @@
           </a:fontRef>
         </p:style>
       </p:cxnSp>
-      <p:sp>
-        <p:nvSpPr>
-          <p:cNvPr id="7" name="Rectangle 6">
-            <a:extLst>
-              <a:ext uri="{FF2B5EF4-FFF2-40B4-BE49-F238E27FC236}">
-                <a16:creationId xmlns:a16="http://schemas.microsoft.com/office/drawing/2014/main" id="{5D680141-B261-E76D-4EAC-1F97A5E38A8B}"/>
-              </a:ext>
-            </a:extLst>
-          </p:cNvPr>
-          <p:cNvSpPr/>
-          <p:nvPr/>
-        </p:nvSpPr>
-        <p:spPr>
-          <a:xfrm>
-            <a:off x="412821" y="5629834"/>
-            <a:ext cx="2094852" cy="951075"/>
-          </a:xfrm>
-          <a:prstGeom prst="rect">
-            <a:avLst/>
-          </a:prstGeom>
-          <a:solidFill>
-            <a:schemeClr val="bg1"/>
-          </a:solidFill>
-          <a:ln>
-            <a:noFill/>
-          </a:ln>
-        </p:spPr>
-        <p:style>
-          <a:lnRef idx="2">
-            <a:schemeClr val="accent1">
-              <a:shade val="15000"/>
-            </a:schemeClr>
-          </a:lnRef>
-          <a:fillRef idx="1">
-            <a:schemeClr val="accent1"/>
-          </a:fillRef>
-          <a:effectRef idx="0">
-            <a:schemeClr val="accent1"/>
-          </a:effectRef>
-          <a:fontRef idx="minor">
-            <a:schemeClr val="lt1"/>
-          </a:fontRef>
-        </p:style>
-        <p:txBody>
-          <a:bodyPr rtlCol="0" anchor="ctr"/>
-          <a:lstStyle/>
-          <a:p>
-            <a:pPr algn="ctr"/>
-            <a:endParaRPr lang="en-US"/>
-          </a:p>
-        </p:txBody>
-      </p:sp>
     </p:spTree>
     <p:extLst>
       <p:ext uri="{BB962C8B-B14F-4D97-AF65-F5344CB8AC3E}">
@@ -39246,7 +41035,7 @@
 </p:sld>
 </file>
 
-<file path=ppt/slides/slide7.xml><?xml version="1.0" encoding="utf-8"?>
+<file path=ppt/slides/slide8.xml><?xml version="1.0" encoding="utf-8"?>
 <p:sld xmlns:a="http://schemas.openxmlformats.org/drawingml/2006/main" xmlns:r="http://schemas.openxmlformats.org/officeDocument/2006/relationships" xmlns:p="http://schemas.openxmlformats.org/presentationml/2006/main">
   <p:cSld>
     <p:bg>
@@ -39337,6 +41126,18 @@
               <a:buNone/>
             </a:pPr>
             <a:r>
+              <a:rPr lang="en-GB" sz="2000" dirty="0" err="1">
+                <a:latin typeface="Poppins" panose="00000500000000000000" pitchFamily="2" charset="0"/>
+              </a:rPr>
+              <a:t>NoBIAS</a:t>
+            </a:r>
+            <a:r>
+              <a:rPr lang="en-GB" sz="2000" dirty="0">
+                <a:latin typeface="Poppins" panose="00000500000000000000" pitchFamily="2" charset="0"/>
+              </a:rPr>
+              <a:t> </a:t>
+            </a:r>
+            <a:r>
               <a:rPr lang="en-GB" sz="2000" dirty="0">
                 <a:solidFill>
                   <a:srgbClr val="002060"/>
@@ -40005,58 +41806,6 @@
           </a:p>
         </p:txBody>
       </p:sp>
-      <p:sp>
-        <p:nvSpPr>
-          <p:cNvPr id="3" name="Rectangle 2">
-            <a:extLst>
-              <a:ext uri="{FF2B5EF4-FFF2-40B4-BE49-F238E27FC236}">
-                <a16:creationId xmlns:a16="http://schemas.microsoft.com/office/drawing/2014/main" id="{D537E7C9-95FB-1DE1-96A3-65D2B8EDFD4C}"/>
-              </a:ext>
-            </a:extLst>
-          </p:cNvPr>
-          <p:cNvSpPr/>
-          <p:nvPr/>
-        </p:nvSpPr>
-        <p:spPr>
-          <a:xfrm>
-            <a:off x="412821" y="5629834"/>
-            <a:ext cx="2094852" cy="951075"/>
-          </a:xfrm>
-          <a:prstGeom prst="rect">
-            <a:avLst/>
-          </a:prstGeom>
-          <a:solidFill>
-            <a:schemeClr val="bg1"/>
-          </a:solidFill>
-          <a:ln>
-            <a:noFill/>
-          </a:ln>
-        </p:spPr>
-        <p:style>
-          <a:lnRef idx="2">
-            <a:schemeClr val="accent1">
-              <a:shade val="15000"/>
-            </a:schemeClr>
-          </a:lnRef>
-          <a:fillRef idx="1">
-            <a:schemeClr val="accent1"/>
-          </a:fillRef>
-          <a:effectRef idx="0">
-            <a:schemeClr val="accent1"/>
-          </a:effectRef>
-          <a:fontRef idx="minor">
-            <a:schemeClr val="lt1"/>
-          </a:fontRef>
-        </p:style>
-        <p:txBody>
-          <a:bodyPr rtlCol="0" anchor="ctr"/>
-          <a:lstStyle/>
-          <a:p>
-            <a:pPr algn="ctr"/>
-            <a:endParaRPr lang="en-US"/>
-          </a:p>
-        </p:txBody>
-      </p:sp>
     </p:spTree>
     <p:extLst>
       <p:ext uri="{BB962C8B-B14F-4D97-AF65-F5344CB8AC3E}">
@@ -40070,7 +41819,7 @@
 </p:sld>
 </file>
 
-<file path=ppt/slides/slide8.xml><?xml version="1.0" encoding="utf-8"?>
+<file path=ppt/slides/slide9.xml><?xml version="1.0" encoding="utf-8"?>
 <p:sld xmlns:a="http://schemas.openxmlformats.org/drawingml/2006/main" xmlns:r="http://schemas.openxmlformats.org/officeDocument/2006/relationships" xmlns:p="http://schemas.openxmlformats.org/presentationml/2006/main">
   <p:cSld>
     <p:spTree>
@@ -40552,10 +42301,16 @@
               <a:buNone/>
             </a:pPr>
             <a:r>
+              <a:rPr lang="en-GB" sz="1800" dirty="0" err="1">
+                <a:latin typeface="Poppins" panose="00000500000000000000" pitchFamily="2" charset="0"/>
+              </a:rPr>
+              <a:t>NoBIAS</a:t>
+            </a:r>
+            <a:r>
               <a:rPr lang="en-GB" sz="1800" dirty="0">
                 <a:latin typeface="Poppins" panose="00000500000000000000" pitchFamily="2" charset="0"/>
               </a:rPr>
-              <a:t>Data Challenge</a:t>
+              <a:t> Data Challenge</a:t>
             </a:r>
           </a:p>
           <a:p>
@@ -40589,699 +42344,10 @@
           </a:p>
         </p:txBody>
       </p:sp>
-      <p:sp>
-        <p:nvSpPr>
-          <p:cNvPr id="2" name="Rectangle 1">
-            <a:extLst>
-              <a:ext uri="{FF2B5EF4-FFF2-40B4-BE49-F238E27FC236}">
-                <a16:creationId xmlns:a16="http://schemas.microsoft.com/office/drawing/2014/main" id="{BF0479FE-4DD6-63C2-BBE6-D96171A08D4E}"/>
-              </a:ext>
-            </a:extLst>
-          </p:cNvPr>
-          <p:cNvSpPr/>
-          <p:nvPr/>
-        </p:nvSpPr>
-        <p:spPr>
-          <a:xfrm>
-            <a:off x="412821" y="5629834"/>
-            <a:ext cx="2094852" cy="951075"/>
-          </a:xfrm>
-          <a:prstGeom prst="rect">
-            <a:avLst/>
-          </a:prstGeom>
-          <a:solidFill>
-            <a:schemeClr val="bg1"/>
-          </a:solidFill>
-          <a:ln>
-            <a:noFill/>
-          </a:ln>
-        </p:spPr>
-        <p:style>
-          <a:lnRef idx="2">
-            <a:schemeClr val="accent1">
-              <a:shade val="15000"/>
-            </a:schemeClr>
-          </a:lnRef>
-          <a:fillRef idx="1">
-            <a:schemeClr val="accent1"/>
-          </a:fillRef>
-          <a:effectRef idx="0">
-            <a:schemeClr val="accent1"/>
-          </a:effectRef>
-          <a:fontRef idx="minor">
-            <a:schemeClr val="lt1"/>
-          </a:fontRef>
-        </p:style>
-        <p:txBody>
-          <a:bodyPr rtlCol="0" anchor="ctr"/>
-          <a:lstStyle/>
-          <a:p>
-            <a:pPr algn="ctr"/>
-            <a:endParaRPr lang="en-US"/>
-          </a:p>
-        </p:txBody>
-      </p:sp>
     </p:spTree>
     <p:extLst>
       <p:ext uri="{BB962C8B-B14F-4D97-AF65-F5344CB8AC3E}">
         <p14:creationId xmlns:p14="http://schemas.microsoft.com/office/powerpoint/2010/main" val="2017937449"/>
-      </p:ext>
-    </p:extLst>
-  </p:cSld>
-  <p:clrMapOvr>
-    <a:masterClrMapping/>
-  </p:clrMapOvr>
-</p:sld>
-</file>
-
-<file path=ppt/slides/slide9.xml><?xml version="1.0" encoding="utf-8"?>
-<p:sld xmlns:a="http://schemas.openxmlformats.org/drawingml/2006/main" xmlns:r="http://schemas.openxmlformats.org/officeDocument/2006/relationships" xmlns:p="http://schemas.openxmlformats.org/presentationml/2006/main">
-  <p:cSld>
-    <p:spTree>
-      <p:nvGrpSpPr>
-        <p:cNvPr id="1" name=""/>
-        <p:cNvGrpSpPr/>
-        <p:nvPr/>
-      </p:nvGrpSpPr>
-      <p:grpSpPr>
-        <a:xfrm>
-          <a:off x="0" y="0"/>
-          <a:ext cx="0" cy="0"/>
-          <a:chOff x="0" y="0"/>
-          <a:chExt cx="0" cy="0"/>
-        </a:xfrm>
-      </p:grpSpPr>
-      <p:sp>
-        <p:nvSpPr>
-          <p:cNvPr id="3" name="Title 1">
-            <a:extLst>
-              <a:ext uri="{FF2B5EF4-FFF2-40B4-BE49-F238E27FC236}">
-                <a16:creationId xmlns:a16="http://schemas.microsoft.com/office/drawing/2014/main" id="{22FDAA22-4F66-BF70-E18E-FDF65E751451}"/>
-              </a:ext>
-            </a:extLst>
-          </p:cNvPr>
-          <p:cNvSpPr txBox="1">
-            <a:spLocks noGrp="1"/>
-          </p:cNvSpPr>
-          <p:nvPr>
-            <p:ph type="title" idx="4294967295"/>
-          </p:nvPr>
-        </p:nvSpPr>
-        <p:spPr>
-          <a:xfrm>
-            <a:off x="0" y="-425903"/>
-            <a:ext cx="10515600" cy="347039"/>
-          </a:xfrm>
-          <a:prstGeom prst="rect">
-            <a:avLst/>
-          </a:prstGeom>
-          <a:noFill/>
-          <a:ln>
-            <a:noFill/>
-            <a:prstDash/>
-          </a:ln>
-          <a:effectLst/>
-        </p:spPr>
-        <p:txBody>
-          <a:bodyPr rot="0" spcFirstLastPara="0" vertOverflow="overflow" horzOverflow="overflow" vert="horz" wrap="square" lIns="91440" tIns="45720" rIns="91440" bIns="45720" numCol="1" spcCol="0" rtlCol="0" fromWordArt="0" anchor="ctr" anchorCtr="0" forceAA="0" compatLnSpc="1">
-            <a:prstTxWarp prst="textNoShape">
-              <a:avLst/>
-            </a:prstTxWarp>
-            <a:normAutofit fontScale="90000"/>
-          </a:bodyPr>
-          <a:lstStyle>
-            <a:lvl1pPr algn="l" defTabSz="914400" rtl="0" eaLnBrk="1" latinLnBrk="0" hangingPunct="1">
-              <a:lnSpc>
-                <a:spcPct val="90000"/>
-              </a:lnSpc>
-              <a:spcBef>
-                <a:spcPct val="0"/>
-              </a:spcBef>
-              <a:buNone/>
-              <a:defRPr sz="4400" kern="1200">
-                <a:solidFill>
-                  <a:schemeClr val="tx1"/>
-                </a:solidFill>
-                <a:latin typeface="+mj-lt"/>
-                <a:ea typeface="+mj-ea"/>
-                <a:cs typeface="+mj-cs"/>
-              </a:defRPr>
-            </a:lvl1pPr>
-          </a:lstStyle>
-          <a:p>
-            <a:pPr marL="0" marR="0" lvl="0" indent="0" algn="l" defTabSz="914400" rtl="0" eaLnBrk="1" fontAlgn="auto" latinLnBrk="0" hangingPunct="1">
-              <a:lnSpc>
-                <a:spcPct val="90000"/>
-              </a:lnSpc>
-              <a:spcBef>
-                <a:spcPct val="0"/>
-              </a:spcBef>
-              <a:spcAft>
-                <a:spcPts val="0"/>
-              </a:spcAft>
-              <a:buClrTx/>
-              <a:buSzTx/>
-              <a:buFontTx/>
-              <a:buNone/>
-              <a:tabLst/>
-              <a:defRPr/>
-            </a:pPr>
-            <a:r>
-              <a:rPr kumimoji="0" lang="en-GB" sz="2000" b="1" i="0" u="none" strike="noStrike" kern="1200" cap="none" spc="0" normalizeH="0" baseline="0" noProof="0">
-                <a:ln>
-                  <a:noFill/>
-                </a:ln>
-                <a:solidFill>
-                  <a:schemeClr val="tx1"/>
-                </a:solidFill>
-                <a:effectLst/>
-                <a:uLnTx/>
-                <a:uFillTx/>
-                <a:latin typeface="Poppins SemiBold" panose="00000700000000000000" pitchFamily="50" charset="0"/>
-                <a:ea typeface="+mj-ea"/>
-                <a:cs typeface="Poppins SemiBold" panose="00000700000000000000" pitchFamily="50" charset="0"/>
-              </a:rPr>
-              <a:t>Slide Title 13</a:t>
-            </a:r>
-          </a:p>
-        </p:txBody>
-      </p:sp>
-      <p:sp>
-        <p:nvSpPr>
-          <p:cNvPr id="23" name="Text Placeholder 22">
-            <a:extLst>
-              <a:ext uri="{FF2B5EF4-FFF2-40B4-BE49-F238E27FC236}">
-                <a16:creationId xmlns:a16="http://schemas.microsoft.com/office/drawing/2014/main" id="{4DCF4599-94AE-841B-DC3D-B75B0111A0C5}"/>
-              </a:ext>
-            </a:extLst>
-          </p:cNvPr>
-          <p:cNvSpPr>
-            <a:spLocks noGrp="1"/>
-          </p:cNvSpPr>
-          <p:nvPr>
-            <p:ph type="body" sz="quarter" idx="12"/>
-          </p:nvPr>
-        </p:nvSpPr>
-        <p:spPr>
-          <a:xfrm>
-            <a:off x="887895" y="1558879"/>
-            <a:ext cx="2313071" cy="1238427"/>
-          </a:xfrm>
-        </p:spPr>
-        <p:txBody>
-          <a:bodyPr/>
-          <a:lstStyle/>
-          <a:p>
-            <a:r>
-              <a:rPr lang="en-GB" dirty="0"/>
-              <a:t>Drive</a:t>
-            </a:r>
-          </a:p>
-        </p:txBody>
-      </p:sp>
-      <p:sp>
-        <p:nvSpPr>
-          <p:cNvPr id="26" name="Text Placeholder 25">
-            <a:extLst>
-              <a:ext uri="{FF2B5EF4-FFF2-40B4-BE49-F238E27FC236}">
-                <a16:creationId xmlns:a16="http://schemas.microsoft.com/office/drawing/2014/main" id="{83578277-CEE8-F157-4661-5938D288B374}"/>
-              </a:ext>
-            </a:extLst>
-          </p:cNvPr>
-          <p:cNvSpPr>
-            <a:spLocks noGrp="1"/>
-          </p:cNvSpPr>
-          <p:nvPr>
-            <p:ph type="body" sz="quarter" idx="27"/>
-          </p:nvPr>
-        </p:nvSpPr>
-        <p:spPr>
-          <a:xfrm>
-            <a:off x="3286746" y="1562444"/>
-            <a:ext cx="7739063" cy="1232513"/>
-          </a:xfrm>
-        </p:spPr>
-        <p:txBody>
-          <a:bodyPr/>
-          <a:lstStyle/>
-          <a:p>
-            <a:r>
-              <a:rPr lang="en-GB" dirty="0"/>
-              <a:t>Project:</a:t>
-            </a:r>
-          </a:p>
-          <a:p>
-            <a:pPr marL="285750" indent="-285750">
-              <a:buFont typeface="Wingdings" pitchFamily="2" charset="2"/>
-              <a:buChar char="q"/>
-            </a:pPr>
-            <a:r>
-              <a:rPr lang="en-GB" dirty="0"/>
-              <a:t>Google </a:t>
-            </a:r>
-            <a:r>
-              <a:rPr lang="en-GB" dirty="0" err="1"/>
-              <a:t>colab</a:t>
-            </a:r>
-            <a:r>
-              <a:rPr lang="en-GB" dirty="0"/>
-              <a:t> notebooks</a:t>
-            </a:r>
-          </a:p>
-          <a:p>
-            <a:pPr marL="285750" indent="-285750">
-              <a:buFont typeface="Wingdings" pitchFamily="2" charset="2"/>
-              <a:buChar char="q"/>
-            </a:pPr>
-            <a:r>
-              <a:rPr lang="en-GB" dirty="0">
-                <a:solidFill>
-                  <a:schemeClr val="bg1">
-                    <a:lumMod val="85000"/>
-                  </a:schemeClr>
-                </a:solidFill>
-              </a:rPr>
-              <a:t>Data</a:t>
-            </a:r>
-          </a:p>
-          <a:p>
-            <a:pPr marL="285750" indent="-285750">
-              <a:buFont typeface="Wingdings" pitchFamily="2" charset="2"/>
-              <a:buChar char="q"/>
-            </a:pPr>
-            <a:endParaRPr lang="en-GB" dirty="0"/>
-          </a:p>
-        </p:txBody>
-      </p:sp>
-      <p:sp>
-        <p:nvSpPr>
-          <p:cNvPr id="28" name="Text Placeholder 27">
-            <a:extLst>
-              <a:ext uri="{FF2B5EF4-FFF2-40B4-BE49-F238E27FC236}">
-                <a16:creationId xmlns:a16="http://schemas.microsoft.com/office/drawing/2014/main" id="{E95C9409-83BF-0393-751E-383790087EA5}"/>
-              </a:ext>
-            </a:extLst>
-          </p:cNvPr>
-          <p:cNvSpPr>
-            <a:spLocks noGrp="1"/>
-          </p:cNvSpPr>
-          <p:nvPr>
-            <p:ph type="body" sz="quarter" idx="29"/>
-          </p:nvPr>
-        </p:nvSpPr>
-        <p:spPr>
-          <a:xfrm>
-            <a:off x="887895" y="3076871"/>
-            <a:ext cx="2313071" cy="987323"/>
-          </a:xfrm>
-        </p:spPr>
-        <p:txBody>
-          <a:bodyPr/>
-          <a:lstStyle/>
-          <a:p>
-            <a:r>
-              <a:rPr lang="en-GB" dirty="0"/>
-              <a:t>Teams</a:t>
-            </a:r>
-          </a:p>
-        </p:txBody>
-      </p:sp>
-      <p:sp>
-        <p:nvSpPr>
-          <p:cNvPr id="27" name="Text Placeholder 26">
-            <a:extLst>
-              <a:ext uri="{FF2B5EF4-FFF2-40B4-BE49-F238E27FC236}">
-                <a16:creationId xmlns:a16="http://schemas.microsoft.com/office/drawing/2014/main" id="{C34FED13-7279-9ADF-AA31-56DE2E27B362}"/>
-              </a:ext>
-            </a:extLst>
-          </p:cNvPr>
-          <p:cNvSpPr>
-            <a:spLocks noGrp="1"/>
-          </p:cNvSpPr>
-          <p:nvPr>
-            <p:ph type="body" sz="quarter" idx="28"/>
-          </p:nvPr>
-        </p:nvSpPr>
-        <p:spPr>
-          <a:xfrm>
-            <a:off x="3286746" y="3080437"/>
-            <a:ext cx="7739063" cy="982607"/>
-          </a:xfrm>
-        </p:spPr>
-        <p:txBody>
-          <a:bodyPr/>
-          <a:lstStyle/>
-          <a:p>
-            <a:r>
-              <a:rPr lang="en-GB" dirty="0">
-                <a:solidFill>
-                  <a:schemeClr val="bg1">
-                    <a:lumMod val="85000"/>
-                  </a:schemeClr>
-                </a:solidFill>
-              </a:rPr>
-              <a:t>Submissions folder</a:t>
-            </a:r>
-          </a:p>
-          <a:p>
-            <a:r>
-              <a:rPr lang="en-GB" dirty="0">
-                <a:solidFill>
-                  <a:schemeClr val="bg1">
-                    <a:lumMod val="85000"/>
-                  </a:schemeClr>
-                </a:solidFill>
-              </a:rPr>
-              <a:t>Project folder (for Drive)</a:t>
-            </a:r>
-          </a:p>
-        </p:txBody>
-      </p:sp>
-      <p:sp>
-        <p:nvSpPr>
-          <p:cNvPr id="13" name="Text Placeholder 1">
-            <a:extLst>
-              <a:ext uri="{FF2B5EF4-FFF2-40B4-BE49-F238E27FC236}">
-                <a16:creationId xmlns:a16="http://schemas.microsoft.com/office/drawing/2014/main" id="{92709D1D-6052-1B40-9312-B266052C2DD0}"/>
-              </a:ext>
-            </a:extLst>
-          </p:cNvPr>
-          <p:cNvSpPr txBox="1">
-            <a:spLocks/>
-          </p:cNvSpPr>
-          <p:nvPr/>
-        </p:nvSpPr>
-        <p:spPr>
-          <a:xfrm>
-            <a:off x="412822" y="334672"/>
-            <a:ext cx="4800202" cy="1088571"/>
-          </a:xfrm>
-          <a:prstGeom prst="rect">
-            <a:avLst/>
-          </a:prstGeom>
-        </p:spPr>
-        <p:txBody>
-          <a:bodyPr/>
-          <a:lstStyle>
-            <a:lvl1pPr marL="228600" indent="-228600" algn="l" defTabSz="914400" rtl="0" eaLnBrk="1" latinLnBrk="0" hangingPunct="1">
-              <a:lnSpc>
-                <a:spcPct val="90000"/>
-              </a:lnSpc>
-              <a:spcBef>
-                <a:spcPts val="1000"/>
-              </a:spcBef>
-              <a:buFont typeface="Arial" panose="020B0604020202020204" pitchFamily="34" charset="0"/>
-              <a:buChar char="•"/>
-              <a:defRPr sz="2800" kern="1200">
-                <a:solidFill>
-                  <a:schemeClr val="tx1"/>
-                </a:solidFill>
-                <a:latin typeface="+mn-lt"/>
-                <a:ea typeface="+mn-ea"/>
-                <a:cs typeface="+mn-cs"/>
-              </a:defRPr>
-            </a:lvl1pPr>
-            <a:lvl2pPr marL="685800" indent="-228600" algn="l" defTabSz="914400" rtl="0" eaLnBrk="1" latinLnBrk="0" hangingPunct="1">
-              <a:lnSpc>
-                <a:spcPct val="90000"/>
-              </a:lnSpc>
-              <a:spcBef>
-                <a:spcPts val="500"/>
-              </a:spcBef>
-              <a:buFont typeface="Arial" panose="020B0604020202020204" pitchFamily="34" charset="0"/>
-              <a:buChar char="•"/>
-              <a:defRPr sz="2400" kern="1200">
-                <a:solidFill>
-                  <a:schemeClr val="tx1"/>
-                </a:solidFill>
-                <a:latin typeface="+mn-lt"/>
-                <a:ea typeface="+mn-ea"/>
-                <a:cs typeface="+mn-cs"/>
-              </a:defRPr>
-            </a:lvl2pPr>
-            <a:lvl3pPr marL="1143000" indent="-228600" algn="l" defTabSz="914400" rtl="0" eaLnBrk="1" latinLnBrk="0" hangingPunct="1">
-              <a:lnSpc>
-                <a:spcPct val="90000"/>
-              </a:lnSpc>
-              <a:spcBef>
-                <a:spcPts val="500"/>
-              </a:spcBef>
-              <a:buFont typeface="Arial" panose="020B0604020202020204" pitchFamily="34" charset="0"/>
-              <a:buChar char="•"/>
-              <a:defRPr sz="2000" kern="1200">
-                <a:solidFill>
-                  <a:schemeClr val="tx1"/>
-                </a:solidFill>
-                <a:latin typeface="+mn-lt"/>
-                <a:ea typeface="+mn-ea"/>
-                <a:cs typeface="+mn-cs"/>
-              </a:defRPr>
-            </a:lvl3pPr>
-            <a:lvl4pPr marL="1600200" indent="-228600" algn="l" defTabSz="914400" rtl="0" eaLnBrk="1" latinLnBrk="0" hangingPunct="1">
-              <a:lnSpc>
-                <a:spcPct val="90000"/>
-              </a:lnSpc>
-              <a:spcBef>
-                <a:spcPts val="500"/>
-              </a:spcBef>
-              <a:buFont typeface="Arial" panose="020B0604020202020204" pitchFamily="34" charset="0"/>
-              <a:buChar char="•"/>
-              <a:defRPr sz="1800" kern="1200">
-                <a:solidFill>
-                  <a:schemeClr val="tx1"/>
-                </a:solidFill>
-                <a:latin typeface="+mn-lt"/>
-                <a:ea typeface="+mn-ea"/>
-                <a:cs typeface="+mn-cs"/>
-              </a:defRPr>
-            </a:lvl4pPr>
-            <a:lvl5pPr marL="2057400" indent="-228600" algn="l" defTabSz="914400" rtl="0" eaLnBrk="1" latinLnBrk="0" hangingPunct="1">
-              <a:lnSpc>
-                <a:spcPct val="90000"/>
-              </a:lnSpc>
-              <a:spcBef>
-                <a:spcPts val="500"/>
-              </a:spcBef>
-              <a:buFont typeface="Arial" panose="020B0604020202020204" pitchFamily="34" charset="0"/>
-              <a:buChar char="•"/>
-              <a:defRPr sz="1800" kern="1200">
-                <a:solidFill>
-                  <a:schemeClr val="tx1"/>
-                </a:solidFill>
-                <a:latin typeface="+mn-lt"/>
-                <a:ea typeface="+mn-ea"/>
-                <a:cs typeface="+mn-cs"/>
-              </a:defRPr>
-            </a:lvl5pPr>
-            <a:lvl6pPr marL="2514600" indent="-228600" algn="l" defTabSz="914400" rtl="0" eaLnBrk="1" latinLnBrk="0" hangingPunct="1">
-              <a:lnSpc>
-                <a:spcPct val="90000"/>
-              </a:lnSpc>
-              <a:spcBef>
-                <a:spcPts val="500"/>
-              </a:spcBef>
-              <a:buFont typeface="Arial" panose="020B0604020202020204" pitchFamily="34" charset="0"/>
-              <a:buChar char="•"/>
-              <a:defRPr sz="1800" kern="1200">
-                <a:solidFill>
-                  <a:schemeClr val="tx1"/>
-                </a:solidFill>
-                <a:latin typeface="+mn-lt"/>
-                <a:ea typeface="+mn-ea"/>
-                <a:cs typeface="+mn-cs"/>
-              </a:defRPr>
-            </a:lvl6pPr>
-            <a:lvl7pPr marL="2971800" indent="-228600" algn="l" defTabSz="914400" rtl="0" eaLnBrk="1" latinLnBrk="0" hangingPunct="1">
-              <a:lnSpc>
-                <a:spcPct val="90000"/>
-              </a:lnSpc>
-              <a:spcBef>
-                <a:spcPts val="500"/>
-              </a:spcBef>
-              <a:buFont typeface="Arial" panose="020B0604020202020204" pitchFamily="34" charset="0"/>
-              <a:buChar char="•"/>
-              <a:defRPr sz="1800" kern="1200">
-                <a:solidFill>
-                  <a:schemeClr val="tx1"/>
-                </a:solidFill>
-                <a:latin typeface="+mn-lt"/>
-                <a:ea typeface="+mn-ea"/>
-                <a:cs typeface="+mn-cs"/>
-              </a:defRPr>
-            </a:lvl7pPr>
-            <a:lvl8pPr marL="3429000" indent="-228600" algn="l" defTabSz="914400" rtl="0" eaLnBrk="1" latinLnBrk="0" hangingPunct="1">
-              <a:lnSpc>
-                <a:spcPct val="90000"/>
-              </a:lnSpc>
-              <a:spcBef>
-                <a:spcPts val="500"/>
-              </a:spcBef>
-              <a:buFont typeface="Arial" panose="020B0604020202020204" pitchFamily="34" charset="0"/>
-              <a:buChar char="•"/>
-              <a:defRPr sz="1800" kern="1200">
-                <a:solidFill>
-                  <a:schemeClr val="tx1"/>
-                </a:solidFill>
-                <a:latin typeface="+mn-lt"/>
-                <a:ea typeface="+mn-ea"/>
-                <a:cs typeface="+mn-cs"/>
-              </a:defRPr>
-            </a:lvl8pPr>
-            <a:lvl9pPr marL="3886200" indent="-228600" algn="l" defTabSz="914400" rtl="0" eaLnBrk="1" latinLnBrk="0" hangingPunct="1">
-              <a:lnSpc>
-                <a:spcPct val="90000"/>
-              </a:lnSpc>
-              <a:spcBef>
-                <a:spcPts val="500"/>
-              </a:spcBef>
-              <a:buFont typeface="Arial" panose="020B0604020202020204" pitchFamily="34" charset="0"/>
-              <a:buChar char="•"/>
-              <a:defRPr sz="1800" kern="1200">
-                <a:solidFill>
-                  <a:schemeClr val="tx1"/>
-                </a:solidFill>
-                <a:latin typeface="+mn-lt"/>
-                <a:ea typeface="+mn-ea"/>
-                <a:cs typeface="+mn-cs"/>
-              </a:defRPr>
-            </a:lvl9pPr>
-          </a:lstStyle>
-          <a:p>
-            <a:pPr marL="0" indent="0">
-              <a:lnSpc>
-                <a:spcPct val="100000"/>
-              </a:lnSpc>
-              <a:buNone/>
-            </a:pPr>
-            <a:r>
-              <a:rPr lang="en-GB" sz="1800" dirty="0">
-                <a:latin typeface="Poppins" panose="00000500000000000000" pitchFamily="2" charset="0"/>
-              </a:rPr>
-              <a:t>Data Challenge</a:t>
-            </a:r>
-          </a:p>
-          <a:p>
-            <a:pPr marL="0" indent="0">
-              <a:lnSpc>
-                <a:spcPct val="100000"/>
-              </a:lnSpc>
-              <a:spcBef>
-                <a:spcPts val="600"/>
-              </a:spcBef>
-              <a:buNone/>
-            </a:pPr>
-            <a:r>
-              <a:rPr lang="en-GB" b="1" dirty="0">
-                <a:latin typeface="Poppins" panose="00000500000000000000" pitchFamily="2" charset="0"/>
-              </a:rPr>
-              <a:t>Materials</a:t>
-            </a:r>
-          </a:p>
-          <a:p>
-            <a:pPr marL="0" indent="0">
-              <a:lnSpc>
-                <a:spcPct val="100000"/>
-              </a:lnSpc>
-              <a:buFont typeface="Arial" panose="020B0604020202020204" pitchFamily="34" charset="0"/>
-              <a:buNone/>
-            </a:pPr>
-            <a:endParaRPr lang="en-GB" dirty="0">
-              <a:latin typeface="Poppins" panose="00000500000000000000" pitchFamily="2" charset="0"/>
-            </a:endParaRPr>
-          </a:p>
-        </p:txBody>
-      </p:sp>
-      <p:pic>
-        <p:nvPicPr>
-          <p:cNvPr id="6" name="Picture 5">
-            <a:extLst>
-              <a:ext uri="{FF2B5EF4-FFF2-40B4-BE49-F238E27FC236}">
-                <a16:creationId xmlns:a16="http://schemas.microsoft.com/office/drawing/2014/main" id="{D4AD2B66-B4D6-414D-9C88-F52D6655BC1C}"/>
-              </a:ext>
-            </a:extLst>
-          </p:cNvPr>
-          <p:cNvPicPr>
-            <a:picLocks noChangeAspect="1"/>
-          </p:cNvPicPr>
-          <p:nvPr/>
-        </p:nvPicPr>
-        <p:blipFill>
-          <a:blip r:embed="rId3">
-            <a:extLst>
-              <a:ext uri="{28A0092B-C50C-407E-A947-70E740481C1C}">
-                <a14:useLocalDpi xmlns:a14="http://schemas.microsoft.com/office/drawing/2010/main" val="0"/>
-              </a:ext>
-            </a:extLst>
-          </a:blip>
-          <a:srcRect/>
-          <a:stretch/>
-        </p:blipFill>
-        <p:spPr>
-          <a:xfrm>
-            <a:off x="3200966" y="4169904"/>
-            <a:ext cx="5319384" cy="2563249"/>
-          </a:xfrm>
-          <a:prstGeom prst="rect">
-            <a:avLst/>
-          </a:prstGeom>
-        </p:spPr>
-      </p:pic>
-      <p:sp>
-        <p:nvSpPr>
-          <p:cNvPr id="2" name="Rectangle 1">
-            <a:extLst>
-              <a:ext uri="{FF2B5EF4-FFF2-40B4-BE49-F238E27FC236}">
-                <a16:creationId xmlns:a16="http://schemas.microsoft.com/office/drawing/2014/main" id="{6FF7A0F9-5AC5-71C8-F2CD-2571FB988017}"/>
-              </a:ext>
-            </a:extLst>
-          </p:cNvPr>
-          <p:cNvSpPr/>
-          <p:nvPr/>
-        </p:nvSpPr>
-        <p:spPr>
-          <a:xfrm>
-            <a:off x="412821" y="5629834"/>
-            <a:ext cx="2094852" cy="951075"/>
-          </a:xfrm>
-          <a:prstGeom prst="rect">
-            <a:avLst/>
-          </a:prstGeom>
-          <a:solidFill>
-            <a:schemeClr val="bg1"/>
-          </a:solidFill>
-          <a:ln>
-            <a:noFill/>
-          </a:ln>
-        </p:spPr>
-        <p:style>
-          <a:lnRef idx="2">
-            <a:schemeClr val="accent1">
-              <a:shade val="15000"/>
-            </a:schemeClr>
-          </a:lnRef>
-          <a:fillRef idx="1">
-            <a:schemeClr val="accent1"/>
-          </a:fillRef>
-          <a:effectRef idx="0">
-            <a:schemeClr val="accent1"/>
-          </a:effectRef>
-          <a:fontRef idx="minor">
-            <a:schemeClr val="lt1"/>
-          </a:fontRef>
-        </p:style>
-        <p:txBody>
-          <a:bodyPr rtlCol="0" anchor="ctr"/>
-          <a:lstStyle/>
-          <a:p>
-            <a:pPr algn="ctr"/>
-            <a:endParaRPr lang="en-US"/>
-          </a:p>
-        </p:txBody>
-      </p:sp>
-    </p:spTree>
-    <p:extLst>
-      <p:ext uri="{BB962C8B-B14F-4D97-AF65-F5344CB8AC3E}">
-        <p14:creationId xmlns:p14="http://schemas.microsoft.com/office/powerpoint/2010/main" val="2072306335"/>
       </p:ext>
     </p:extLst>
   </p:cSld>
@@ -43075,17 +44141,6 @@
 </file>
 
 <file path=customXml/item1.xml><?xml version="1.0" encoding="utf-8"?>
-<p:properties xmlns:p="http://schemas.microsoft.com/office/2006/metadata/properties" xmlns:xsi="http://www.w3.org/2001/XMLSchema-instance" xmlns:pc="http://schemas.microsoft.com/office/infopath/2007/PartnerControls">
-  <documentManagement>
-    <TaxCatchAll xmlns="e4476828-269d-41e7-8c7f-463a607b843c" xsi:nil="true"/>
-    <lcf76f155ced4ddcb4097134ff3c332f xmlns="4ed73a0e-c0f4-4682-9833-b80ae4bd0773">
-      <Terms xmlns="http://schemas.microsoft.com/office/infopath/2007/PartnerControls"/>
-    </lcf76f155ced4ddcb4097134ff3c332f>
-  </documentManagement>
-</p:properties>
-</file>
-
-<file path=customXml/item2.xml><?xml version="1.0" encoding="utf-8"?>
 <ct:contentTypeSchema xmlns:ct="http://schemas.microsoft.com/office/2006/metadata/contentType" xmlns:ma="http://schemas.microsoft.com/office/2006/metadata/properties/metaAttributes" ct:_="" ma:_="" ma:contentTypeName="Document" ma:contentTypeID="0x01010003E7A8613C21C848AD2F91B91A9AAB64" ma:contentTypeVersion="20" ma:contentTypeDescription="Create a new document." ma:contentTypeScope="" ma:versionID="c1d9353f12382b36ac3f9f5b2f1dd716">
   <xsd:schema xmlns:xsd="http://www.w3.org/2001/XMLSchema" xmlns:xs="http://www.w3.org/2001/XMLSchema" xmlns:p="http://schemas.microsoft.com/office/2006/metadata/properties" xmlns:ns2="4ed73a0e-c0f4-4682-9833-b80ae4bd0773" xmlns:ns3="23060362-3cc1-48ff-8e33-88570e39b161" xmlns:ns4="e4476828-269d-41e7-8c7f-463a607b843c" targetNamespace="http://schemas.microsoft.com/office/2006/metadata/properties" ma:root="true" ma:fieldsID="c254bfd5ec353ffdfb8a6f8fbb6c5717" ns2:_="" ns3:_="" ns4:_="">
     <xsd:import namespace="4ed73a0e-c0f4-4682-9833-b80ae4bd0773"/>
@@ -43333,7 +44388,7 @@
 </ct:contentTypeSchema>
 </file>
 
-<file path=customXml/item3.xml><?xml version="1.0" encoding="utf-8"?>
+<file path=customXml/item2.xml><?xml version="1.0" encoding="utf-8"?>
 <?mso-contentType ?>
 <FormTemplates xmlns="http://schemas.microsoft.com/sharepoint/v3/contenttype/forms">
   <Display>DocumentLibraryForm</Display>
@@ -43342,26 +44397,18 @@
 </FormTemplates>
 </file>
 
-<file path=customXml/itemProps1.xml><?xml version="1.0" encoding="utf-8"?>
-<ds:datastoreItem xmlns:ds="http://schemas.openxmlformats.org/officeDocument/2006/customXml" ds:itemID="{BD1F123D-72E4-47AA-AF87-050EE8541186}">
-  <ds:schemaRefs>
-    <ds:schemaRef ds:uri="37366ac4-c030-4543-8cc8-88329e81ec50"/>
-    <ds:schemaRef ds:uri="4ed73a0e-c0f4-4682-9833-b80ae4bd0773"/>
-    <ds:schemaRef ds:uri="a4bbcd8a-0e99-45ba-ba54-c1f6b28a9aac"/>
-    <ds:schemaRef ds:uri="e4476828-269d-41e7-8c7f-463a607b843c"/>
-    <ds:schemaRef ds:uri="http://purl.org/dc/dcmitype/"/>
-    <ds:schemaRef ds:uri="http://purl.org/dc/elements/1.1/"/>
-    <ds:schemaRef ds:uri="http://purl.org/dc/terms/"/>
-    <ds:schemaRef ds:uri="http://schemas.microsoft.com/office/2006/documentManagement/types"/>
-    <ds:schemaRef ds:uri="http://schemas.microsoft.com/office/2006/metadata/properties"/>
-    <ds:schemaRef ds:uri="http://schemas.microsoft.com/office/infopath/2007/PartnerControls"/>
-    <ds:schemaRef ds:uri="http://schemas.openxmlformats.org/package/2006/metadata/core-properties"/>
-    <ds:schemaRef ds:uri="http://www.w3.org/XML/1998/namespace"/>
-  </ds:schemaRefs>
-</ds:datastoreItem>
+<file path=customXml/item3.xml><?xml version="1.0" encoding="utf-8"?>
+<p:properties xmlns:p="http://schemas.microsoft.com/office/2006/metadata/properties" xmlns:xsi="http://www.w3.org/2001/XMLSchema-instance" xmlns:pc="http://schemas.microsoft.com/office/infopath/2007/PartnerControls">
+  <documentManagement>
+    <TaxCatchAll xmlns="e4476828-269d-41e7-8c7f-463a607b843c" xsi:nil="true"/>
+    <lcf76f155ced4ddcb4097134ff3c332f xmlns="4ed73a0e-c0f4-4682-9833-b80ae4bd0773">
+      <Terms xmlns="http://schemas.microsoft.com/office/infopath/2007/PartnerControls"/>
+    </lcf76f155ced4ddcb4097134ff3c332f>
+  </documentManagement>
+</p:properties>
 </file>
 
-<file path=customXml/itemProps2.xml><?xml version="1.0" encoding="utf-8"?>
+<file path=customXml/itemProps1.xml><?xml version="1.0" encoding="utf-8"?>
 <ds:datastoreItem xmlns:ds="http://schemas.openxmlformats.org/officeDocument/2006/customXml" ds:itemID="{7ADD03CB-2A88-4644-BBA9-D7ABCC1D4135}">
   <ds:schemaRefs>
     <ds:schemaRef ds:uri="23060362-3cc1-48ff-8e33-88570e39b161"/>
@@ -43381,10 +44428,29 @@
 </ds:datastoreItem>
 </file>
 
-<file path=customXml/itemProps3.xml><?xml version="1.0" encoding="utf-8"?>
+<file path=customXml/itemProps2.xml><?xml version="1.0" encoding="utf-8"?>
 <ds:datastoreItem xmlns:ds="http://schemas.openxmlformats.org/officeDocument/2006/customXml" ds:itemID="{A66CD3E3-2AD4-4BFA-B062-CD9F3FC37753}">
   <ds:schemaRefs>
     <ds:schemaRef ds:uri="http://schemas.microsoft.com/sharepoint/v3/contenttype/forms"/>
   </ds:schemaRefs>
 </ds:datastoreItem>
+</file>
+
+<file path=customXml/itemProps3.xml><?xml version="1.0" encoding="utf-8"?>
+<ds:datastoreItem xmlns:ds="http://schemas.openxmlformats.org/officeDocument/2006/customXml" ds:itemID="{BD1F123D-72E4-47AA-AF87-050EE8541186}">
+  <ds:schemaRefs>
+    <ds:schemaRef ds:uri="37366ac4-c030-4543-8cc8-88329e81ec50"/>
+    <ds:schemaRef ds:uri="4ed73a0e-c0f4-4682-9833-b80ae4bd0773"/>
+    <ds:schemaRef ds:uri="a4bbcd8a-0e99-45ba-ba54-c1f6b28a9aac"/>
+    <ds:schemaRef ds:uri="e4476828-269d-41e7-8c7f-463a607b843c"/>
+    <ds:schemaRef ds:uri="http://purl.org/dc/dcmitype/"/>
+    <ds:schemaRef ds:uri="http://purl.org/dc/elements/1.1/"/>
+    <ds:schemaRef ds:uri="http://purl.org/dc/terms/"/>
+    <ds:schemaRef ds:uri="http://schemas.microsoft.com/office/2006/documentManagement/types"/>
+    <ds:schemaRef ds:uri="http://schemas.microsoft.com/office/2006/metadata/properties"/>
+    <ds:schemaRef ds:uri="http://schemas.microsoft.com/office/infopath/2007/PartnerControls"/>
+    <ds:schemaRef ds:uri="http://schemas.openxmlformats.org/package/2006/metadata/core-properties"/>
+    <ds:schemaRef ds:uri="http://www.w3.org/XML/1998/namespace"/>
+  </ds:schemaRefs>
+</ds:datastoreItem>
 </file>